--- a/Figures/Figure_1_stuff.pptx
+++ b/Figures/Figure_1_stuff.pptx
@@ -11,8 +11,9 @@
     <p:sldId id="260" r:id="rId5"/>
     <p:sldId id="262" r:id="rId6"/>
     <p:sldId id="263" r:id="rId7"/>
-    <p:sldId id="259" r:id="rId8"/>
-    <p:sldId id="261" r:id="rId9"/>
+    <p:sldId id="264" r:id="rId8"/>
+    <p:sldId id="259" r:id="rId9"/>
+    <p:sldId id="261" r:id="rId10"/>
   </p:sldIdLst>
   <p:sldSz cx="12192000" cy="6858000"/>
   <p:notesSz cx="6858000" cy="9144000"/>
@@ -266,7 +267,7 @@
           <a:p>
             <a:fld id="{46C755B5-E023-4A6A-BB73-FE002B65B017}" type="datetimeFigureOut">
               <a:rPr lang="en-US" smtClean="0"/>
-              <a:t>7/30/2021</a:t>
+              <a:t>12/16/2021</a:t>
             </a:fld>
             <a:endParaRPr lang="en-US"/>
           </a:p>
@@ -464,7 +465,7 @@
           <a:p>
             <a:fld id="{46C755B5-E023-4A6A-BB73-FE002B65B017}" type="datetimeFigureOut">
               <a:rPr lang="en-US" smtClean="0"/>
-              <a:t>7/30/2021</a:t>
+              <a:t>12/16/2021</a:t>
             </a:fld>
             <a:endParaRPr lang="en-US"/>
           </a:p>
@@ -672,7 +673,7 @@
           <a:p>
             <a:fld id="{46C755B5-E023-4A6A-BB73-FE002B65B017}" type="datetimeFigureOut">
               <a:rPr lang="en-US" smtClean="0"/>
-              <a:t>7/30/2021</a:t>
+              <a:t>12/16/2021</a:t>
             </a:fld>
             <a:endParaRPr lang="en-US"/>
           </a:p>
@@ -870,7 +871,7 @@
           <a:p>
             <a:fld id="{46C755B5-E023-4A6A-BB73-FE002B65B017}" type="datetimeFigureOut">
               <a:rPr lang="en-US" smtClean="0"/>
-              <a:t>7/30/2021</a:t>
+              <a:t>12/16/2021</a:t>
             </a:fld>
             <a:endParaRPr lang="en-US"/>
           </a:p>
@@ -1145,7 +1146,7 @@
           <a:p>
             <a:fld id="{46C755B5-E023-4A6A-BB73-FE002B65B017}" type="datetimeFigureOut">
               <a:rPr lang="en-US" smtClean="0"/>
-              <a:t>7/30/2021</a:t>
+              <a:t>12/16/2021</a:t>
             </a:fld>
             <a:endParaRPr lang="en-US"/>
           </a:p>
@@ -1410,7 +1411,7 @@
           <a:p>
             <a:fld id="{46C755B5-E023-4A6A-BB73-FE002B65B017}" type="datetimeFigureOut">
               <a:rPr lang="en-US" smtClean="0"/>
-              <a:t>7/30/2021</a:t>
+              <a:t>12/16/2021</a:t>
             </a:fld>
             <a:endParaRPr lang="en-US"/>
           </a:p>
@@ -1822,7 +1823,7 @@
           <a:p>
             <a:fld id="{46C755B5-E023-4A6A-BB73-FE002B65B017}" type="datetimeFigureOut">
               <a:rPr lang="en-US" smtClean="0"/>
-              <a:t>7/30/2021</a:t>
+              <a:t>12/16/2021</a:t>
             </a:fld>
             <a:endParaRPr lang="en-US"/>
           </a:p>
@@ -1963,7 +1964,7 @@
           <a:p>
             <a:fld id="{46C755B5-E023-4A6A-BB73-FE002B65B017}" type="datetimeFigureOut">
               <a:rPr lang="en-US" smtClean="0"/>
-              <a:t>7/30/2021</a:t>
+              <a:t>12/16/2021</a:t>
             </a:fld>
             <a:endParaRPr lang="en-US"/>
           </a:p>
@@ -2076,7 +2077,7 @@
           <a:p>
             <a:fld id="{46C755B5-E023-4A6A-BB73-FE002B65B017}" type="datetimeFigureOut">
               <a:rPr lang="en-US" smtClean="0"/>
-              <a:t>7/30/2021</a:t>
+              <a:t>12/16/2021</a:t>
             </a:fld>
             <a:endParaRPr lang="en-US"/>
           </a:p>
@@ -2387,7 +2388,7 @@
           <a:p>
             <a:fld id="{46C755B5-E023-4A6A-BB73-FE002B65B017}" type="datetimeFigureOut">
               <a:rPr lang="en-US" smtClean="0"/>
-              <a:t>7/30/2021</a:t>
+              <a:t>12/16/2021</a:t>
             </a:fld>
             <a:endParaRPr lang="en-US"/>
           </a:p>
@@ -2675,7 +2676,7 @@
           <a:p>
             <a:fld id="{46C755B5-E023-4A6A-BB73-FE002B65B017}" type="datetimeFigureOut">
               <a:rPr lang="en-US" smtClean="0"/>
-              <a:t>7/30/2021</a:t>
+              <a:t>12/16/2021</a:t>
             </a:fld>
             <a:endParaRPr lang="en-US"/>
           </a:p>
@@ -2916,7 +2917,7 @@
           <a:p>
             <a:fld id="{46C755B5-E023-4A6A-BB73-FE002B65B017}" type="datetimeFigureOut">
               <a:rPr lang="en-US" smtClean="0"/>
-              <a:t>7/30/2021</a:t>
+              <a:t>12/16/2021</a:t>
             </a:fld>
             <a:endParaRPr lang="en-US"/>
           </a:p>
@@ -34648,6 +34649,7888 @@
 </file>
 
 <file path=ppt/slides/slide7.xml><?xml version="1.0" encoding="utf-8"?>
+<p:sld xmlns:a="http://schemas.openxmlformats.org/drawingml/2006/main" xmlns:r="http://schemas.openxmlformats.org/officeDocument/2006/relationships" xmlns:p="http://schemas.openxmlformats.org/presentationml/2006/main">
+  <p:cSld>
+    <p:spTree>
+      <p:nvGrpSpPr>
+        <p:cNvPr id="1" name=""/>
+        <p:cNvGrpSpPr/>
+        <p:nvPr/>
+      </p:nvGrpSpPr>
+      <p:grpSpPr>
+        <a:xfrm>
+          <a:off x="0" y="0"/>
+          <a:ext cx="0" cy="0"/>
+          <a:chOff x="0" y="0"/>
+          <a:chExt cx="0" cy="0"/>
+        </a:xfrm>
+      </p:grpSpPr>
+      <p:sp>
+        <p:nvSpPr>
+          <p:cNvPr id="4" name="Rectangle 3">
+            <a:extLst>
+              <a:ext uri="{FF2B5EF4-FFF2-40B4-BE49-F238E27FC236}">
+                <a16:creationId xmlns:a16="http://schemas.microsoft.com/office/drawing/2014/main" id="{F2975E06-F40A-4C79-A4D2-8CDBA8C14701}"/>
+              </a:ext>
+            </a:extLst>
+          </p:cNvPr>
+          <p:cNvSpPr/>
+          <p:nvPr/>
+        </p:nvSpPr>
+        <p:spPr>
+          <a:xfrm>
+            <a:off x="568501" y="653630"/>
+            <a:ext cx="10226517" cy="5184002"/>
+          </a:xfrm>
+          <a:prstGeom prst="rect">
+            <a:avLst/>
+          </a:prstGeom>
+          <a:solidFill>
+            <a:schemeClr val="bg1"/>
+          </a:solidFill>
+          <a:ln>
+            <a:noFill/>
+          </a:ln>
+        </p:spPr>
+        <p:style>
+          <a:lnRef idx="2">
+            <a:schemeClr val="accent1">
+              <a:shade val="50000"/>
+            </a:schemeClr>
+          </a:lnRef>
+          <a:fillRef idx="1">
+            <a:schemeClr val="accent1"/>
+          </a:fillRef>
+          <a:effectRef idx="0">
+            <a:schemeClr val="accent1"/>
+          </a:effectRef>
+          <a:fontRef idx="minor">
+            <a:schemeClr val="lt1"/>
+          </a:fontRef>
+        </p:style>
+        <p:txBody>
+          <a:bodyPr rtlCol="0" anchor="ctr"/>
+          <a:lstStyle/>
+          <a:p>
+            <a:pPr algn="ctr"/>
+            <a:endParaRPr lang="en-US" dirty="0"/>
+          </a:p>
+        </p:txBody>
+      </p:sp>
+      <p:grpSp>
+        <p:nvGrpSpPr>
+          <p:cNvPr id="2" name="Group 1">
+            <a:extLst>
+              <a:ext uri="{FF2B5EF4-FFF2-40B4-BE49-F238E27FC236}">
+                <a16:creationId xmlns:a16="http://schemas.microsoft.com/office/drawing/2014/main" id="{7A703F2E-E4A0-4FBC-A8D0-E2F3EF36B3BD}"/>
+              </a:ext>
+            </a:extLst>
+          </p:cNvPr>
+          <p:cNvGrpSpPr/>
+          <p:nvPr/>
+        </p:nvGrpSpPr>
+        <p:grpSpPr>
+          <a:xfrm>
+            <a:off x="5736045" y="671211"/>
+            <a:ext cx="4692873" cy="2415713"/>
+            <a:chOff x="6716242" y="816452"/>
+            <a:chExt cx="4323948" cy="2415713"/>
+          </a:xfrm>
+        </p:grpSpPr>
+        <p:pic>
+          <p:nvPicPr>
+            <p:cNvPr id="196" name="Picture 195">
+              <a:extLst>
+                <a:ext uri="{FF2B5EF4-FFF2-40B4-BE49-F238E27FC236}">
+                  <a16:creationId xmlns:a16="http://schemas.microsoft.com/office/drawing/2014/main" id="{9D92FC0B-7DA9-4E1C-9FCF-51EA0791188C}"/>
+                </a:ext>
+              </a:extLst>
+            </p:cNvPr>
+            <p:cNvPicPr>
+              <a:picLocks noChangeAspect="1"/>
+            </p:cNvPicPr>
+            <p:nvPr/>
+          </p:nvPicPr>
+          <p:blipFill rotWithShape="1">
+            <a:blip r:embed="rId2">
+              <a:extLst>
+                <a:ext uri="{28A0092B-C50C-407E-A947-70E740481C1C}">
+                  <a14:useLocalDpi xmlns:a14="http://schemas.microsoft.com/office/drawing/2010/main" val="0"/>
+                </a:ext>
+              </a:extLst>
+            </a:blip>
+            <a:srcRect l="13083" t="14557" r="10865" b="36809"/>
+            <a:stretch/>
+          </p:blipFill>
+          <p:spPr>
+            <a:xfrm>
+              <a:off x="6716242" y="816452"/>
+              <a:ext cx="4323948" cy="2201873"/>
+            </a:xfrm>
+            <a:prstGeom prst="rect">
+              <a:avLst/>
+            </a:prstGeom>
+          </p:spPr>
+        </p:pic>
+        <p:pic>
+          <p:nvPicPr>
+            <p:cNvPr id="5" name="Picture 4">
+              <a:extLst>
+                <a:ext uri="{FF2B5EF4-FFF2-40B4-BE49-F238E27FC236}">
+                  <a16:creationId xmlns:a16="http://schemas.microsoft.com/office/drawing/2014/main" id="{A4DBFCB8-5212-461D-BEF1-93608B5B823F}"/>
+                </a:ext>
+              </a:extLst>
+            </p:cNvPr>
+            <p:cNvPicPr>
+              <a:picLocks noChangeAspect="1"/>
+            </p:cNvPicPr>
+            <p:nvPr/>
+          </p:nvPicPr>
+          <p:blipFill rotWithShape="1">
+            <a:blip r:embed="rId2">
+              <a:extLst>
+                <a:ext uri="{28A0092B-C50C-407E-A947-70E740481C1C}">
+                  <a14:useLocalDpi xmlns:a14="http://schemas.microsoft.com/office/drawing/2010/main" val="0"/>
+                </a:ext>
+              </a:extLst>
+            </a:blip>
+            <a:srcRect l="36844" t="70181" r="28075" b="14256"/>
+            <a:stretch/>
+          </p:blipFill>
+          <p:spPr>
+            <a:xfrm>
+              <a:off x="6963600" y="2713157"/>
+              <a:ext cx="1469141" cy="519008"/>
+            </a:xfrm>
+            <a:prstGeom prst="rect">
+              <a:avLst/>
+            </a:prstGeom>
+          </p:spPr>
+        </p:pic>
+      </p:grpSp>
+      <p:grpSp>
+        <p:nvGrpSpPr>
+          <p:cNvPr id="61" name="Group 60">
+            <a:extLst>
+              <a:ext uri="{FF2B5EF4-FFF2-40B4-BE49-F238E27FC236}">
+                <a16:creationId xmlns:a16="http://schemas.microsoft.com/office/drawing/2014/main" id="{6FD8B681-799B-49E6-9786-E9E477EB5FBF}"/>
+              </a:ext>
+            </a:extLst>
+          </p:cNvPr>
+          <p:cNvGrpSpPr/>
+          <p:nvPr/>
+        </p:nvGrpSpPr>
+        <p:grpSpPr>
+          <a:xfrm>
+            <a:off x="1575452" y="4836900"/>
+            <a:ext cx="4323948" cy="628084"/>
+            <a:chOff x="-166491" y="1212182"/>
+            <a:chExt cx="12479486" cy="1427975"/>
+          </a:xfrm>
+        </p:grpSpPr>
+        <p:grpSp>
+          <p:nvGrpSpPr>
+            <p:cNvPr id="62" name="Group 61">
+              <a:extLst>
+                <a:ext uri="{FF2B5EF4-FFF2-40B4-BE49-F238E27FC236}">
+                  <a16:creationId xmlns:a16="http://schemas.microsoft.com/office/drawing/2014/main" id="{7855ABD2-64AE-4528-853A-4D76DA31E5D2}"/>
+                </a:ext>
+              </a:extLst>
+            </p:cNvPr>
+            <p:cNvGrpSpPr/>
+            <p:nvPr/>
+          </p:nvGrpSpPr>
+          <p:grpSpPr>
+            <a:xfrm>
+              <a:off x="54532" y="1212182"/>
+              <a:ext cx="11878811" cy="1043051"/>
+              <a:chOff x="54532" y="1212182"/>
+              <a:chExt cx="11878811" cy="1043051"/>
+            </a:xfrm>
+          </p:grpSpPr>
+          <p:pic>
+            <p:nvPicPr>
+              <p:cNvPr id="64" name="Graphic 360" descr="City">
+                <a:extLst>
+                  <a:ext uri="{FF2B5EF4-FFF2-40B4-BE49-F238E27FC236}">
+                    <a16:creationId xmlns:a16="http://schemas.microsoft.com/office/drawing/2014/main" id="{E656269A-E39C-4CBD-8E9B-54B5A40D4CB2}"/>
+                  </a:ext>
+                </a:extLst>
+              </p:cNvPr>
+              <p:cNvPicPr>
+                <a:picLocks noChangeAspect="1"/>
+              </p:cNvPicPr>
+              <p:nvPr/>
+            </p:nvPicPr>
+            <p:blipFill>
+              <a:blip r:embed="rId3">
+                <a:extLst>
+                  <a:ext uri="{28A0092B-C50C-407E-A947-70E740481C1C}">
+                    <a14:useLocalDpi xmlns:a14="http://schemas.microsoft.com/office/drawing/2010/main" val="0"/>
+                  </a:ext>
+                  <a:ext uri="{96DAC541-7B7A-43D3-8B79-37D633B846F1}">
+                    <asvg:svgBlip xmlns:asvg="http://schemas.microsoft.com/office/drawing/2016/SVG/main" r:embed="rId4"/>
+                  </a:ext>
+                </a:extLst>
+              </a:blip>
+              <a:stretch>
+                <a:fillRect/>
+              </a:stretch>
+            </p:blipFill>
+            <p:spPr>
+              <a:xfrm flipH="1">
+                <a:off x="10890292" y="1212182"/>
+                <a:ext cx="1043051" cy="1043051"/>
+              </a:xfrm>
+              <a:prstGeom prst="rect">
+                <a:avLst/>
+              </a:prstGeom>
+            </p:spPr>
+          </p:pic>
+          <p:pic>
+            <p:nvPicPr>
+              <p:cNvPr id="65" name="Graphic 365" descr="Power Plant with solid fill">
+                <a:extLst>
+                  <a:ext uri="{FF2B5EF4-FFF2-40B4-BE49-F238E27FC236}">
+                    <a16:creationId xmlns:a16="http://schemas.microsoft.com/office/drawing/2014/main" id="{F393ADDD-516C-4673-9FFB-5F2CE16930D0}"/>
+                  </a:ext>
+                </a:extLst>
+              </p:cNvPr>
+              <p:cNvPicPr>
+                <a:picLocks noChangeAspect="1"/>
+              </p:cNvPicPr>
+              <p:nvPr/>
+            </p:nvPicPr>
+            <p:blipFill>
+              <a:blip r:embed="rId5">
+                <a:extLst>
+                  <a:ext uri="{28A0092B-C50C-407E-A947-70E740481C1C}">
+                    <a14:useLocalDpi xmlns:a14="http://schemas.microsoft.com/office/drawing/2010/main" val="0"/>
+                  </a:ext>
+                  <a:ext uri="{96DAC541-7B7A-43D3-8B79-37D633B846F1}">
+                    <asvg:svgBlip xmlns:asvg="http://schemas.microsoft.com/office/drawing/2016/SVG/main" r:embed="rId6"/>
+                  </a:ext>
+                </a:extLst>
+              </a:blip>
+              <a:stretch>
+                <a:fillRect/>
+              </a:stretch>
+            </p:blipFill>
+            <p:spPr>
+              <a:xfrm>
+                <a:off x="10351528" y="1427265"/>
+                <a:ext cx="674922" cy="674924"/>
+              </a:xfrm>
+              <a:prstGeom prst="rect">
+                <a:avLst/>
+              </a:prstGeom>
+            </p:spPr>
+          </p:pic>
+          <p:pic>
+            <p:nvPicPr>
+              <p:cNvPr id="66" name="Graphic 342" descr="Forest scene with solid fill">
+                <a:extLst>
+                  <a:ext uri="{FF2B5EF4-FFF2-40B4-BE49-F238E27FC236}">
+                    <a16:creationId xmlns:a16="http://schemas.microsoft.com/office/drawing/2014/main" id="{9B9421C1-3986-4B50-9F0F-5B4C55A1DA2C}"/>
+                  </a:ext>
+                </a:extLst>
+              </p:cNvPr>
+              <p:cNvPicPr>
+                <a:picLocks noChangeAspect="1"/>
+              </p:cNvPicPr>
+              <p:nvPr/>
+            </p:nvPicPr>
+            <p:blipFill>
+              <a:blip r:embed="rId7">
+                <a:extLst>
+                  <a:ext uri="{28A0092B-C50C-407E-A947-70E740481C1C}">
+                    <a14:useLocalDpi xmlns:a14="http://schemas.microsoft.com/office/drawing/2010/main" val="0"/>
+                  </a:ext>
+                  <a:ext uri="{96DAC541-7B7A-43D3-8B79-37D633B846F1}">
+                    <asvg:svgBlip xmlns:asvg="http://schemas.microsoft.com/office/drawing/2016/SVG/main" r:embed="rId8"/>
+                  </a:ext>
+                </a:extLst>
+              </a:blip>
+              <a:stretch>
+                <a:fillRect/>
+              </a:stretch>
+            </p:blipFill>
+            <p:spPr>
+              <a:xfrm>
+                <a:off x="742996" y="1297292"/>
+                <a:ext cx="852653" cy="852653"/>
+              </a:xfrm>
+              <a:prstGeom prst="rect">
+                <a:avLst/>
+              </a:prstGeom>
+            </p:spPr>
+          </p:pic>
+          <p:pic>
+            <p:nvPicPr>
+              <p:cNvPr id="67" name="Graphic 343" descr="Deciduous tree with solid fill">
+                <a:extLst>
+                  <a:ext uri="{FF2B5EF4-FFF2-40B4-BE49-F238E27FC236}">
+                    <a16:creationId xmlns:a16="http://schemas.microsoft.com/office/drawing/2014/main" id="{F1F909C1-939E-4539-878F-FA33DB7486E7}"/>
+                  </a:ext>
+                </a:extLst>
+              </p:cNvPr>
+              <p:cNvPicPr>
+                <a:picLocks noChangeAspect="1"/>
+              </p:cNvPicPr>
+              <p:nvPr/>
+            </p:nvPicPr>
+            <p:blipFill>
+              <a:blip r:embed="rId9">
+                <a:extLst>
+                  <a:ext uri="{28A0092B-C50C-407E-A947-70E740481C1C}">
+                    <a14:useLocalDpi xmlns:a14="http://schemas.microsoft.com/office/drawing/2010/main" val="0"/>
+                  </a:ext>
+                  <a:ext uri="{96DAC541-7B7A-43D3-8B79-37D633B846F1}">
+                    <asvg:svgBlip xmlns:asvg="http://schemas.microsoft.com/office/drawing/2016/SVG/main" r:embed="rId10"/>
+                  </a:ext>
+                </a:extLst>
+              </a:blip>
+              <a:stretch>
+                <a:fillRect/>
+              </a:stretch>
+            </p:blipFill>
+            <p:spPr>
+              <a:xfrm>
+                <a:off x="411328" y="1544678"/>
+                <a:ext cx="549678" cy="549678"/>
+              </a:xfrm>
+              <a:prstGeom prst="rect">
+                <a:avLst/>
+              </a:prstGeom>
+            </p:spPr>
+          </p:pic>
+          <p:pic>
+            <p:nvPicPr>
+              <p:cNvPr id="68" name="Graphic 344" descr="Fir tree with solid fill">
+                <a:extLst>
+                  <a:ext uri="{FF2B5EF4-FFF2-40B4-BE49-F238E27FC236}">
+                    <a16:creationId xmlns:a16="http://schemas.microsoft.com/office/drawing/2014/main" id="{321CDEB8-1E98-4616-B6D0-F68FB9E67B69}"/>
+                  </a:ext>
+                </a:extLst>
+              </p:cNvPr>
+              <p:cNvPicPr>
+                <a:picLocks noChangeAspect="1"/>
+              </p:cNvPicPr>
+              <p:nvPr/>
+            </p:nvPicPr>
+            <p:blipFill>
+              <a:blip r:embed="rId11">
+                <a:extLst>
+                  <a:ext uri="{28A0092B-C50C-407E-A947-70E740481C1C}">
+                    <a14:useLocalDpi xmlns:a14="http://schemas.microsoft.com/office/drawing/2010/main" val="0"/>
+                  </a:ext>
+                  <a:ext uri="{96DAC541-7B7A-43D3-8B79-37D633B846F1}">
+                    <asvg:svgBlip xmlns:asvg="http://schemas.microsoft.com/office/drawing/2016/SVG/main" r:embed="rId12"/>
+                  </a:ext>
+                </a:extLst>
+              </a:blip>
+              <a:stretch>
+                <a:fillRect/>
+              </a:stretch>
+            </p:blipFill>
+            <p:spPr>
+              <a:xfrm>
+                <a:off x="54532" y="1358960"/>
+                <a:ext cx="603676" cy="723314"/>
+              </a:xfrm>
+              <a:prstGeom prst="rect">
+                <a:avLst/>
+              </a:prstGeom>
+            </p:spPr>
+          </p:pic>
+          <p:pic>
+            <p:nvPicPr>
+              <p:cNvPr id="69" name="Graphic 345" descr="Barn with solid fill">
+                <a:extLst>
+                  <a:ext uri="{FF2B5EF4-FFF2-40B4-BE49-F238E27FC236}">
+                    <a16:creationId xmlns:a16="http://schemas.microsoft.com/office/drawing/2014/main" id="{6FCA207F-C2E6-45CA-8FF1-2C9D8A5C18FD}"/>
+                  </a:ext>
+                </a:extLst>
+              </p:cNvPr>
+              <p:cNvPicPr>
+                <a:picLocks noChangeAspect="1"/>
+              </p:cNvPicPr>
+              <p:nvPr/>
+            </p:nvPicPr>
+            <p:blipFill>
+              <a:blip r:embed="rId13">
+                <a:extLst>
+                  <a:ext uri="{28A0092B-C50C-407E-A947-70E740481C1C}">
+                    <a14:useLocalDpi xmlns:a14="http://schemas.microsoft.com/office/drawing/2010/main" val="0"/>
+                  </a:ext>
+                  <a:ext uri="{96DAC541-7B7A-43D3-8B79-37D633B846F1}">
+                    <asvg:svgBlip xmlns:asvg="http://schemas.microsoft.com/office/drawing/2016/SVG/main" r:embed="rId14"/>
+                  </a:ext>
+                </a:extLst>
+              </a:blip>
+              <a:stretch>
+                <a:fillRect/>
+              </a:stretch>
+            </p:blipFill>
+            <p:spPr>
+              <a:xfrm>
+                <a:off x="5899262" y="1595515"/>
+                <a:ext cx="513657" cy="513657"/>
+              </a:xfrm>
+              <a:prstGeom prst="rect">
+                <a:avLst/>
+              </a:prstGeom>
+            </p:spPr>
+          </p:pic>
+          <p:pic>
+            <p:nvPicPr>
+              <p:cNvPr id="70" name="Graphic 346" descr="Modern architecture with solid fill">
+                <a:extLst>
+                  <a:ext uri="{FF2B5EF4-FFF2-40B4-BE49-F238E27FC236}">
+                    <a16:creationId xmlns:a16="http://schemas.microsoft.com/office/drawing/2014/main" id="{52180519-F675-40E4-AC47-71AE48D3F05A}"/>
+                  </a:ext>
+                </a:extLst>
+              </p:cNvPr>
+              <p:cNvPicPr>
+                <a:picLocks noChangeAspect="1"/>
+              </p:cNvPicPr>
+              <p:nvPr/>
+            </p:nvPicPr>
+            <p:blipFill>
+              <a:blip r:embed="rId15">
+                <a:extLst>
+                  <a:ext uri="{28A0092B-C50C-407E-A947-70E740481C1C}">
+                    <a14:useLocalDpi xmlns:a14="http://schemas.microsoft.com/office/drawing/2010/main" val="0"/>
+                  </a:ext>
+                  <a:ext uri="{96DAC541-7B7A-43D3-8B79-37D633B846F1}">
+                    <asvg:svgBlip xmlns:asvg="http://schemas.microsoft.com/office/drawing/2016/SVG/main" r:embed="rId16"/>
+                  </a:ext>
+                </a:extLst>
+              </a:blip>
+              <a:stretch>
+                <a:fillRect/>
+              </a:stretch>
+            </p:blipFill>
+            <p:spPr>
+              <a:xfrm>
+                <a:off x="9449135" y="1509693"/>
+                <a:ext cx="642061" cy="642062"/>
+              </a:xfrm>
+              <a:prstGeom prst="rect">
+                <a:avLst/>
+              </a:prstGeom>
+            </p:spPr>
+          </p:pic>
+          <p:pic>
+            <p:nvPicPr>
+              <p:cNvPr id="71" name="Graphic 347" descr="Schoolhouse with solid fill">
+                <a:extLst>
+                  <a:ext uri="{FF2B5EF4-FFF2-40B4-BE49-F238E27FC236}">
+                    <a16:creationId xmlns:a16="http://schemas.microsoft.com/office/drawing/2014/main" id="{77748F78-1423-427A-A97F-0205793910E5}"/>
+                  </a:ext>
+                </a:extLst>
+              </p:cNvPr>
+              <p:cNvPicPr>
+                <a:picLocks noChangeAspect="1"/>
+              </p:cNvPicPr>
+              <p:nvPr/>
+            </p:nvPicPr>
+            <p:blipFill>
+              <a:blip r:embed="rId17">
+                <a:extLst>
+                  <a:ext uri="{28A0092B-C50C-407E-A947-70E740481C1C}">
+                    <a14:useLocalDpi xmlns:a14="http://schemas.microsoft.com/office/drawing/2010/main" val="0"/>
+                  </a:ext>
+                  <a:ext uri="{96DAC541-7B7A-43D3-8B79-37D633B846F1}">
+                    <asvg:svgBlip xmlns:asvg="http://schemas.microsoft.com/office/drawing/2016/SVG/main" r:embed="rId18"/>
+                  </a:ext>
+                </a:extLst>
+              </a:blip>
+              <a:stretch>
+                <a:fillRect/>
+              </a:stretch>
+            </p:blipFill>
+            <p:spPr>
+              <a:xfrm>
+                <a:off x="8685880" y="1299784"/>
+                <a:ext cx="915834" cy="915834"/>
+              </a:xfrm>
+              <a:prstGeom prst="rect">
+                <a:avLst/>
+              </a:prstGeom>
+            </p:spPr>
+          </p:pic>
+          <p:pic>
+            <p:nvPicPr>
+              <p:cNvPr id="72" name="Graphic 348" descr="Building with solid fill">
+                <a:extLst>
+                  <a:ext uri="{FF2B5EF4-FFF2-40B4-BE49-F238E27FC236}">
+                    <a16:creationId xmlns:a16="http://schemas.microsoft.com/office/drawing/2014/main" id="{880EA15D-1AA0-4BDE-B587-49FB18CE7681}"/>
+                  </a:ext>
+                </a:extLst>
+              </p:cNvPr>
+              <p:cNvPicPr>
+                <a:picLocks noChangeAspect="1"/>
+              </p:cNvPicPr>
+              <p:nvPr/>
+            </p:nvPicPr>
+            <p:blipFill>
+              <a:blip r:embed="rId19">
+                <a:extLst>
+                  <a:ext uri="{28A0092B-C50C-407E-A947-70E740481C1C}">
+                    <a14:useLocalDpi xmlns:a14="http://schemas.microsoft.com/office/drawing/2010/main" val="0"/>
+                  </a:ext>
+                  <a:ext uri="{96DAC541-7B7A-43D3-8B79-37D633B846F1}">
+                    <asvg:svgBlip xmlns:asvg="http://schemas.microsoft.com/office/drawing/2016/SVG/main" r:embed="rId20"/>
+                  </a:ext>
+                </a:extLst>
+              </a:blip>
+              <a:stretch>
+                <a:fillRect/>
+              </a:stretch>
+            </p:blipFill>
+            <p:spPr>
+              <a:xfrm>
+                <a:off x="9902429" y="1457046"/>
+                <a:ext cx="642060" cy="642060"/>
+              </a:xfrm>
+              <a:prstGeom prst="rect">
+                <a:avLst/>
+              </a:prstGeom>
+            </p:spPr>
+          </p:pic>
+          <p:pic>
+            <p:nvPicPr>
+              <p:cNvPr id="73" name="Graphic 349" descr="Store with solid fill">
+                <a:extLst>
+                  <a:ext uri="{FF2B5EF4-FFF2-40B4-BE49-F238E27FC236}">
+                    <a16:creationId xmlns:a16="http://schemas.microsoft.com/office/drawing/2014/main" id="{31C25150-5099-46C3-918A-FD3762C9076B}"/>
+                  </a:ext>
+                </a:extLst>
+              </p:cNvPr>
+              <p:cNvPicPr>
+                <a:picLocks noChangeAspect="1"/>
+              </p:cNvPicPr>
+              <p:nvPr/>
+            </p:nvPicPr>
+            <p:blipFill>
+              <a:blip r:embed="rId21">
+                <a:extLst>
+                  <a:ext uri="{28A0092B-C50C-407E-A947-70E740481C1C}">
+                    <a14:useLocalDpi xmlns:a14="http://schemas.microsoft.com/office/drawing/2010/main" val="0"/>
+                  </a:ext>
+                  <a:ext uri="{96DAC541-7B7A-43D3-8B79-37D633B846F1}">
+                    <asvg:svgBlip xmlns:asvg="http://schemas.microsoft.com/office/drawing/2016/SVG/main" r:embed="rId22"/>
+                  </a:ext>
+                </a:extLst>
+              </a:blip>
+              <a:stretch>
+                <a:fillRect/>
+              </a:stretch>
+            </p:blipFill>
+            <p:spPr>
+              <a:xfrm>
+                <a:off x="7257120" y="1584459"/>
+                <a:ext cx="546104" cy="546104"/>
+              </a:xfrm>
+              <a:prstGeom prst="rect">
+                <a:avLst/>
+              </a:prstGeom>
+            </p:spPr>
+          </p:pic>
+          <p:pic>
+            <p:nvPicPr>
+              <p:cNvPr id="74" name="Graphic 350" descr="Corn with solid fill">
+                <a:extLst>
+                  <a:ext uri="{FF2B5EF4-FFF2-40B4-BE49-F238E27FC236}">
+                    <a16:creationId xmlns:a16="http://schemas.microsoft.com/office/drawing/2014/main" id="{3DE9B7E9-3DC0-44E9-AA52-9AC6D4D1550B}"/>
+                  </a:ext>
+                </a:extLst>
+              </p:cNvPr>
+              <p:cNvPicPr>
+                <a:picLocks noChangeAspect="1"/>
+              </p:cNvPicPr>
+              <p:nvPr/>
+            </p:nvPicPr>
+            <p:blipFill>
+              <a:blip r:embed="rId23">
+                <a:extLst>
+                  <a:ext uri="{28A0092B-C50C-407E-A947-70E740481C1C}">
+                    <a14:useLocalDpi xmlns:a14="http://schemas.microsoft.com/office/drawing/2010/main" val="0"/>
+                  </a:ext>
+                  <a:ext uri="{96DAC541-7B7A-43D3-8B79-37D633B846F1}">
+                    <asvg:svgBlip xmlns:asvg="http://schemas.microsoft.com/office/drawing/2016/SVG/main" r:embed="rId24"/>
+                  </a:ext>
+                </a:extLst>
+              </a:blip>
+              <a:stretch>
+                <a:fillRect/>
+              </a:stretch>
+            </p:blipFill>
+            <p:spPr>
+              <a:xfrm>
+                <a:off x="5343071" y="1833788"/>
+                <a:ext cx="225583" cy="225583"/>
+              </a:xfrm>
+              <a:prstGeom prst="rect">
+                <a:avLst/>
+              </a:prstGeom>
+            </p:spPr>
+          </p:pic>
+          <p:pic>
+            <p:nvPicPr>
+              <p:cNvPr id="75" name="Graphic 351" descr="Duck with solid fill">
+                <a:extLst>
+                  <a:ext uri="{FF2B5EF4-FFF2-40B4-BE49-F238E27FC236}">
+                    <a16:creationId xmlns:a16="http://schemas.microsoft.com/office/drawing/2014/main" id="{2186736C-6D3B-4473-80EF-B64747DFE246}"/>
+                  </a:ext>
+                </a:extLst>
+              </p:cNvPr>
+              <p:cNvPicPr>
+                <a:picLocks noChangeAspect="1"/>
+              </p:cNvPicPr>
+              <p:nvPr/>
+            </p:nvPicPr>
+            <p:blipFill>
+              <a:blip r:embed="rId25">
+                <a:extLst>
+                  <a:ext uri="{28A0092B-C50C-407E-A947-70E740481C1C}">
+                    <a14:useLocalDpi xmlns:a14="http://schemas.microsoft.com/office/drawing/2010/main" val="0"/>
+                  </a:ext>
+                  <a:ext uri="{96DAC541-7B7A-43D3-8B79-37D633B846F1}">
+                    <asvg:svgBlip xmlns:asvg="http://schemas.microsoft.com/office/drawing/2016/SVG/main" r:embed="rId26"/>
+                  </a:ext>
+                </a:extLst>
+              </a:blip>
+              <a:stretch>
+                <a:fillRect/>
+              </a:stretch>
+            </p:blipFill>
+            <p:spPr>
+              <a:xfrm>
+                <a:off x="3571084" y="1770635"/>
+                <a:ext cx="317806" cy="317806"/>
+              </a:xfrm>
+              <a:prstGeom prst="rect">
+                <a:avLst/>
+              </a:prstGeom>
+            </p:spPr>
+          </p:pic>
+          <p:pic>
+            <p:nvPicPr>
+              <p:cNvPr id="76" name="Graphic 352" descr="Pig with solid fill">
+                <a:extLst>
+                  <a:ext uri="{FF2B5EF4-FFF2-40B4-BE49-F238E27FC236}">
+                    <a16:creationId xmlns:a16="http://schemas.microsoft.com/office/drawing/2014/main" id="{F26537C9-AB7C-414C-B0A2-E7F5DFFE1840}"/>
+                  </a:ext>
+                </a:extLst>
+              </p:cNvPr>
+              <p:cNvPicPr>
+                <a:picLocks noChangeAspect="1"/>
+              </p:cNvPicPr>
+              <p:nvPr/>
+            </p:nvPicPr>
+            <p:blipFill>
+              <a:blip r:embed="rId27">
+                <a:extLst>
+                  <a:ext uri="{28A0092B-C50C-407E-A947-70E740481C1C}">
+                    <a14:useLocalDpi xmlns:a14="http://schemas.microsoft.com/office/drawing/2010/main" val="0"/>
+                  </a:ext>
+                  <a:ext uri="{96DAC541-7B7A-43D3-8B79-37D633B846F1}">
+                    <asvg:svgBlip xmlns:asvg="http://schemas.microsoft.com/office/drawing/2016/SVG/main" r:embed="rId28"/>
+                  </a:ext>
+                </a:extLst>
+              </a:blip>
+              <a:stretch>
+                <a:fillRect/>
+              </a:stretch>
+            </p:blipFill>
+            <p:spPr>
+              <a:xfrm>
+                <a:off x="4066832" y="1734139"/>
+                <a:ext cx="422259" cy="422259"/>
+              </a:xfrm>
+              <a:prstGeom prst="rect">
+                <a:avLst/>
+              </a:prstGeom>
+            </p:spPr>
+          </p:pic>
+          <p:pic>
+            <p:nvPicPr>
+              <p:cNvPr id="77" name="Graphic 353" descr="Cow with solid fill">
+                <a:extLst>
+                  <a:ext uri="{FF2B5EF4-FFF2-40B4-BE49-F238E27FC236}">
+                    <a16:creationId xmlns:a16="http://schemas.microsoft.com/office/drawing/2014/main" id="{2E30CA90-C040-4085-A197-6087482E07D2}"/>
+                  </a:ext>
+                </a:extLst>
+              </p:cNvPr>
+              <p:cNvPicPr>
+                <a:picLocks noChangeAspect="1"/>
+              </p:cNvPicPr>
+              <p:nvPr/>
+            </p:nvPicPr>
+            <p:blipFill>
+              <a:blip r:embed="rId29">
+                <a:extLst>
+                  <a:ext uri="{28A0092B-C50C-407E-A947-70E740481C1C}">
+                    <a14:useLocalDpi xmlns:a14="http://schemas.microsoft.com/office/drawing/2010/main" val="0"/>
+                  </a:ext>
+                  <a:ext uri="{96DAC541-7B7A-43D3-8B79-37D633B846F1}">
+                    <asvg:svgBlip xmlns:asvg="http://schemas.microsoft.com/office/drawing/2016/SVG/main" r:embed="rId30"/>
+                  </a:ext>
+                </a:extLst>
+              </a:blip>
+              <a:stretch>
+                <a:fillRect/>
+              </a:stretch>
+            </p:blipFill>
+            <p:spPr>
+              <a:xfrm>
+                <a:off x="3818688" y="1545975"/>
+                <a:ext cx="522524" cy="522524"/>
+              </a:xfrm>
+              <a:prstGeom prst="rect">
+                <a:avLst/>
+              </a:prstGeom>
+            </p:spPr>
+          </p:pic>
+          <p:pic>
+            <p:nvPicPr>
+              <p:cNvPr id="78" name="Graphic 354" descr="Tractor with solid fill">
+                <a:extLst>
+                  <a:ext uri="{FF2B5EF4-FFF2-40B4-BE49-F238E27FC236}">
+                    <a16:creationId xmlns:a16="http://schemas.microsoft.com/office/drawing/2014/main" id="{DE45FF44-3B42-4454-BE87-1757618904AC}"/>
+                  </a:ext>
+                </a:extLst>
+              </p:cNvPr>
+              <p:cNvPicPr>
+                <a:picLocks noChangeAspect="1"/>
+              </p:cNvPicPr>
+              <p:nvPr/>
+            </p:nvPicPr>
+            <p:blipFill>
+              <a:blip r:embed="rId31">
+                <a:extLst>
+                  <a:ext uri="{28A0092B-C50C-407E-A947-70E740481C1C}">
+                    <a14:useLocalDpi xmlns:a14="http://schemas.microsoft.com/office/drawing/2010/main" val="0"/>
+                  </a:ext>
+                  <a:ext uri="{96DAC541-7B7A-43D3-8B79-37D633B846F1}">
+                    <asvg:svgBlip xmlns:asvg="http://schemas.microsoft.com/office/drawing/2016/SVG/main" r:embed="rId32"/>
+                  </a:ext>
+                </a:extLst>
+              </a:blip>
+              <a:stretch>
+                <a:fillRect/>
+              </a:stretch>
+            </p:blipFill>
+            <p:spPr>
+              <a:xfrm>
+                <a:off x="4839169" y="1587108"/>
+                <a:ext cx="594718" cy="594718"/>
+              </a:xfrm>
+              <a:prstGeom prst="rect">
+                <a:avLst/>
+              </a:prstGeom>
+            </p:spPr>
+          </p:pic>
+          <p:pic>
+            <p:nvPicPr>
+              <p:cNvPr id="79" name="Graphic 355" descr="Crops with solid fill">
+                <a:extLst>
+                  <a:ext uri="{FF2B5EF4-FFF2-40B4-BE49-F238E27FC236}">
+                    <a16:creationId xmlns:a16="http://schemas.microsoft.com/office/drawing/2014/main" id="{66D3E3CD-C5BD-4FDA-91D2-BFEA17751876}"/>
+                  </a:ext>
+                </a:extLst>
+              </p:cNvPr>
+              <p:cNvPicPr>
+                <a:picLocks noChangeAspect="1"/>
+              </p:cNvPicPr>
+              <p:nvPr/>
+            </p:nvPicPr>
+            <p:blipFill>
+              <a:blip r:embed="rId33">
+                <a:extLst>
+                  <a:ext uri="{28A0092B-C50C-407E-A947-70E740481C1C}">
+                    <a14:useLocalDpi xmlns:a14="http://schemas.microsoft.com/office/drawing/2010/main" val="0"/>
+                  </a:ext>
+                  <a:ext uri="{96DAC541-7B7A-43D3-8B79-37D633B846F1}">
+                    <asvg:svgBlip xmlns:asvg="http://schemas.microsoft.com/office/drawing/2016/SVG/main" r:embed="rId34"/>
+                  </a:ext>
+                </a:extLst>
+              </a:blip>
+              <a:stretch>
+                <a:fillRect/>
+              </a:stretch>
+            </p:blipFill>
+            <p:spPr>
+              <a:xfrm>
+                <a:off x="5524076" y="1688937"/>
+                <a:ext cx="404101" cy="404101"/>
+              </a:xfrm>
+              <a:prstGeom prst="rect">
+                <a:avLst/>
+              </a:prstGeom>
+            </p:spPr>
+          </p:pic>
+          <p:pic>
+            <p:nvPicPr>
+              <p:cNvPr id="80" name="Graphic 356" descr="Silo with solid fill">
+                <a:extLst>
+                  <a:ext uri="{FF2B5EF4-FFF2-40B4-BE49-F238E27FC236}">
+                    <a16:creationId xmlns:a16="http://schemas.microsoft.com/office/drawing/2014/main" id="{8968F10A-03EC-458A-9774-0622884D9862}"/>
+                  </a:ext>
+                </a:extLst>
+              </p:cNvPr>
+              <p:cNvPicPr>
+                <a:picLocks noChangeAspect="1"/>
+              </p:cNvPicPr>
+              <p:nvPr/>
+            </p:nvPicPr>
+            <p:blipFill>
+              <a:blip r:embed="rId35">
+                <a:extLst>
+                  <a:ext uri="{28A0092B-C50C-407E-A947-70E740481C1C}">
+                    <a14:useLocalDpi xmlns:a14="http://schemas.microsoft.com/office/drawing/2010/main" val="0"/>
+                  </a:ext>
+                  <a:ext uri="{96DAC541-7B7A-43D3-8B79-37D633B846F1}">
+                    <asvg:svgBlip xmlns:asvg="http://schemas.microsoft.com/office/drawing/2016/SVG/main" r:embed="rId36"/>
+                  </a:ext>
+                </a:extLst>
+              </a:blip>
+              <a:stretch>
+                <a:fillRect/>
+              </a:stretch>
+            </p:blipFill>
+            <p:spPr>
+              <a:xfrm>
+                <a:off x="6199303" y="1469544"/>
+                <a:ext cx="621717" cy="621717"/>
+              </a:xfrm>
+              <a:prstGeom prst="rect">
+                <a:avLst/>
+              </a:prstGeom>
+            </p:spPr>
+          </p:pic>
+          <p:pic>
+            <p:nvPicPr>
+              <p:cNvPr id="81" name="Graphic 357" descr="Convertible with solid fill">
+                <a:extLst>
+                  <a:ext uri="{FF2B5EF4-FFF2-40B4-BE49-F238E27FC236}">
+                    <a16:creationId xmlns:a16="http://schemas.microsoft.com/office/drawing/2014/main" id="{FCEDBAF5-918D-4173-93F1-46856F778C45}"/>
+                  </a:ext>
+                </a:extLst>
+              </p:cNvPr>
+              <p:cNvPicPr>
+                <a:picLocks noChangeAspect="1"/>
+              </p:cNvPicPr>
+              <p:nvPr/>
+            </p:nvPicPr>
+            <p:blipFill>
+              <a:blip r:embed="rId37">
+                <a:extLst>
+                  <a:ext uri="{28A0092B-C50C-407E-A947-70E740481C1C}">
+                    <a14:useLocalDpi xmlns:a14="http://schemas.microsoft.com/office/drawing/2010/main" val="0"/>
+                  </a:ext>
+                  <a:ext uri="{96DAC541-7B7A-43D3-8B79-37D633B846F1}">
+                    <asvg:svgBlip xmlns:asvg="http://schemas.microsoft.com/office/drawing/2016/SVG/main" r:embed="rId38"/>
+                  </a:ext>
+                </a:extLst>
+              </a:blip>
+              <a:stretch>
+                <a:fillRect/>
+              </a:stretch>
+            </p:blipFill>
+            <p:spPr>
+              <a:xfrm>
+                <a:off x="8387051" y="1568550"/>
+                <a:ext cx="404306" cy="404306"/>
+              </a:xfrm>
+              <a:prstGeom prst="rect">
+                <a:avLst/>
+              </a:prstGeom>
+            </p:spPr>
+          </p:pic>
+          <p:pic>
+            <p:nvPicPr>
+              <p:cNvPr id="82" name="Graphic 358" descr="Taxi with solid fill">
+                <a:extLst>
+                  <a:ext uri="{FF2B5EF4-FFF2-40B4-BE49-F238E27FC236}">
+                    <a16:creationId xmlns:a16="http://schemas.microsoft.com/office/drawing/2014/main" id="{94074ADB-840D-476C-B490-4249B942730D}"/>
+                  </a:ext>
+                </a:extLst>
+              </p:cNvPr>
+              <p:cNvPicPr>
+                <a:picLocks noChangeAspect="1"/>
+              </p:cNvPicPr>
+              <p:nvPr/>
+            </p:nvPicPr>
+            <p:blipFill>
+              <a:blip r:embed="rId39">
+                <a:extLst>
+                  <a:ext uri="{28A0092B-C50C-407E-A947-70E740481C1C}">
+                    <a14:useLocalDpi xmlns:a14="http://schemas.microsoft.com/office/drawing/2010/main" val="0"/>
+                  </a:ext>
+                  <a:ext uri="{96DAC541-7B7A-43D3-8B79-37D633B846F1}">
+                    <asvg:svgBlip xmlns:asvg="http://schemas.microsoft.com/office/drawing/2016/SVG/main" r:embed="rId40"/>
+                  </a:ext>
+                </a:extLst>
+              </a:blip>
+              <a:stretch>
+                <a:fillRect/>
+              </a:stretch>
+            </p:blipFill>
+            <p:spPr>
+              <a:xfrm>
+                <a:off x="7811507" y="1666661"/>
+                <a:ext cx="404307" cy="404306"/>
+              </a:xfrm>
+              <a:prstGeom prst="rect">
+                <a:avLst/>
+              </a:prstGeom>
+            </p:spPr>
+          </p:pic>
+          <p:pic>
+            <p:nvPicPr>
+              <p:cNvPr id="83" name="Graphic 359" descr="Car with solid fill">
+                <a:extLst>
+                  <a:ext uri="{FF2B5EF4-FFF2-40B4-BE49-F238E27FC236}">
+                    <a16:creationId xmlns:a16="http://schemas.microsoft.com/office/drawing/2014/main" id="{E781786B-8958-42D2-9AAD-036E96C940AB}"/>
+                  </a:ext>
+                </a:extLst>
+              </p:cNvPr>
+              <p:cNvPicPr>
+                <a:picLocks noChangeAspect="1"/>
+              </p:cNvPicPr>
+              <p:nvPr/>
+            </p:nvPicPr>
+            <p:blipFill>
+              <a:blip r:embed="rId41">
+                <a:extLst>
+                  <a:ext uri="{28A0092B-C50C-407E-A947-70E740481C1C}">
+                    <a14:useLocalDpi xmlns:a14="http://schemas.microsoft.com/office/drawing/2010/main" val="0"/>
+                  </a:ext>
+                  <a:ext uri="{96DAC541-7B7A-43D3-8B79-37D633B846F1}">
+                    <asvg:svgBlip xmlns:asvg="http://schemas.microsoft.com/office/drawing/2016/SVG/main" r:embed="rId42"/>
+                  </a:ext>
+                </a:extLst>
+              </a:blip>
+              <a:stretch>
+                <a:fillRect/>
+              </a:stretch>
+            </p:blipFill>
+            <p:spPr>
+              <a:xfrm>
+                <a:off x="8174800" y="1671010"/>
+                <a:ext cx="523885" cy="523885"/>
+              </a:xfrm>
+              <a:prstGeom prst="rect">
+                <a:avLst/>
+              </a:prstGeom>
+            </p:spPr>
+          </p:pic>
+          <p:pic>
+            <p:nvPicPr>
+              <p:cNvPr id="84" name="Graphic 361" descr="Home with solid fill">
+                <a:extLst>
+                  <a:ext uri="{FF2B5EF4-FFF2-40B4-BE49-F238E27FC236}">
+                    <a16:creationId xmlns:a16="http://schemas.microsoft.com/office/drawing/2014/main" id="{C101EF0E-354A-4A79-8E79-345B589C2D45}"/>
+                  </a:ext>
+                </a:extLst>
+              </p:cNvPr>
+              <p:cNvPicPr>
+                <a:picLocks noChangeAspect="1"/>
+              </p:cNvPicPr>
+              <p:nvPr/>
+            </p:nvPicPr>
+            <p:blipFill>
+              <a:blip r:embed="rId43">
+                <a:extLst>
+                  <a:ext uri="{28A0092B-C50C-407E-A947-70E740481C1C}">
+                    <a14:useLocalDpi xmlns:a14="http://schemas.microsoft.com/office/drawing/2010/main" val="0"/>
+                  </a:ext>
+                  <a:ext uri="{96DAC541-7B7A-43D3-8B79-37D633B846F1}">
+                    <asvg:svgBlip xmlns:asvg="http://schemas.microsoft.com/office/drawing/2016/SVG/main" r:embed="rId44"/>
+                  </a:ext>
+                </a:extLst>
+              </a:blip>
+              <a:stretch>
+                <a:fillRect/>
+              </a:stretch>
+            </p:blipFill>
+            <p:spPr>
+              <a:xfrm>
+                <a:off x="6924011" y="1662883"/>
+                <a:ext cx="457360" cy="457360"/>
+              </a:xfrm>
+              <a:prstGeom prst="rect">
+                <a:avLst/>
+              </a:prstGeom>
+            </p:spPr>
+          </p:pic>
+          <p:pic>
+            <p:nvPicPr>
+              <p:cNvPr id="85" name="Graphic 362" descr="Deciduous tree with solid fill">
+                <a:extLst>
+                  <a:ext uri="{FF2B5EF4-FFF2-40B4-BE49-F238E27FC236}">
+                    <a16:creationId xmlns:a16="http://schemas.microsoft.com/office/drawing/2014/main" id="{FBE1C956-D922-4973-A361-3905803E7DC4}"/>
+                  </a:ext>
+                </a:extLst>
+              </p:cNvPr>
+              <p:cNvPicPr>
+                <a:picLocks noChangeAspect="1"/>
+              </p:cNvPicPr>
+              <p:nvPr/>
+            </p:nvPicPr>
+            <p:blipFill>
+              <a:blip r:embed="rId45">
+                <a:extLst>
+                  <a:ext uri="{28A0092B-C50C-407E-A947-70E740481C1C}">
+                    <a14:useLocalDpi xmlns:a14="http://schemas.microsoft.com/office/drawing/2010/main" val="0"/>
+                  </a:ext>
+                  <a:ext uri="{96DAC541-7B7A-43D3-8B79-37D633B846F1}">
+                    <asvg:svgBlip xmlns:asvg="http://schemas.microsoft.com/office/drawing/2016/SVG/main" r:embed="rId46"/>
+                  </a:ext>
+                </a:extLst>
+              </a:blip>
+              <a:stretch>
+                <a:fillRect/>
+              </a:stretch>
+            </p:blipFill>
+            <p:spPr>
+              <a:xfrm>
+                <a:off x="1496060" y="1622100"/>
+                <a:ext cx="451262" cy="451262"/>
+              </a:xfrm>
+              <a:prstGeom prst="rect">
+                <a:avLst/>
+              </a:prstGeom>
+            </p:spPr>
+          </p:pic>
+          <p:pic>
+            <p:nvPicPr>
+              <p:cNvPr id="86" name="Graphic 363" descr="Deciduous tree with solid fill">
+                <a:extLst>
+                  <a:ext uri="{FF2B5EF4-FFF2-40B4-BE49-F238E27FC236}">
+                    <a16:creationId xmlns:a16="http://schemas.microsoft.com/office/drawing/2014/main" id="{B7258613-8A85-43EB-A47A-15BEACE6CD73}"/>
+                  </a:ext>
+                </a:extLst>
+              </p:cNvPr>
+              <p:cNvPicPr>
+                <a:picLocks noChangeAspect="1"/>
+              </p:cNvPicPr>
+              <p:nvPr/>
+            </p:nvPicPr>
+            <p:blipFill>
+              <a:blip r:embed="rId47">
+                <a:extLst>
+                  <a:ext uri="{28A0092B-C50C-407E-A947-70E740481C1C}">
+                    <a14:useLocalDpi xmlns:a14="http://schemas.microsoft.com/office/drawing/2010/main" val="0"/>
+                  </a:ext>
+                  <a:ext uri="{96DAC541-7B7A-43D3-8B79-37D633B846F1}">
+                    <asvg:svgBlip xmlns:asvg="http://schemas.microsoft.com/office/drawing/2016/SVG/main" r:embed="rId48"/>
+                  </a:ext>
+                </a:extLst>
+              </a:blip>
+              <a:stretch>
+                <a:fillRect/>
+              </a:stretch>
+            </p:blipFill>
+            <p:spPr>
+              <a:xfrm>
+                <a:off x="2335005" y="1716362"/>
+                <a:ext cx="350401" cy="350401"/>
+              </a:xfrm>
+              <a:prstGeom prst="rect">
+                <a:avLst/>
+              </a:prstGeom>
+            </p:spPr>
+          </p:pic>
+          <p:pic>
+            <p:nvPicPr>
+              <p:cNvPr id="87" name="Graphic 364" descr="Deciduous tree with solid fill">
+                <a:extLst>
+                  <a:ext uri="{FF2B5EF4-FFF2-40B4-BE49-F238E27FC236}">
+                    <a16:creationId xmlns:a16="http://schemas.microsoft.com/office/drawing/2014/main" id="{E4354E91-4009-4528-AD09-AF94BC1DDC0C}"/>
+                  </a:ext>
+                </a:extLst>
+              </p:cNvPr>
+              <p:cNvPicPr>
+                <a:picLocks noChangeAspect="1"/>
+              </p:cNvPicPr>
+              <p:nvPr/>
+            </p:nvPicPr>
+            <p:blipFill>
+              <a:blip r:embed="rId49">
+                <a:extLst>
+                  <a:ext uri="{28A0092B-C50C-407E-A947-70E740481C1C}">
+                    <a14:useLocalDpi xmlns:a14="http://schemas.microsoft.com/office/drawing/2010/main" val="0"/>
+                  </a:ext>
+                  <a:ext uri="{96DAC541-7B7A-43D3-8B79-37D633B846F1}">
+                    <asvg:svgBlip xmlns:asvg="http://schemas.microsoft.com/office/drawing/2016/SVG/main" r:embed="rId50"/>
+                  </a:ext>
+                </a:extLst>
+              </a:blip>
+              <a:stretch>
+                <a:fillRect/>
+              </a:stretch>
+            </p:blipFill>
+            <p:spPr>
+              <a:xfrm>
+                <a:off x="3101296" y="1805669"/>
+                <a:ext cx="261790" cy="261790"/>
+              </a:xfrm>
+              <a:prstGeom prst="rect">
+                <a:avLst/>
+              </a:prstGeom>
+            </p:spPr>
+          </p:pic>
+        </p:grpSp>
+        <p:sp>
+          <p:nvSpPr>
+            <p:cNvPr id="63" name="Arrow: Left-Right 62">
+              <a:extLst>
+                <a:ext uri="{FF2B5EF4-FFF2-40B4-BE49-F238E27FC236}">
+                  <a16:creationId xmlns:a16="http://schemas.microsoft.com/office/drawing/2014/main" id="{F5232EA3-6CB7-4430-AF93-25887335F50C}"/>
+                </a:ext>
+              </a:extLst>
+            </p:cNvPr>
+            <p:cNvSpPr/>
+            <p:nvPr/>
+          </p:nvSpPr>
+          <p:spPr>
+            <a:xfrm>
+              <a:off x="-166491" y="1941677"/>
+              <a:ext cx="12479486" cy="698480"/>
+            </a:xfrm>
+            <a:prstGeom prst="leftRightArrow">
+              <a:avLst>
+                <a:gd name="adj1" fmla="val 65608"/>
+                <a:gd name="adj2" fmla="val 59965"/>
+              </a:avLst>
+            </a:prstGeom>
+            <a:gradFill flip="none" rotWithShape="1">
+              <a:gsLst>
+                <a:gs pos="75000">
+                  <a:srgbClr val="F6951E"/>
+                </a:gs>
+                <a:gs pos="50000">
+                  <a:srgbClr val="C03F4F"/>
+                </a:gs>
+                <a:gs pos="100000">
+                  <a:srgbClr val="FCFB9A"/>
+                </a:gs>
+                <a:gs pos="25000">
+                  <a:srgbClr val="5D1268"/>
+                </a:gs>
+                <a:gs pos="0">
+                  <a:srgbClr val="16071C"/>
+                </a:gs>
+              </a:gsLst>
+              <a:lin ang="0" scaled="1"/>
+              <a:tileRect/>
+            </a:gradFill>
+            <a:ln w="19050">
+              <a:solidFill>
+                <a:schemeClr val="bg1"/>
+              </a:solidFill>
+            </a:ln>
+          </p:spPr>
+          <p:style>
+            <a:lnRef idx="2">
+              <a:schemeClr val="accent1">
+                <a:shade val="50000"/>
+              </a:schemeClr>
+            </a:lnRef>
+            <a:fillRef idx="1">
+              <a:schemeClr val="accent1"/>
+            </a:fillRef>
+            <a:effectRef idx="0">
+              <a:schemeClr val="accent1"/>
+            </a:effectRef>
+            <a:fontRef idx="minor">
+              <a:schemeClr val="lt1"/>
+            </a:fontRef>
+          </p:style>
+          <p:txBody>
+            <a:bodyPr rtlCol="0" anchor="ctr"/>
+            <a:lstStyle>
+              <a:defPPr>
+                <a:defRPr lang="en-US"/>
+              </a:defPPr>
+              <a:lvl1pPr marL="0" algn="l" defTabSz="457200" rtl="0" eaLnBrk="1" latinLnBrk="0" hangingPunct="1">
+                <a:defRPr sz="1800" kern="1200">
+                  <a:solidFill>
+                    <a:schemeClr val="lt1"/>
+                  </a:solidFill>
+                  <a:latin typeface="+mn-lt"/>
+                  <a:ea typeface="+mn-ea"/>
+                  <a:cs typeface="+mn-cs"/>
+                </a:defRPr>
+              </a:lvl1pPr>
+              <a:lvl2pPr marL="457200" algn="l" defTabSz="457200" rtl="0" eaLnBrk="1" latinLnBrk="0" hangingPunct="1">
+                <a:defRPr sz="1800" kern="1200">
+                  <a:solidFill>
+                    <a:schemeClr val="lt1"/>
+                  </a:solidFill>
+                  <a:latin typeface="+mn-lt"/>
+                  <a:ea typeface="+mn-ea"/>
+                  <a:cs typeface="+mn-cs"/>
+                </a:defRPr>
+              </a:lvl2pPr>
+              <a:lvl3pPr marL="914400" algn="l" defTabSz="457200" rtl="0" eaLnBrk="1" latinLnBrk="0" hangingPunct="1">
+                <a:defRPr sz="1800" kern="1200">
+                  <a:solidFill>
+                    <a:schemeClr val="lt1"/>
+                  </a:solidFill>
+                  <a:latin typeface="+mn-lt"/>
+                  <a:ea typeface="+mn-ea"/>
+                  <a:cs typeface="+mn-cs"/>
+                </a:defRPr>
+              </a:lvl3pPr>
+              <a:lvl4pPr marL="1371600" algn="l" defTabSz="457200" rtl="0" eaLnBrk="1" latinLnBrk="0" hangingPunct="1">
+                <a:defRPr sz="1800" kern="1200">
+                  <a:solidFill>
+                    <a:schemeClr val="lt1"/>
+                  </a:solidFill>
+                  <a:latin typeface="+mn-lt"/>
+                  <a:ea typeface="+mn-ea"/>
+                  <a:cs typeface="+mn-cs"/>
+                </a:defRPr>
+              </a:lvl4pPr>
+              <a:lvl5pPr marL="1828800" algn="l" defTabSz="457200" rtl="0" eaLnBrk="1" latinLnBrk="0" hangingPunct="1">
+                <a:defRPr sz="1800" kern="1200">
+                  <a:solidFill>
+                    <a:schemeClr val="lt1"/>
+                  </a:solidFill>
+                  <a:latin typeface="+mn-lt"/>
+                  <a:ea typeface="+mn-ea"/>
+                  <a:cs typeface="+mn-cs"/>
+                </a:defRPr>
+              </a:lvl5pPr>
+              <a:lvl6pPr marL="2286000" algn="l" defTabSz="457200" rtl="0" eaLnBrk="1" latinLnBrk="0" hangingPunct="1">
+                <a:defRPr sz="1800" kern="1200">
+                  <a:solidFill>
+                    <a:schemeClr val="lt1"/>
+                  </a:solidFill>
+                  <a:latin typeface="+mn-lt"/>
+                  <a:ea typeface="+mn-ea"/>
+                  <a:cs typeface="+mn-cs"/>
+                </a:defRPr>
+              </a:lvl6pPr>
+              <a:lvl7pPr marL="2743200" algn="l" defTabSz="457200" rtl="0" eaLnBrk="1" latinLnBrk="0" hangingPunct="1">
+                <a:defRPr sz="1800" kern="1200">
+                  <a:solidFill>
+                    <a:schemeClr val="lt1"/>
+                  </a:solidFill>
+                  <a:latin typeface="+mn-lt"/>
+                  <a:ea typeface="+mn-ea"/>
+                  <a:cs typeface="+mn-cs"/>
+                </a:defRPr>
+              </a:lvl7pPr>
+              <a:lvl8pPr marL="3200400" algn="l" defTabSz="457200" rtl="0" eaLnBrk="1" latinLnBrk="0" hangingPunct="1">
+                <a:defRPr sz="1800" kern="1200">
+                  <a:solidFill>
+                    <a:schemeClr val="lt1"/>
+                  </a:solidFill>
+                  <a:latin typeface="+mn-lt"/>
+                  <a:ea typeface="+mn-ea"/>
+                  <a:cs typeface="+mn-cs"/>
+                </a:defRPr>
+              </a:lvl8pPr>
+              <a:lvl9pPr marL="3657600" algn="l" defTabSz="457200" rtl="0" eaLnBrk="1" latinLnBrk="0" hangingPunct="1">
+                <a:defRPr sz="1800" kern="1200">
+                  <a:solidFill>
+                    <a:schemeClr val="lt1"/>
+                  </a:solidFill>
+                  <a:latin typeface="+mn-lt"/>
+                  <a:ea typeface="+mn-ea"/>
+                  <a:cs typeface="+mn-cs"/>
+                </a:defRPr>
+              </a:lvl9pPr>
+            </a:lstStyle>
+            <a:p>
+              <a:pPr algn="ctr"/>
+              <a:endParaRPr lang="en-AU" sz="1350" dirty="0">
+                <a:solidFill>
+                  <a:schemeClr val="tx1"/>
+                </a:solidFill>
+              </a:endParaRPr>
+            </a:p>
+          </p:txBody>
+        </p:sp>
+      </p:grpSp>
+      <p:grpSp>
+        <p:nvGrpSpPr>
+          <p:cNvPr id="31" name="Group 30">
+            <a:extLst>
+              <a:ext uri="{FF2B5EF4-FFF2-40B4-BE49-F238E27FC236}">
+                <a16:creationId xmlns:a16="http://schemas.microsoft.com/office/drawing/2014/main" id="{DA1E5894-0015-4A9D-9930-A779073DDE59}"/>
+              </a:ext>
+            </a:extLst>
+          </p:cNvPr>
+          <p:cNvGrpSpPr/>
+          <p:nvPr/>
+        </p:nvGrpSpPr>
+        <p:grpSpPr>
+          <a:xfrm>
+            <a:off x="3016084" y="3562961"/>
+            <a:ext cx="1199820" cy="1199820"/>
+            <a:chOff x="2322719" y="717689"/>
+            <a:chExt cx="1199820" cy="1199820"/>
+          </a:xfrm>
+        </p:grpSpPr>
+        <p:sp>
+          <p:nvSpPr>
+            <p:cNvPr id="181" name="Rectangle 180">
+              <a:extLst>
+                <a:ext uri="{FF2B5EF4-FFF2-40B4-BE49-F238E27FC236}">
+                  <a16:creationId xmlns:a16="http://schemas.microsoft.com/office/drawing/2014/main" id="{8E30454A-1DEB-4E61-89FF-014CEC90E4D4}"/>
+                </a:ext>
+              </a:extLst>
+            </p:cNvPr>
+            <p:cNvSpPr>
+              <a:spLocks noChangeAspect="1"/>
+            </p:cNvSpPr>
+            <p:nvPr/>
+          </p:nvSpPr>
+          <p:spPr>
+            <a:xfrm>
+              <a:off x="2322719" y="717689"/>
+              <a:ext cx="1199820" cy="1199820"/>
+            </a:xfrm>
+            <a:prstGeom prst="rect">
+              <a:avLst/>
+            </a:prstGeom>
+            <a:noFill/>
+            <a:ln w="19050">
+              <a:solidFill>
+                <a:schemeClr val="tx1"/>
+              </a:solidFill>
+            </a:ln>
+          </p:spPr>
+          <p:style>
+            <a:lnRef idx="2">
+              <a:schemeClr val="accent6"/>
+            </a:lnRef>
+            <a:fillRef idx="1">
+              <a:schemeClr val="lt1"/>
+            </a:fillRef>
+            <a:effectRef idx="0">
+              <a:schemeClr val="accent6"/>
+            </a:effectRef>
+            <a:fontRef idx="minor">
+              <a:schemeClr val="dk1"/>
+            </a:fontRef>
+          </p:style>
+          <p:txBody>
+            <a:bodyPr rtlCol="0" anchor="ctr"/>
+            <a:lstStyle/>
+            <a:p>
+              <a:pPr algn="ctr"/>
+              <a:endParaRPr lang="en-US"/>
+            </a:p>
+          </p:txBody>
+        </p:sp>
+        <p:cxnSp>
+          <p:nvCxnSpPr>
+            <p:cNvPr id="182" name="Straight Connector 181">
+              <a:extLst>
+                <a:ext uri="{FF2B5EF4-FFF2-40B4-BE49-F238E27FC236}">
+                  <a16:creationId xmlns:a16="http://schemas.microsoft.com/office/drawing/2014/main" id="{9D5848CA-6247-4DCC-BA2E-B4EFB99FDD1D}"/>
+                </a:ext>
+              </a:extLst>
+            </p:cNvPr>
+            <p:cNvCxnSpPr>
+              <a:cxnSpLocks/>
+              <a:stCxn id="181" idx="0"/>
+              <a:endCxn id="181" idx="2"/>
+            </p:cNvCxnSpPr>
+            <p:nvPr/>
+          </p:nvCxnSpPr>
+          <p:spPr>
+            <a:xfrm>
+              <a:off x="2922629" y="717689"/>
+              <a:ext cx="0" cy="1199820"/>
+            </a:xfrm>
+            <a:prstGeom prst="line">
+              <a:avLst/>
+            </a:prstGeom>
+            <a:ln w="19050">
+              <a:solidFill>
+                <a:schemeClr val="tx1"/>
+              </a:solidFill>
+            </a:ln>
+          </p:spPr>
+          <p:style>
+            <a:lnRef idx="1">
+              <a:schemeClr val="accent1"/>
+            </a:lnRef>
+            <a:fillRef idx="0">
+              <a:schemeClr val="accent1"/>
+            </a:fillRef>
+            <a:effectRef idx="0">
+              <a:schemeClr val="accent1"/>
+            </a:effectRef>
+            <a:fontRef idx="minor">
+              <a:schemeClr val="tx1"/>
+            </a:fontRef>
+          </p:style>
+        </p:cxnSp>
+        <p:cxnSp>
+          <p:nvCxnSpPr>
+            <p:cNvPr id="183" name="Straight Connector 182">
+              <a:extLst>
+                <a:ext uri="{FF2B5EF4-FFF2-40B4-BE49-F238E27FC236}">
+                  <a16:creationId xmlns:a16="http://schemas.microsoft.com/office/drawing/2014/main" id="{5290CBF0-988C-4948-8315-304B84DEEB3A}"/>
+                </a:ext>
+              </a:extLst>
+            </p:cNvPr>
+            <p:cNvCxnSpPr>
+              <a:cxnSpLocks/>
+              <a:stCxn id="181" idx="1"/>
+              <a:endCxn id="181" idx="3"/>
+            </p:cNvCxnSpPr>
+            <p:nvPr/>
+          </p:nvCxnSpPr>
+          <p:spPr>
+            <a:xfrm>
+              <a:off x="2322719" y="1317599"/>
+              <a:ext cx="1199820" cy="0"/>
+            </a:xfrm>
+            <a:prstGeom prst="line">
+              <a:avLst/>
+            </a:prstGeom>
+            <a:ln w="19050">
+              <a:solidFill>
+                <a:schemeClr val="tx1"/>
+              </a:solidFill>
+            </a:ln>
+          </p:spPr>
+          <p:style>
+            <a:lnRef idx="1">
+              <a:schemeClr val="accent1"/>
+            </a:lnRef>
+            <a:fillRef idx="0">
+              <a:schemeClr val="accent1"/>
+            </a:fillRef>
+            <a:effectRef idx="0">
+              <a:schemeClr val="accent1"/>
+            </a:effectRef>
+            <a:fontRef idx="minor">
+              <a:schemeClr val="tx1"/>
+            </a:fontRef>
+          </p:style>
+        </p:cxnSp>
+        <p:pic>
+          <p:nvPicPr>
+            <p:cNvPr id="184" name="Picture 183">
+              <a:extLst>
+                <a:ext uri="{FF2B5EF4-FFF2-40B4-BE49-F238E27FC236}">
+                  <a16:creationId xmlns:a16="http://schemas.microsoft.com/office/drawing/2014/main" id="{A996E176-142F-4B19-B59A-A19A35FFAE97}"/>
+                </a:ext>
+              </a:extLst>
+            </p:cNvPr>
+            <p:cNvPicPr>
+              <a:picLocks noChangeAspect="1"/>
+            </p:cNvPicPr>
+            <p:nvPr/>
+          </p:nvPicPr>
+          <p:blipFill>
+            <a:blip r:embed="rId51" cstate="print">
+              <a:duotone>
+                <a:schemeClr val="bg2">
+                  <a:shade val="45000"/>
+                  <a:satMod val="135000"/>
+                </a:schemeClr>
+                <a:prstClr val="white"/>
+              </a:duotone>
+              <a:extLst>
+                <a:ext uri="{28A0092B-C50C-407E-A947-70E740481C1C}">
+                  <a14:useLocalDpi xmlns:a14="http://schemas.microsoft.com/office/drawing/2010/main" val="0"/>
+                </a:ext>
+              </a:extLst>
+            </a:blip>
+            <a:stretch>
+              <a:fillRect/>
+            </a:stretch>
+          </p:blipFill>
+          <p:spPr>
+            <a:xfrm>
+              <a:off x="2348395" y="721374"/>
+              <a:ext cx="252182" cy="268850"/>
+            </a:xfrm>
+            <a:prstGeom prst="rect">
+              <a:avLst/>
+            </a:prstGeom>
+          </p:spPr>
+        </p:pic>
+        <p:pic>
+          <p:nvPicPr>
+            <p:cNvPr id="185" name="Picture 184">
+              <a:extLst>
+                <a:ext uri="{FF2B5EF4-FFF2-40B4-BE49-F238E27FC236}">
+                  <a16:creationId xmlns:a16="http://schemas.microsoft.com/office/drawing/2014/main" id="{DAC135FF-5B8A-4F4D-81AB-1CD8BBBE2295}"/>
+                </a:ext>
+              </a:extLst>
+            </p:cNvPr>
+            <p:cNvPicPr>
+              <a:picLocks noChangeAspect="1"/>
+            </p:cNvPicPr>
+            <p:nvPr/>
+          </p:nvPicPr>
+          <p:blipFill>
+            <a:blip r:embed="rId52">
+              <a:duotone>
+                <a:prstClr val="black"/>
+                <a:schemeClr val="tx2">
+                  <a:tint val="45000"/>
+                  <a:satMod val="400000"/>
+                </a:schemeClr>
+              </a:duotone>
+              <a:extLst>
+                <a:ext uri="{28A0092B-C50C-407E-A947-70E740481C1C}">
+                  <a14:useLocalDpi xmlns:a14="http://schemas.microsoft.com/office/drawing/2010/main" val="0"/>
+                </a:ext>
+              </a:extLst>
+            </a:blip>
+            <a:stretch>
+              <a:fillRect/>
+            </a:stretch>
+          </p:blipFill>
+          <p:spPr>
+            <a:xfrm>
+              <a:off x="2369573" y="1074958"/>
+              <a:ext cx="223221" cy="184945"/>
+            </a:xfrm>
+            <a:prstGeom prst="rect">
+              <a:avLst/>
+            </a:prstGeom>
+          </p:spPr>
+        </p:pic>
+        <p:pic>
+          <p:nvPicPr>
+            <p:cNvPr id="186" name="Picture 185">
+              <a:extLst>
+                <a:ext uri="{FF2B5EF4-FFF2-40B4-BE49-F238E27FC236}">
+                  <a16:creationId xmlns:a16="http://schemas.microsoft.com/office/drawing/2014/main" id="{BEE2BD33-84D8-4590-8779-A9CD0A5C86C8}"/>
+                </a:ext>
+              </a:extLst>
+            </p:cNvPr>
+            <p:cNvPicPr>
+              <a:picLocks noChangeAspect="1"/>
+            </p:cNvPicPr>
+            <p:nvPr/>
+          </p:nvPicPr>
+          <p:blipFill>
+            <a:blip r:embed="rId53" cstate="print">
+              <a:duotone>
+                <a:prstClr val="black"/>
+                <a:schemeClr val="tx2">
+                  <a:tint val="45000"/>
+                  <a:satMod val="400000"/>
+                </a:schemeClr>
+              </a:duotone>
+              <a:extLst>
+                <a:ext uri="{BEBA8EAE-BF5A-486C-A8C5-ECC9F3942E4B}">
+                  <a14:imgProps xmlns:a14="http://schemas.microsoft.com/office/drawing/2010/main">
+                    <a14:imgLayer r:embed="rId54">
+                      <a14:imgEffect>
+                        <a14:saturation sat="0"/>
+                      </a14:imgEffect>
+                    </a14:imgLayer>
+                  </a14:imgProps>
+                </a:ext>
+                <a:ext uri="{28A0092B-C50C-407E-A947-70E740481C1C}">
+                  <a14:useLocalDpi xmlns:a14="http://schemas.microsoft.com/office/drawing/2010/main" val="0"/>
+                </a:ext>
+              </a:extLst>
+            </a:blip>
+            <a:stretch>
+              <a:fillRect/>
+            </a:stretch>
+          </p:blipFill>
+          <p:spPr>
+            <a:xfrm flipH="1">
+              <a:off x="2673031" y="990223"/>
+              <a:ext cx="231759" cy="152816"/>
+            </a:xfrm>
+            <a:prstGeom prst="rect">
+              <a:avLst/>
+            </a:prstGeom>
+          </p:spPr>
+        </p:pic>
+        <p:pic>
+          <p:nvPicPr>
+            <p:cNvPr id="187" name="Picture 186">
+              <a:extLst>
+                <a:ext uri="{FF2B5EF4-FFF2-40B4-BE49-F238E27FC236}">
+                  <a16:creationId xmlns:a16="http://schemas.microsoft.com/office/drawing/2014/main" id="{78830EC3-CCFA-4756-A8E5-366D0F848DE7}"/>
+                </a:ext>
+              </a:extLst>
+            </p:cNvPr>
+            <p:cNvPicPr>
+              <a:picLocks noChangeAspect="1"/>
+            </p:cNvPicPr>
+            <p:nvPr/>
+          </p:nvPicPr>
+          <p:blipFill>
+            <a:blip r:embed="rId51" cstate="print">
+              <a:duotone>
+                <a:schemeClr val="bg2">
+                  <a:shade val="45000"/>
+                  <a:satMod val="135000"/>
+                </a:schemeClr>
+                <a:prstClr val="white"/>
+              </a:duotone>
+              <a:extLst>
+                <a:ext uri="{28A0092B-C50C-407E-A947-70E740481C1C}">
+                  <a14:useLocalDpi xmlns:a14="http://schemas.microsoft.com/office/drawing/2010/main" val="0"/>
+                </a:ext>
+              </a:extLst>
+            </a:blip>
+            <a:stretch>
+              <a:fillRect/>
+            </a:stretch>
+          </p:blipFill>
+          <p:spPr>
+            <a:xfrm>
+              <a:off x="2348395" y="1334971"/>
+              <a:ext cx="252182" cy="268850"/>
+            </a:xfrm>
+            <a:prstGeom prst="rect">
+              <a:avLst/>
+            </a:prstGeom>
+          </p:spPr>
+        </p:pic>
+        <p:pic>
+          <p:nvPicPr>
+            <p:cNvPr id="188" name="Picture 187">
+              <a:extLst>
+                <a:ext uri="{FF2B5EF4-FFF2-40B4-BE49-F238E27FC236}">
+                  <a16:creationId xmlns:a16="http://schemas.microsoft.com/office/drawing/2014/main" id="{2C9C71A7-2539-4246-9771-56B0836D2545}"/>
+                </a:ext>
+              </a:extLst>
+            </p:cNvPr>
+            <p:cNvPicPr>
+              <a:picLocks noChangeAspect="1"/>
+            </p:cNvPicPr>
+            <p:nvPr/>
+          </p:nvPicPr>
+          <p:blipFill>
+            <a:blip r:embed="rId52">
+              <a:duotone>
+                <a:prstClr val="black"/>
+                <a:schemeClr val="tx2">
+                  <a:tint val="45000"/>
+                  <a:satMod val="400000"/>
+                </a:schemeClr>
+              </a:duotone>
+              <a:extLst>
+                <a:ext uri="{28A0092B-C50C-407E-A947-70E740481C1C}">
+                  <a14:useLocalDpi xmlns:a14="http://schemas.microsoft.com/office/drawing/2010/main" val="0"/>
+                </a:ext>
+              </a:extLst>
+            </a:blip>
+            <a:stretch>
+              <a:fillRect/>
+            </a:stretch>
+          </p:blipFill>
+          <p:spPr>
+            <a:xfrm>
+              <a:off x="2583103" y="1386106"/>
+              <a:ext cx="223221" cy="184945"/>
+            </a:xfrm>
+            <a:prstGeom prst="rect">
+              <a:avLst/>
+            </a:prstGeom>
+          </p:spPr>
+        </p:pic>
+        <p:pic>
+          <p:nvPicPr>
+            <p:cNvPr id="189" name="Picture 188">
+              <a:extLst>
+                <a:ext uri="{FF2B5EF4-FFF2-40B4-BE49-F238E27FC236}">
+                  <a16:creationId xmlns:a16="http://schemas.microsoft.com/office/drawing/2014/main" id="{E647AA6D-A3D2-4661-A723-14227463C9F1}"/>
+                </a:ext>
+              </a:extLst>
+            </p:cNvPr>
+            <p:cNvPicPr>
+              <a:picLocks noChangeAspect="1"/>
+            </p:cNvPicPr>
+            <p:nvPr/>
+          </p:nvPicPr>
+          <p:blipFill>
+            <a:blip r:embed="rId53" cstate="print">
+              <a:duotone>
+                <a:prstClr val="black"/>
+                <a:schemeClr val="tx2">
+                  <a:tint val="45000"/>
+                  <a:satMod val="400000"/>
+                </a:schemeClr>
+              </a:duotone>
+              <a:extLst>
+                <a:ext uri="{BEBA8EAE-BF5A-486C-A8C5-ECC9F3942E4B}">
+                  <a14:imgProps xmlns:a14="http://schemas.microsoft.com/office/drawing/2010/main">
+                    <a14:imgLayer r:embed="rId54">
+                      <a14:imgEffect>
+                        <a14:saturation sat="0"/>
+                      </a14:imgEffect>
+                    </a14:imgLayer>
+                  </a14:imgProps>
+                </a:ext>
+                <a:ext uri="{28A0092B-C50C-407E-A947-70E740481C1C}">
+                  <a14:useLocalDpi xmlns:a14="http://schemas.microsoft.com/office/drawing/2010/main" val="0"/>
+                </a:ext>
+              </a:extLst>
+            </a:blip>
+            <a:stretch>
+              <a:fillRect/>
+            </a:stretch>
+          </p:blipFill>
+          <p:spPr>
+            <a:xfrm flipH="1">
+              <a:off x="2369573" y="1702120"/>
+              <a:ext cx="231759" cy="152816"/>
+            </a:xfrm>
+            <a:prstGeom prst="rect">
+              <a:avLst/>
+            </a:prstGeom>
+          </p:spPr>
+        </p:pic>
+        <p:pic>
+          <p:nvPicPr>
+            <p:cNvPr id="190" name="Picture 189">
+              <a:extLst>
+                <a:ext uri="{FF2B5EF4-FFF2-40B4-BE49-F238E27FC236}">
+                  <a16:creationId xmlns:a16="http://schemas.microsoft.com/office/drawing/2014/main" id="{A00BF8A0-32EE-4A1E-B650-42AA0FD21EF7}"/>
+                </a:ext>
+              </a:extLst>
+            </p:cNvPr>
+            <p:cNvPicPr>
+              <a:picLocks noChangeAspect="1"/>
+            </p:cNvPicPr>
+            <p:nvPr/>
+          </p:nvPicPr>
+          <p:blipFill>
+            <a:blip r:embed="rId51" cstate="print">
+              <a:duotone>
+                <a:schemeClr val="bg2">
+                  <a:shade val="45000"/>
+                  <a:satMod val="135000"/>
+                </a:schemeClr>
+                <a:prstClr val="white"/>
+              </a:duotone>
+              <a:extLst>
+                <a:ext uri="{28A0092B-C50C-407E-A947-70E740481C1C}">
+                  <a14:useLocalDpi xmlns:a14="http://schemas.microsoft.com/office/drawing/2010/main" val="0"/>
+                </a:ext>
+              </a:extLst>
+            </a:blip>
+            <a:stretch>
+              <a:fillRect/>
+            </a:stretch>
+          </p:blipFill>
+          <p:spPr>
+            <a:xfrm>
+              <a:off x="3086069" y="1637600"/>
+              <a:ext cx="252182" cy="268850"/>
+            </a:xfrm>
+            <a:prstGeom prst="rect">
+              <a:avLst/>
+            </a:prstGeom>
+          </p:spPr>
+        </p:pic>
+        <p:pic>
+          <p:nvPicPr>
+            <p:cNvPr id="191" name="Picture 190">
+              <a:extLst>
+                <a:ext uri="{FF2B5EF4-FFF2-40B4-BE49-F238E27FC236}">
+                  <a16:creationId xmlns:a16="http://schemas.microsoft.com/office/drawing/2014/main" id="{C855D21F-25A9-4BC5-BD90-C39DDB4DAADF}"/>
+                </a:ext>
+              </a:extLst>
+            </p:cNvPr>
+            <p:cNvPicPr>
+              <a:picLocks noChangeAspect="1"/>
+            </p:cNvPicPr>
+            <p:nvPr/>
+          </p:nvPicPr>
+          <p:blipFill>
+            <a:blip r:embed="rId52">
+              <a:duotone>
+                <a:prstClr val="black"/>
+                <a:schemeClr val="tx2">
+                  <a:tint val="45000"/>
+                  <a:satMod val="400000"/>
+                </a:schemeClr>
+              </a:duotone>
+              <a:extLst>
+                <a:ext uri="{28A0092B-C50C-407E-A947-70E740481C1C}">
+                  <a14:useLocalDpi xmlns:a14="http://schemas.microsoft.com/office/drawing/2010/main" val="0"/>
+                </a:ext>
+              </a:extLst>
+            </a:blip>
+            <a:stretch>
+              <a:fillRect/>
+            </a:stretch>
+          </p:blipFill>
+          <p:spPr>
+            <a:xfrm>
+              <a:off x="2957371" y="1335384"/>
+              <a:ext cx="223221" cy="184945"/>
+            </a:xfrm>
+            <a:prstGeom prst="rect">
+              <a:avLst/>
+            </a:prstGeom>
+          </p:spPr>
+        </p:pic>
+        <p:pic>
+          <p:nvPicPr>
+            <p:cNvPr id="192" name="Picture 191">
+              <a:extLst>
+                <a:ext uri="{FF2B5EF4-FFF2-40B4-BE49-F238E27FC236}">
+                  <a16:creationId xmlns:a16="http://schemas.microsoft.com/office/drawing/2014/main" id="{6C66CD7D-0689-4A92-AE91-8760CF879675}"/>
+                </a:ext>
+              </a:extLst>
+            </p:cNvPr>
+            <p:cNvPicPr>
+              <a:picLocks noChangeAspect="1"/>
+            </p:cNvPicPr>
+            <p:nvPr/>
+          </p:nvPicPr>
+          <p:blipFill>
+            <a:blip r:embed="rId53" cstate="print">
+              <a:duotone>
+                <a:prstClr val="black"/>
+                <a:schemeClr val="tx2">
+                  <a:tint val="45000"/>
+                  <a:satMod val="400000"/>
+                </a:schemeClr>
+              </a:duotone>
+              <a:extLst>
+                <a:ext uri="{BEBA8EAE-BF5A-486C-A8C5-ECC9F3942E4B}">
+                  <a14:imgProps xmlns:a14="http://schemas.microsoft.com/office/drawing/2010/main">
+                    <a14:imgLayer r:embed="rId54">
+                      <a14:imgEffect>
+                        <a14:saturation sat="0"/>
+                      </a14:imgEffect>
+                    </a14:imgLayer>
+                  </a14:imgProps>
+                </a:ext>
+                <a:ext uri="{28A0092B-C50C-407E-A947-70E740481C1C}">
+                  <a14:useLocalDpi xmlns:a14="http://schemas.microsoft.com/office/drawing/2010/main" val="0"/>
+                </a:ext>
+              </a:extLst>
+            </a:blip>
+            <a:stretch>
+              <a:fillRect/>
+            </a:stretch>
+          </p:blipFill>
+          <p:spPr>
+            <a:xfrm flipH="1">
+              <a:off x="3259787" y="1385125"/>
+              <a:ext cx="231759" cy="152816"/>
+            </a:xfrm>
+            <a:prstGeom prst="rect">
+              <a:avLst/>
+            </a:prstGeom>
+          </p:spPr>
+        </p:pic>
+        <p:pic>
+          <p:nvPicPr>
+            <p:cNvPr id="193" name="Picture 192">
+              <a:extLst>
+                <a:ext uri="{FF2B5EF4-FFF2-40B4-BE49-F238E27FC236}">
+                  <a16:creationId xmlns:a16="http://schemas.microsoft.com/office/drawing/2014/main" id="{46ED0E0D-A4E3-40E4-859D-6DDC53C073F7}"/>
+                </a:ext>
+              </a:extLst>
+            </p:cNvPr>
+            <p:cNvPicPr>
+              <a:picLocks noChangeAspect="1"/>
+            </p:cNvPicPr>
+            <p:nvPr/>
+          </p:nvPicPr>
+          <p:blipFill>
+            <a:blip r:embed="rId51" cstate="print">
+              <a:duotone>
+                <a:schemeClr val="bg2">
+                  <a:shade val="45000"/>
+                  <a:satMod val="135000"/>
+                </a:schemeClr>
+                <a:prstClr val="white"/>
+              </a:duotone>
+              <a:extLst>
+                <a:ext uri="{28A0092B-C50C-407E-A947-70E740481C1C}">
+                  <a14:useLocalDpi xmlns:a14="http://schemas.microsoft.com/office/drawing/2010/main" val="0"/>
+                </a:ext>
+              </a:extLst>
+            </a:blip>
+            <a:stretch>
+              <a:fillRect/>
+            </a:stretch>
+          </p:blipFill>
+          <p:spPr>
+            <a:xfrm>
+              <a:off x="2961222" y="767185"/>
+              <a:ext cx="252182" cy="268850"/>
+            </a:xfrm>
+            <a:prstGeom prst="rect">
+              <a:avLst/>
+            </a:prstGeom>
+          </p:spPr>
+        </p:pic>
+        <p:pic>
+          <p:nvPicPr>
+            <p:cNvPr id="194" name="Picture 193">
+              <a:extLst>
+                <a:ext uri="{FF2B5EF4-FFF2-40B4-BE49-F238E27FC236}">
+                  <a16:creationId xmlns:a16="http://schemas.microsoft.com/office/drawing/2014/main" id="{9E284F3B-0200-4A92-9F5C-399B78725E0E}"/>
+                </a:ext>
+              </a:extLst>
+            </p:cNvPr>
+            <p:cNvPicPr>
+              <a:picLocks noChangeAspect="1"/>
+            </p:cNvPicPr>
+            <p:nvPr/>
+          </p:nvPicPr>
+          <p:blipFill>
+            <a:blip r:embed="rId52">
+              <a:duotone>
+                <a:prstClr val="black"/>
+                <a:schemeClr val="tx2">
+                  <a:tint val="45000"/>
+                  <a:satMod val="400000"/>
+                </a:schemeClr>
+              </a:duotone>
+              <a:extLst>
+                <a:ext uri="{28A0092B-C50C-407E-A947-70E740481C1C}">
+                  <a14:useLocalDpi xmlns:a14="http://schemas.microsoft.com/office/drawing/2010/main" val="0"/>
+                </a:ext>
+              </a:extLst>
+            </a:blip>
+            <a:stretch>
+              <a:fillRect/>
+            </a:stretch>
+          </p:blipFill>
+          <p:spPr>
+            <a:xfrm>
+              <a:off x="3142607" y="889089"/>
+              <a:ext cx="223221" cy="184945"/>
+            </a:xfrm>
+            <a:prstGeom prst="rect">
+              <a:avLst/>
+            </a:prstGeom>
+          </p:spPr>
+        </p:pic>
+        <p:pic>
+          <p:nvPicPr>
+            <p:cNvPr id="195" name="Picture 194">
+              <a:extLst>
+                <a:ext uri="{FF2B5EF4-FFF2-40B4-BE49-F238E27FC236}">
+                  <a16:creationId xmlns:a16="http://schemas.microsoft.com/office/drawing/2014/main" id="{1106189B-9DAA-42DA-A1E2-22DC0F33F38C}"/>
+                </a:ext>
+              </a:extLst>
+            </p:cNvPr>
+            <p:cNvPicPr>
+              <a:picLocks noChangeAspect="1"/>
+            </p:cNvPicPr>
+            <p:nvPr/>
+          </p:nvPicPr>
+          <p:blipFill>
+            <a:blip r:embed="rId53" cstate="print">
+              <a:duotone>
+                <a:prstClr val="black"/>
+                <a:schemeClr val="tx2">
+                  <a:tint val="45000"/>
+                  <a:satMod val="400000"/>
+                </a:schemeClr>
+              </a:duotone>
+              <a:extLst>
+                <a:ext uri="{BEBA8EAE-BF5A-486C-A8C5-ECC9F3942E4B}">
+                  <a14:imgProps xmlns:a14="http://schemas.microsoft.com/office/drawing/2010/main">
+                    <a14:imgLayer r:embed="rId54">
+                      <a14:imgEffect>
+                        <a14:saturation sat="0"/>
+                      </a14:imgEffect>
+                    </a14:imgLayer>
+                  </a14:imgProps>
+                </a:ext>
+                <a:ext uri="{28A0092B-C50C-407E-A947-70E740481C1C}">
+                  <a14:useLocalDpi xmlns:a14="http://schemas.microsoft.com/office/drawing/2010/main" val="0"/>
+                </a:ext>
+              </a:extLst>
+            </a:blip>
+            <a:stretch>
+              <a:fillRect/>
+            </a:stretch>
+          </p:blipFill>
+          <p:spPr>
+            <a:xfrm flipH="1">
+              <a:off x="3081622" y="1124491"/>
+              <a:ext cx="231759" cy="152816"/>
+            </a:xfrm>
+            <a:prstGeom prst="rect">
+              <a:avLst/>
+            </a:prstGeom>
+          </p:spPr>
+        </p:pic>
+      </p:grpSp>
+      <p:grpSp>
+        <p:nvGrpSpPr>
+          <p:cNvPr id="95" name="Group 94">
+            <a:extLst>
+              <a:ext uri="{FF2B5EF4-FFF2-40B4-BE49-F238E27FC236}">
+                <a16:creationId xmlns:a16="http://schemas.microsoft.com/office/drawing/2014/main" id="{137A95F1-636D-40AA-9593-D4C4C2A3A0A1}"/>
+              </a:ext>
+            </a:extLst>
+          </p:cNvPr>
+          <p:cNvGrpSpPr/>
+          <p:nvPr/>
+        </p:nvGrpSpPr>
+        <p:grpSpPr>
+          <a:xfrm>
+            <a:off x="3015477" y="932813"/>
+            <a:ext cx="1199820" cy="1199820"/>
+            <a:chOff x="2322719" y="717689"/>
+            <a:chExt cx="1199820" cy="1199820"/>
+          </a:xfrm>
+        </p:grpSpPr>
+        <p:sp>
+          <p:nvSpPr>
+            <p:cNvPr id="166" name="Rectangle 165">
+              <a:extLst>
+                <a:ext uri="{FF2B5EF4-FFF2-40B4-BE49-F238E27FC236}">
+                  <a16:creationId xmlns:a16="http://schemas.microsoft.com/office/drawing/2014/main" id="{753AD6B1-FB5A-4450-9EC1-5F489310646D}"/>
+                </a:ext>
+              </a:extLst>
+            </p:cNvPr>
+            <p:cNvSpPr>
+              <a:spLocks noChangeAspect="1"/>
+            </p:cNvSpPr>
+            <p:nvPr/>
+          </p:nvSpPr>
+          <p:spPr>
+            <a:xfrm>
+              <a:off x="2322719" y="717689"/>
+              <a:ext cx="1199820" cy="1199820"/>
+            </a:xfrm>
+            <a:prstGeom prst="rect">
+              <a:avLst/>
+            </a:prstGeom>
+            <a:noFill/>
+            <a:ln w="19050">
+              <a:solidFill>
+                <a:schemeClr val="tx1"/>
+              </a:solidFill>
+            </a:ln>
+          </p:spPr>
+          <p:style>
+            <a:lnRef idx="2">
+              <a:schemeClr val="accent6"/>
+            </a:lnRef>
+            <a:fillRef idx="1">
+              <a:schemeClr val="lt1"/>
+            </a:fillRef>
+            <a:effectRef idx="0">
+              <a:schemeClr val="accent6"/>
+            </a:effectRef>
+            <a:fontRef idx="minor">
+              <a:schemeClr val="dk1"/>
+            </a:fontRef>
+          </p:style>
+          <p:txBody>
+            <a:bodyPr rtlCol="0" anchor="ctr"/>
+            <a:lstStyle/>
+            <a:p>
+              <a:pPr algn="ctr"/>
+              <a:endParaRPr lang="en-US"/>
+            </a:p>
+          </p:txBody>
+        </p:sp>
+        <p:cxnSp>
+          <p:nvCxnSpPr>
+            <p:cNvPr id="167" name="Straight Connector 166">
+              <a:extLst>
+                <a:ext uri="{FF2B5EF4-FFF2-40B4-BE49-F238E27FC236}">
+                  <a16:creationId xmlns:a16="http://schemas.microsoft.com/office/drawing/2014/main" id="{F2E39692-27CC-4409-BFAF-B0642509E513}"/>
+                </a:ext>
+              </a:extLst>
+            </p:cNvPr>
+            <p:cNvCxnSpPr>
+              <a:cxnSpLocks/>
+              <a:stCxn id="166" idx="0"/>
+              <a:endCxn id="166" idx="2"/>
+            </p:cNvCxnSpPr>
+            <p:nvPr/>
+          </p:nvCxnSpPr>
+          <p:spPr>
+            <a:xfrm>
+              <a:off x="2922629" y="717689"/>
+              <a:ext cx="0" cy="1199820"/>
+            </a:xfrm>
+            <a:prstGeom prst="line">
+              <a:avLst/>
+            </a:prstGeom>
+            <a:ln w="19050">
+              <a:solidFill>
+                <a:schemeClr val="tx1"/>
+              </a:solidFill>
+            </a:ln>
+          </p:spPr>
+          <p:style>
+            <a:lnRef idx="1">
+              <a:schemeClr val="accent1"/>
+            </a:lnRef>
+            <a:fillRef idx="0">
+              <a:schemeClr val="accent1"/>
+            </a:fillRef>
+            <a:effectRef idx="0">
+              <a:schemeClr val="accent1"/>
+            </a:effectRef>
+            <a:fontRef idx="minor">
+              <a:schemeClr val="tx1"/>
+            </a:fontRef>
+          </p:style>
+        </p:cxnSp>
+        <p:cxnSp>
+          <p:nvCxnSpPr>
+            <p:cNvPr id="168" name="Straight Connector 167">
+              <a:extLst>
+                <a:ext uri="{FF2B5EF4-FFF2-40B4-BE49-F238E27FC236}">
+                  <a16:creationId xmlns:a16="http://schemas.microsoft.com/office/drawing/2014/main" id="{FF3B6856-A9C2-40ED-9A5B-16BC77B905CF}"/>
+                </a:ext>
+              </a:extLst>
+            </p:cNvPr>
+            <p:cNvCxnSpPr>
+              <a:cxnSpLocks/>
+              <a:stCxn id="166" idx="1"/>
+              <a:endCxn id="166" idx="3"/>
+            </p:cNvCxnSpPr>
+            <p:nvPr/>
+          </p:nvCxnSpPr>
+          <p:spPr>
+            <a:xfrm>
+              <a:off x="2322719" y="1317599"/>
+              <a:ext cx="1199820" cy="0"/>
+            </a:xfrm>
+            <a:prstGeom prst="line">
+              <a:avLst/>
+            </a:prstGeom>
+            <a:ln w="19050">
+              <a:solidFill>
+                <a:schemeClr val="tx1"/>
+              </a:solidFill>
+            </a:ln>
+          </p:spPr>
+          <p:style>
+            <a:lnRef idx="1">
+              <a:schemeClr val="accent1"/>
+            </a:lnRef>
+            <a:fillRef idx="0">
+              <a:schemeClr val="accent1"/>
+            </a:fillRef>
+            <a:effectRef idx="0">
+              <a:schemeClr val="accent1"/>
+            </a:effectRef>
+            <a:fontRef idx="minor">
+              <a:schemeClr val="tx1"/>
+            </a:fontRef>
+          </p:style>
+        </p:cxnSp>
+        <p:pic>
+          <p:nvPicPr>
+            <p:cNvPr id="169" name="Picture 168">
+              <a:extLst>
+                <a:ext uri="{FF2B5EF4-FFF2-40B4-BE49-F238E27FC236}">
+                  <a16:creationId xmlns:a16="http://schemas.microsoft.com/office/drawing/2014/main" id="{CC510C58-1DAD-4B18-BAF6-051B7B1A7B5B}"/>
+                </a:ext>
+              </a:extLst>
+            </p:cNvPr>
+            <p:cNvPicPr>
+              <a:picLocks noChangeAspect="1"/>
+            </p:cNvPicPr>
+            <p:nvPr/>
+          </p:nvPicPr>
+          <p:blipFill>
+            <a:blip r:embed="rId51" cstate="print">
+              <a:duotone>
+                <a:schemeClr val="bg2">
+                  <a:shade val="45000"/>
+                  <a:satMod val="135000"/>
+                </a:schemeClr>
+                <a:prstClr val="white"/>
+              </a:duotone>
+              <a:extLst>
+                <a:ext uri="{28A0092B-C50C-407E-A947-70E740481C1C}">
+                  <a14:useLocalDpi xmlns:a14="http://schemas.microsoft.com/office/drawing/2010/main" val="0"/>
+                </a:ext>
+              </a:extLst>
+            </a:blip>
+            <a:stretch>
+              <a:fillRect/>
+            </a:stretch>
+          </p:blipFill>
+          <p:spPr>
+            <a:xfrm>
+              <a:off x="2348395" y="721374"/>
+              <a:ext cx="252182" cy="268850"/>
+            </a:xfrm>
+            <a:prstGeom prst="rect">
+              <a:avLst/>
+            </a:prstGeom>
+          </p:spPr>
+        </p:pic>
+        <p:pic>
+          <p:nvPicPr>
+            <p:cNvPr id="170" name="Picture 169">
+              <a:extLst>
+                <a:ext uri="{FF2B5EF4-FFF2-40B4-BE49-F238E27FC236}">
+                  <a16:creationId xmlns:a16="http://schemas.microsoft.com/office/drawing/2014/main" id="{67141B95-DA8B-40AC-8936-5D706C99BBE9}"/>
+                </a:ext>
+              </a:extLst>
+            </p:cNvPr>
+            <p:cNvPicPr>
+              <a:picLocks noChangeAspect="1"/>
+            </p:cNvPicPr>
+            <p:nvPr/>
+          </p:nvPicPr>
+          <p:blipFill>
+            <a:blip r:embed="rId52">
+              <a:duotone>
+                <a:prstClr val="black"/>
+                <a:schemeClr val="tx2">
+                  <a:tint val="45000"/>
+                  <a:satMod val="400000"/>
+                </a:schemeClr>
+              </a:duotone>
+              <a:extLst>
+                <a:ext uri="{28A0092B-C50C-407E-A947-70E740481C1C}">
+                  <a14:useLocalDpi xmlns:a14="http://schemas.microsoft.com/office/drawing/2010/main" val="0"/>
+                </a:ext>
+              </a:extLst>
+            </a:blip>
+            <a:stretch>
+              <a:fillRect/>
+            </a:stretch>
+          </p:blipFill>
+          <p:spPr>
+            <a:xfrm>
+              <a:off x="2369573" y="1074958"/>
+              <a:ext cx="223221" cy="184945"/>
+            </a:xfrm>
+            <a:prstGeom prst="rect">
+              <a:avLst/>
+            </a:prstGeom>
+          </p:spPr>
+        </p:pic>
+        <p:pic>
+          <p:nvPicPr>
+            <p:cNvPr id="171" name="Picture 170">
+              <a:extLst>
+                <a:ext uri="{FF2B5EF4-FFF2-40B4-BE49-F238E27FC236}">
+                  <a16:creationId xmlns:a16="http://schemas.microsoft.com/office/drawing/2014/main" id="{3EE309F4-F4BF-4E93-8B42-DE65D545AD99}"/>
+                </a:ext>
+              </a:extLst>
+            </p:cNvPr>
+            <p:cNvPicPr>
+              <a:picLocks noChangeAspect="1"/>
+            </p:cNvPicPr>
+            <p:nvPr/>
+          </p:nvPicPr>
+          <p:blipFill>
+            <a:blip r:embed="rId53" cstate="print">
+              <a:duotone>
+                <a:prstClr val="black"/>
+                <a:schemeClr val="tx2">
+                  <a:tint val="45000"/>
+                  <a:satMod val="400000"/>
+                </a:schemeClr>
+              </a:duotone>
+              <a:extLst>
+                <a:ext uri="{BEBA8EAE-BF5A-486C-A8C5-ECC9F3942E4B}">
+                  <a14:imgProps xmlns:a14="http://schemas.microsoft.com/office/drawing/2010/main">
+                    <a14:imgLayer r:embed="rId54">
+                      <a14:imgEffect>
+                        <a14:saturation sat="0"/>
+                      </a14:imgEffect>
+                    </a14:imgLayer>
+                  </a14:imgProps>
+                </a:ext>
+                <a:ext uri="{28A0092B-C50C-407E-A947-70E740481C1C}">
+                  <a14:useLocalDpi xmlns:a14="http://schemas.microsoft.com/office/drawing/2010/main" val="0"/>
+                </a:ext>
+              </a:extLst>
+            </a:blip>
+            <a:stretch>
+              <a:fillRect/>
+            </a:stretch>
+          </p:blipFill>
+          <p:spPr>
+            <a:xfrm flipH="1">
+              <a:off x="2673031" y="990223"/>
+              <a:ext cx="231759" cy="152816"/>
+            </a:xfrm>
+            <a:prstGeom prst="rect">
+              <a:avLst/>
+            </a:prstGeom>
+          </p:spPr>
+        </p:pic>
+        <p:pic>
+          <p:nvPicPr>
+            <p:cNvPr id="172" name="Picture 171">
+              <a:extLst>
+                <a:ext uri="{FF2B5EF4-FFF2-40B4-BE49-F238E27FC236}">
+                  <a16:creationId xmlns:a16="http://schemas.microsoft.com/office/drawing/2014/main" id="{AB7C12E8-00F7-4977-A337-1C79D56BF61C}"/>
+                </a:ext>
+              </a:extLst>
+            </p:cNvPr>
+            <p:cNvPicPr>
+              <a:picLocks noChangeAspect="1"/>
+            </p:cNvPicPr>
+            <p:nvPr/>
+          </p:nvPicPr>
+          <p:blipFill>
+            <a:blip r:embed="rId51" cstate="print">
+              <a:duotone>
+                <a:schemeClr val="bg2">
+                  <a:shade val="45000"/>
+                  <a:satMod val="135000"/>
+                </a:schemeClr>
+                <a:prstClr val="white"/>
+              </a:duotone>
+              <a:extLst>
+                <a:ext uri="{28A0092B-C50C-407E-A947-70E740481C1C}">
+                  <a14:useLocalDpi xmlns:a14="http://schemas.microsoft.com/office/drawing/2010/main" val="0"/>
+                </a:ext>
+              </a:extLst>
+            </a:blip>
+            <a:stretch>
+              <a:fillRect/>
+            </a:stretch>
+          </p:blipFill>
+          <p:spPr>
+            <a:xfrm>
+              <a:off x="2348395" y="1334971"/>
+              <a:ext cx="252182" cy="268850"/>
+            </a:xfrm>
+            <a:prstGeom prst="rect">
+              <a:avLst/>
+            </a:prstGeom>
+          </p:spPr>
+        </p:pic>
+        <p:pic>
+          <p:nvPicPr>
+            <p:cNvPr id="173" name="Picture 172">
+              <a:extLst>
+                <a:ext uri="{FF2B5EF4-FFF2-40B4-BE49-F238E27FC236}">
+                  <a16:creationId xmlns:a16="http://schemas.microsoft.com/office/drawing/2014/main" id="{05958D8C-0D4A-4181-9C27-3B0358EF6BE0}"/>
+                </a:ext>
+              </a:extLst>
+            </p:cNvPr>
+            <p:cNvPicPr>
+              <a:picLocks noChangeAspect="1"/>
+            </p:cNvPicPr>
+            <p:nvPr/>
+          </p:nvPicPr>
+          <p:blipFill>
+            <a:blip r:embed="rId52">
+              <a:duotone>
+                <a:prstClr val="black"/>
+                <a:schemeClr val="tx2">
+                  <a:tint val="45000"/>
+                  <a:satMod val="400000"/>
+                </a:schemeClr>
+              </a:duotone>
+              <a:extLst>
+                <a:ext uri="{28A0092B-C50C-407E-A947-70E740481C1C}">
+                  <a14:useLocalDpi xmlns:a14="http://schemas.microsoft.com/office/drawing/2010/main" val="0"/>
+                </a:ext>
+              </a:extLst>
+            </a:blip>
+            <a:stretch>
+              <a:fillRect/>
+            </a:stretch>
+          </p:blipFill>
+          <p:spPr>
+            <a:xfrm>
+              <a:off x="2583103" y="1386106"/>
+              <a:ext cx="223221" cy="184945"/>
+            </a:xfrm>
+            <a:prstGeom prst="rect">
+              <a:avLst/>
+            </a:prstGeom>
+          </p:spPr>
+        </p:pic>
+        <p:pic>
+          <p:nvPicPr>
+            <p:cNvPr id="174" name="Picture 173">
+              <a:extLst>
+                <a:ext uri="{FF2B5EF4-FFF2-40B4-BE49-F238E27FC236}">
+                  <a16:creationId xmlns:a16="http://schemas.microsoft.com/office/drawing/2014/main" id="{47A00312-DC4F-4C4F-9754-149C4E8F8969}"/>
+                </a:ext>
+              </a:extLst>
+            </p:cNvPr>
+            <p:cNvPicPr>
+              <a:picLocks noChangeAspect="1"/>
+            </p:cNvPicPr>
+            <p:nvPr/>
+          </p:nvPicPr>
+          <p:blipFill>
+            <a:blip r:embed="rId53" cstate="print">
+              <a:duotone>
+                <a:prstClr val="black"/>
+                <a:schemeClr val="tx2">
+                  <a:tint val="45000"/>
+                  <a:satMod val="400000"/>
+                </a:schemeClr>
+              </a:duotone>
+              <a:extLst>
+                <a:ext uri="{BEBA8EAE-BF5A-486C-A8C5-ECC9F3942E4B}">
+                  <a14:imgProps xmlns:a14="http://schemas.microsoft.com/office/drawing/2010/main">
+                    <a14:imgLayer r:embed="rId54">
+                      <a14:imgEffect>
+                        <a14:saturation sat="0"/>
+                      </a14:imgEffect>
+                    </a14:imgLayer>
+                  </a14:imgProps>
+                </a:ext>
+                <a:ext uri="{28A0092B-C50C-407E-A947-70E740481C1C}">
+                  <a14:useLocalDpi xmlns:a14="http://schemas.microsoft.com/office/drawing/2010/main" val="0"/>
+                </a:ext>
+              </a:extLst>
+            </a:blip>
+            <a:stretch>
+              <a:fillRect/>
+            </a:stretch>
+          </p:blipFill>
+          <p:spPr>
+            <a:xfrm flipH="1">
+              <a:off x="2369573" y="1702120"/>
+              <a:ext cx="231759" cy="152816"/>
+            </a:xfrm>
+            <a:prstGeom prst="rect">
+              <a:avLst/>
+            </a:prstGeom>
+          </p:spPr>
+        </p:pic>
+        <p:pic>
+          <p:nvPicPr>
+            <p:cNvPr id="175" name="Picture 174">
+              <a:extLst>
+                <a:ext uri="{FF2B5EF4-FFF2-40B4-BE49-F238E27FC236}">
+                  <a16:creationId xmlns:a16="http://schemas.microsoft.com/office/drawing/2014/main" id="{F0DD715C-7688-4090-B63D-ECF88A272C46}"/>
+                </a:ext>
+              </a:extLst>
+            </p:cNvPr>
+            <p:cNvPicPr>
+              <a:picLocks noChangeAspect="1"/>
+            </p:cNvPicPr>
+            <p:nvPr/>
+          </p:nvPicPr>
+          <p:blipFill>
+            <a:blip r:embed="rId51" cstate="print">
+              <a:duotone>
+                <a:schemeClr val="bg2">
+                  <a:shade val="45000"/>
+                  <a:satMod val="135000"/>
+                </a:schemeClr>
+                <a:prstClr val="white"/>
+              </a:duotone>
+              <a:extLst>
+                <a:ext uri="{28A0092B-C50C-407E-A947-70E740481C1C}">
+                  <a14:useLocalDpi xmlns:a14="http://schemas.microsoft.com/office/drawing/2010/main" val="0"/>
+                </a:ext>
+              </a:extLst>
+            </a:blip>
+            <a:stretch>
+              <a:fillRect/>
+            </a:stretch>
+          </p:blipFill>
+          <p:spPr>
+            <a:xfrm>
+              <a:off x="3086069" y="1637600"/>
+              <a:ext cx="252182" cy="268850"/>
+            </a:xfrm>
+            <a:prstGeom prst="rect">
+              <a:avLst/>
+            </a:prstGeom>
+          </p:spPr>
+        </p:pic>
+        <p:pic>
+          <p:nvPicPr>
+            <p:cNvPr id="176" name="Picture 175">
+              <a:extLst>
+                <a:ext uri="{FF2B5EF4-FFF2-40B4-BE49-F238E27FC236}">
+                  <a16:creationId xmlns:a16="http://schemas.microsoft.com/office/drawing/2014/main" id="{DCCAF11A-22D8-40B2-8F4E-0BB76DD4D77F}"/>
+                </a:ext>
+              </a:extLst>
+            </p:cNvPr>
+            <p:cNvPicPr>
+              <a:picLocks noChangeAspect="1"/>
+            </p:cNvPicPr>
+            <p:nvPr/>
+          </p:nvPicPr>
+          <p:blipFill>
+            <a:blip r:embed="rId52">
+              <a:duotone>
+                <a:prstClr val="black"/>
+                <a:schemeClr val="tx2">
+                  <a:tint val="45000"/>
+                  <a:satMod val="400000"/>
+                </a:schemeClr>
+              </a:duotone>
+              <a:extLst>
+                <a:ext uri="{28A0092B-C50C-407E-A947-70E740481C1C}">
+                  <a14:useLocalDpi xmlns:a14="http://schemas.microsoft.com/office/drawing/2010/main" val="0"/>
+                </a:ext>
+              </a:extLst>
+            </a:blip>
+            <a:stretch>
+              <a:fillRect/>
+            </a:stretch>
+          </p:blipFill>
+          <p:spPr>
+            <a:xfrm>
+              <a:off x="2957371" y="1335384"/>
+              <a:ext cx="223221" cy="184945"/>
+            </a:xfrm>
+            <a:prstGeom prst="rect">
+              <a:avLst/>
+            </a:prstGeom>
+          </p:spPr>
+        </p:pic>
+        <p:pic>
+          <p:nvPicPr>
+            <p:cNvPr id="177" name="Picture 176">
+              <a:extLst>
+                <a:ext uri="{FF2B5EF4-FFF2-40B4-BE49-F238E27FC236}">
+                  <a16:creationId xmlns:a16="http://schemas.microsoft.com/office/drawing/2014/main" id="{496FE533-F94C-44E6-8739-F044ED95E626}"/>
+                </a:ext>
+              </a:extLst>
+            </p:cNvPr>
+            <p:cNvPicPr>
+              <a:picLocks noChangeAspect="1"/>
+            </p:cNvPicPr>
+            <p:nvPr/>
+          </p:nvPicPr>
+          <p:blipFill>
+            <a:blip r:embed="rId53" cstate="print">
+              <a:duotone>
+                <a:prstClr val="black"/>
+                <a:schemeClr val="tx2">
+                  <a:tint val="45000"/>
+                  <a:satMod val="400000"/>
+                </a:schemeClr>
+              </a:duotone>
+              <a:extLst>
+                <a:ext uri="{BEBA8EAE-BF5A-486C-A8C5-ECC9F3942E4B}">
+                  <a14:imgProps xmlns:a14="http://schemas.microsoft.com/office/drawing/2010/main">
+                    <a14:imgLayer r:embed="rId54">
+                      <a14:imgEffect>
+                        <a14:saturation sat="0"/>
+                      </a14:imgEffect>
+                    </a14:imgLayer>
+                  </a14:imgProps>
+                </a:ext>
+                <a:ext uri="{28A0092B-C50C-407E-A947-70E740481C1C}">
+                  <a14:useLocalDpi xmlns:a14="http://schemas.microsoft.com/office/drawing/2010/main" val="0"/>
+                </a:ext>
+              </a:extLst>
+            </a:blip>
+            <a:stretch>
+              <a:fillRect/>
+            </a:stretch>
+          </p:blipFill>
+          <p:spPr>
+            <a:xfrm flipH="1">
+              <a:off x="3259787" y="1385125"/>
+              <a:ext cx="231759" cy="152816"/>
+            </a:xfrm>
+            <a:prstGeom prst="rect">
+              <a:avLst/>
+            </a:prstGeom>
+          </p:spPr>
+        </p:pic>
+        <p:pic>
+          <p:nvPicPr>
+            <p:cNvPr id="178" name="Picture 177">
+              <a:extLst>
+                <a:ext uri="{FF2B5EF4-FFF2-40B4-BE49-F238E27FC236}">
+                  <a16:creationId xmlns:a16="http://schemas.microsoft.com/office/drawing/2014/main" id="{CAFAFD56-54BC-43A0-9EAC-887F6E849466}"/>
+                </a:ext>
+              </a:extLst>
+            </p:cNvPr>
+            <p:cNvPicPr>
+              <a:picLocks noChangeAspect="1"/>
+            </p:cNvPicPr>
+            <p:nvPr/>
+          </p:nvPicPr>
+          <p:blipFill>
+            <a:blip r:embed="rId51" cstate="print">
+              <a:duotone>
+                <a:schemeClr val="bg2">
+                  <a:shade val="45000"/>
+                  <a:satMod val="135000"/>
+                </a:schemeClr>
+                <a:prstClr val="white"/>
+              </a:duotone>
+              <a:extLst>
+                <a:ext uri="{28A0092B-C50C-407E-A947-70E740481C1C}">
+                  <a14:useLocalDpi xmlns:a14="http://schemas.microsoft.com/office/drawing/2010/main" val="0"/>
+                </a:ext>
+              </a:extLst>
+            </a:blip>
+            <a:stretch>
+              <a:fillRect/>
+            </a:stretch>
+          </p:blipFill>
+          <p:spPr>
+            <a:xfrm>
+              <a:off x="2961222" y="767185"/>
+              <a:ext cx="252182" cy="268850"/>
+            </a:xfrm>
+            <a:prstGeom prst="rect">
+              <a:avLst/>
+            </a:prstGeom>
+          </p:spPr>
+        </p:pic>
+        <p:pic>
+          <p:nvPicPr>
+            <p:cNvPr id="179" name="Picture 178">
+              <a:extLst>
+                <a:ext uri="{FF2B5EF4-FFF2-40B4-BE49-F238E27FC236}">
+                  <a16:creationId xmlns:a16="http://schemas.microsoft.com/office/drawing/2014/main" id="{38E7CDA0-A388-4E38-B996-4DBA4324A290}"/>
+                </a:ext>
+              </a:extLst>
+            </p:cNvPr>
+            <p:cNvPicPr>
+              <a:picLocks noChangeAspect="1"/>
+            </p:cNvPicPr>
+            <p:nvPr/>
+          </p:nvPicPr>
+          <p:blipFill>
+            <a:blip r:embed="rId52">
+              <a:duotone>
+                <a:prstClr val="black"/>
+                <a:schemeClr val="tx2">
+                  <a:tint val="45000"/>
+                  <a:satMod val="400000"/>
+                </a:schemeClr>
+              </a:duotone>
+              <a:extLst>
+                <a:ext uri="{28A0092B-C50C-407E-A947-70E740481C1C}">
+                  <a14:useLocalDpi xmlns:a14="http://schemas.microsoft.com/office/drawing/2010/main" val="0"/>
+                </a:ext>
+              </a:extLst>
+            </a:blip>
+            <a:stretch>
+              <a:fillRect/>
+            </a:stretch>
+          </p:blipFill>
+          <p:spPr>
+            <a:xfrm>
+              <a:off x="3142607" y="889089"/>
+              <a:ext cx="223221" cy="184945"/>
+            </a:xfrm>
+            <a:prstGeom prst="rect">
+              <a:avLst/>
+            </a:prstGeom>
+          </p:spPr>
+        </p:pic>
+        <p:pic>
+          <p:nvPicPr>
+            <p:cNvPr id="180" name="Picture 179">
+              <a:extLst>
+                <a:ext uri="{FF2B5EF4-FFF2-40B4-BE49-F238E27FC236}">
+                  <a16:creationId xmlns:a16="http://schemas.microsoft.com/office/drawing/2014/main" id="{557395F5-72A3-4C64-ABA1-9D7275752651}"/>
+                </a:ext>
+              </a:extLst>
+            </p:cNvPr>
+            <p:cNvPicPr>
+              <a:picLocks noChangeAspect="1"/>
+            </p:cNvPicPr>
+            <p:nvPr/>
+          </p:nvPicPr>
+          <p:blipFill>
+            <a:blip r:embed="rId53" cstate="print">
+              <a:duotone>
+                <a:prstClr val="black"/>
+                <a:schemeClr val="tx2">
+                  <a:tint val="45000"/>
+                  <a:satMod val="400000"/>
+                </a:schemeClr>
+              </a:duotone>
+              <a:extLst>
+                <a:ext uri="{BEBA8EAE-BF5A-486C-A8C5-ECC9F3942E4B}">
+                  <a14:imgProps xmlns:a14="http://schemas.microsoft.com/office/drawing/2010/main">
+                    <a14:imgLayer r:embed="rId54">
+                      <a14:imgEffect>
+                        <a14:saturation sat="0"/>
+                      </a14:imgEffect>
+                    </a14:imgLayer>
+                  </a14:imgProps>
+                </a:ext>
+                <a:ext uri="{28A0092B-C50C-407E-A947-70E740481C1C}">
+                  <a14:useLocalDpi xmlns:a14="http://schemas.microsoft.com/office/drawing/2010/main" val="0"/>
+                </a:ext>
+              </a:extLst>
+            </a:blip>
+            <a:stretch>
+              <a:fillRect/>
+            </a:stretch>
+          </p:blipFill>
+          <p:spPr>
+            <a:xfrm flipH="1">
+              <a:off x="3081622" y="1124491"/>
+              <a:ext cx="231759" cy="152816"/>
+            </a:xfrm>
+            <a:prstGeom prst="rect">
+              <a:avLst/>
+            </a:prstGeom>
+          </p:spPr>
+        </p:pic>
+      </p:grpSp>
+      <p:grpSp>
+        <p:nvGrpSpPr>
+          <p:cNvPr id="97" name="Group 96">
+            <a:extLst>
+              <a:ext uri="{FF2B5EF4-FFF2-40B4-BE49-F238E27FC236}">
+                <a16:creationId xmlns:a16="http://schemas.microsoft.com/office/drawing/2014/main" id="{62DFEB87-ABA9-4410-A802-8AEDFA943455}"/>
+              </a:ext>
+            </a:extLst>
+          </p:cNvPr>
+          <p:cNvGrpSpPr/>
+          <p:nvPr/>
+        </p:nvGrpSpPr>
+        <p:grpSpPr>
+          <a:xfrm>
+            <a:off x="1706098" y="933928"/>
+            <a:ext cx="1199820" cy="1199820"/>
+            <a:chOff x="2322719" y="717689"/>
+            <a:chExt cx="1199820" cy="1199820"/>
+          </a:xfrm>
+        </p:grpSpPr>
+        <p:sp>
+          <p:nvSpPr>
+            <p:cNvPr id="106" name="Rectangle 105">
+              <a:extLst>
+                <a:ext uri="{FF2B5EF4-FFF2-40B4-BE49-F238E27FC236}">
+                  <a16:creationId xmlns:a16="http://schemas.microsoft.com/office/drawing/2014/main" id="{618E0AA8-8DC1-428A-B4FD-8966519CE79C}"/>
+                </a:ext>
+              </a:extLst>
+            </p:cNvPr>
+            <p:cNvSpPr>
+              <a:spLocks noChangeAspect="1"/>
+            </p:cNvSpPr>
+            <p:nvPr/>
+          </p:nvSpPr>
+          <p:spPr>
+            <a:xfrm>
+              <a:off x="2322719" y="717689"/>
+              <a:ext cx="1199820" cy="1199820"/>
+            </a:xfrm>
+            <a:prstGeom prst="rect">
+              <a:avLst/>
+            </a:prstGeom>
+            <a:noFill/>
+            <a:ln w="19050">
+              <a:solidFill>
+                <a:schemeClr val="tx1"/>
+              </a:solidFill>
+            </a:ln>
+          </p:spPr>
+          <p:style>
+            <a:lnRef idx="2">
+              <a:schemeClr val="accent6"/>
+            </a:lnRef>
+            <a:fillRef idx="1">
+              <a:schemeClr val="lt1"/>
+            </a:fillRef>
+            <a:effectRef idx="0">
+              <a:schemeClr val="accent6"/>
+            </a:effectRef>
+            <a:fontRef idx="minor">
+              <a:schemeClr val="dk1"/>
+            </a:fontRef>
+          </p:style>
+          <p:txBody>
+            <a:bodyPr rtlCol="0" anchor="ctr"/>
+            <a:lstStyle/>
+            <a:p>
+              <a:pPr algn="ctr"/>
+              <a:endParaRPr lang="en-US"/>
+            </a:p>
+          </p:txBody>
+        </p:sp>
+        <p:cxnSp>
+          <p:nvCxnSpPr>
+            <p:cNvPr id="107" name="Straight Connector 106">
+              <a:extLst>
+                <a:ext uri="{FF2B5EF4-FFF2-40B4-BE49-F238E27FC236}">
+                  <a16:creationId xmlns:a16="http://schemas.microsoft.com/office/drawing/2014/main" id="{A3435692-9758-45E9-A2C9-1304FAA6AE1D}"/>
+                </a:ext>
+              </a:extLst>
+            </p:cNvPr>
+            <p:cNvCxnSpPr>
+              <a:cxnSpLocks/>
+              <a:stCxn id="106" idx="0"/>
+              <a:endCxn id="106" idx="2"/>
+            </p:cNvCxnSpPr>
+            <p:nvPr/>
+          </p:nvCxnSpPr>
+          <p:spPr>
+            <a:xfrm>
+              <a:off x="2922629" y="717689"/>
+              <a:ext cx="0" cy="1199820"/>
+            </a:xfrm>
+            <a:prstGeom prst="line">
+              <a:avLst/>
+            </a:prstGeom>
+            <a:ln w="19050">
+              <a:solidFill>
+                <a:schemeClr val="tx1"/>
+              </a:solidFill>
+            </a:ln>
+          </p:spPr>
+          <p:style>
+            <a:lnRef idx="1">
+              <a:schemeClr val="accent1"/>
+            </a:lnRef>
+            <a:fillRef idx="0">
+              <a:schemeClr val="accent1"/>
+            </a:fillRef>
+            <a:effectRef idx="0">
+              <a:schemeClr val="accent1"/>
+            </a:effectRef>
+            <a:fontRef idx="minor">
+              <a:schemeClr val="tx1"/>
+            </a:fontRef>
+          </p:style>
+        </p:cxnSp>
+        <p:cxnSp>
+          <p:nvCxnSpPr>
+            <p:cNvPr id="108" name="Straight Connector 107">
+              <a:extLst>
+                <a:ext uri="{FF2B5EF4-FFF2-40B4-BE49-F238E27FC236}">
+                  <a16:creationId xmlns:a16="http://schemas.microsoft.com/office/drawing/2014/main" id="{973951A9-C988-45F7-859A-C49CB4883A62}"/>
+                </a:ext>
+              </a:extLst>
+            </p:cNvPr>
+            <p:cNvCxnSpPr>
+              <a:cxnSpLocks/>
+              <a:stCxn id="106" idx="1"/>
+              <a:endCxn id="106" idx="3"/>
+            </p:cNvCxnSpPr>
+            <p:nvPr/>
+          </p:nvCxnSpPr>
+          <p:spPr>
+            <a:xfrm>
+              <a:off x="2322719" y="1317599"/>
+              <a:ext cx="1199820" cy="0"/>
+            </a:xfrm>
+            <a:prstGeom prst="line">
+              <a:avLst/>
+            </a:prstGeom>
+            <a:ln w="19050">
+              <a:solidFill>
+                <a:schemeClr val="tx1"/>
+              </a:solidFill>
+            </a:ln>
+          </p:spPr>
+          <p:style>
+            <a:lnRef idx="1">
+              <a:schemeClr val="accent1"/>
+            </a:lnRef>
+            <a:fillRef idx="0">
+              <a:schemeClr val="accent1"/>
+            </a:fillRef>
+            <a:effectRef idx="0">
+              <a:schemeClr val="accent1"/>
+            </a:effectRef>
+            <a:fontRef idx="minor">
+              <a:schemeClr val="tx1"/>
+            </a:fontRef>
+          </p:style>
+        </p:cxnSp>
+        <p:pic>
+          <p:nvPicPr>
+            <p:cNvPr id="109" name="Picture 108">
+              <a:extLst>
+                <a:ext uri="{FF2B5EF4-FFF2-40B4-BE49-F238E27FC236}">
+                  <a16:creationId xmlns:a16="http://schemas.microsoft.com/office/drawing/2014/main" id="{B3D819E8-F94D-4306-B56C-D676AA76025B}"/>
+                </a:ext>
+              </a:extLst>
+            </p:cNvPr>
+            <p:cNvPicPr>
+              <a:picLocks noChangeAspect="1"/>
+            </p:cNvPicPr>
+            <p:nvPr/>
+          </p:nvPicPr>
+          <p:blipFill>
+            <a:blip r:embed="rId52">
+              <a:duotone>
+                <a:prstClr val="black"/>
+                <a:schemeClr val="tx2">
+                  <a:tint val="45000"/>
+                  <a:satMod val="400000"/>
+                </a:schemeClr>
+              </a:duotone>
+              <a:extLst>
+                <a:ext uri="{28A0092B-C50C-407E-A947-70E740481C1C}">
+                  <a14:useLocalDpi xmlns:a14="http://schemas.microsoft.com/office/drawing/2010/main" val="0"/>
+                </a:ext>
+              </a:extLst>
+            </a:blip>
+            <a:stretch>
+              <a:fillRect/>
+            </a:stretch>
+          </p:blipFill>
+          <p:spPr>
+            <a:xfrm>
+              <a:off x="2467496" y="960674"/>
+              <a:ext cx="223221" cy="184945"/>
+            </a:xfrm>
+            <a:prstGeom prst="rect">
+              <a:avLst/>
+            </a:prstGeom>
+          </p:spPr>
+        </p:pic>
+        <p:pic>
+          <p:nvPicPr>
+            <p:cNvPr id="110" name="Picture 109">
+              <a:extLst>
+                <a:ext uri="{FF2B5EF4-FFF2-40B4-BE49-F238E27FC236}">
+                  <a16:creationId xmlns:a16="http://schemas.microsoft.com/office/drawing/2014/main" id="{25AE2C22-76FD-4DBF-BA90-76E5F9F0546B}"/>
+                </a:ext>
+              </a:extLst>
+            </p:cNvPr>
+            <p:cNvPicPr>
+              <a:picLocks noChangeAspect="1"/>
+            </p:cNvPicPr>
+            <p:nvPr/>
+          </p:nvPicPr>
+          <p:blipFill>
+            <a:blip r:embed="rId52">
+              <a:duotone>
+                <a:prstClr val="black"/>
+                <a:schemeClr val="tx2">
+                  <a:tint val="45000"/>
+                  <a:satMod val="400000"/>
+                </a:schemeClr>
+              </a:duotone>
+              <a:extLst>
+                <a:ext uri="{28A0092B-C50C-407E-A947-70E740481C1C}">
+                  <a14:useLocalDpi xmlns:a14="http://schemas.microsoft.com/office/drawing/2010/main" val="0"/>
+                </a:ext>
+              </a:extLst>
+            </a:blip>
+            <a:stretch>
+              <a:fillRect/>
+            </a:stretch>
+          </p:blipFill>
+          <p:spPr>
+            <a:xfrm>
+              <a:off x="2583103" y="1386106"/>
+              <a:ext cx="223221" cy="184945"/>
+            </a:xfrm>
+            <a:prstGeom prst="rect">
+              <a:avLst/>
+            </a:prstGeom>
+          </p:spPr>
+        </p:pic>
+        <p:pic>
+          <p:nvPicPr>
+            <p:cNvPr id="111" name="Picture 110">
+              <a:extLst>
+                <a:ext uri="{FF2B5EF4-FFF2-40B4-BE49-F238E27FC236}">
+                  <a16:creationId xmlns:a16="http://schemas.microsoft.com/office/drawing/2014/main" id="{82648EC7-891D-4BC8-81A7-5FCEE8ABACB0}"/>
+                </a:ext>
+              </a:extLst>
+            </p:cNvPr>
+            <p:cNvPicPr>
+              <a:picLocks noChangeAspect="1"/>
+            </p:cNvPicPr>
+            <p:nvPr/>
+          </p:nvPicPr>
+          <p:blipFill>
+            <a:blip r:embed="rId53" cstate="print">
+              <a:duotone>
+                <a:prstClr val="black"/>
+                <a:schemeClr val="tx2">
+                  <a:tint val="45000"/>
+                  <a:satMod val="400000"/>
+                </a:schemeClr>
+              </a:duotone>
+              <a:extLst>
+                <a:ext uri="{BEBA8EAE-BF5A-486C-A8C5-ECC9F3942E4B}">
+                  <a14:imgProps xmlns:a14="http://schemas.microsoft.com/office/drawing/2010/main">
+                    <a14:imgLayer r:embed="rId54">
+                      <a14:imgEffect>
+                        <a14:saturation sat="0"/>
+                      </a14:imgEffect>
+                    </a14:imgLayer>
+                  </a14:imgProps>
+                </a:ext>
+                <a:ext uri="{28A0092B-C50C-407E-A947-70E740481C1C}">
+                  <a14:useLocalDpi xmlns:a14="http://schemas.microsoft.com/office/drawing/2010/main" val="0"/>
+                </a:ext>
+              </a:extLst>
+            </a:blip>
+            <a:stretch>
+              <a:fillRect/>
+            </a:stretch>
+          </p:blipFill>
+          <p:spPr>
+            <a:xfrm flipH="1">
+              <a:off x="2369573" y="1702120"/>
+              <a:ext cx="231759" cy="152816"/>
+            </a:xfrm>
+            <a:prstGeom prst="rect">
+              <a:avLst/>
+            </a:prstGeom>
+          </p:spPr>
+        </p:pic>
+        <p:pic>
+          <p:nvPicPr>
+            <p:cNvPr id="112" name="Picture 111">
+              <a:extLst>
+                <a:ext uri="{FF2B5EF4-FFF2-40B4-BE49-F238E27FC236}">
+                  <a16:creationId xmlns:a16="http://schemas.microsoft.com/office/drawing/2014/main" id="{10B70BA0-ECD4-44B9-B104-C4796DAC3F65}"/>
+                </a:ext>
+              </a:extLst>
+            </p:cNvPr>
+            <p:cNvPicPr>
+              <a:picLocks noChangeAspect="1"/>
+            </p:cNvPicPr>
+            <p:nvPr/>
+          </p:nvPicPr>
+          <p:blipFill>
+            <a:blip r:embed="rId51" cstate="print">
+              <a:duotone>
+                <a:schemeClr val="bg2">
+                  <a:shade val="45000"/>
+                  <a:satMod val="135000"/>
+                </a:schemeClr>
+                <a:prstClr val="white"/>
+              </a:duotone>
+              <a:extLst>
+                <a:ext uri="{28A0092B-C50C-407E-A947-70E740481C1C}">
+                  <a14:useLocalDpi xmlns:a14="http://schemas.microsoft.com/office/drawing/2010/main" val="0"/>
+                </a:ext>
+              </a:extLst>
+            </a:blip>
+            <a:stretch>
+              <a:fillRect/>
+            </a:stretch>
+          </p:blipFill>
+          <p:spPr>
+            <a:xfrm>
+              <a:off x="3086069" y="1637600"/>
+              <a:ext cx="252182" cy="268850"/>
+            </a:xfrm>
+            <a:prstGeom prst="rect">
+              <a:avLst/>
+            </a:prstGeom>
+          </p:spPr>
+        </p:pic>
+        <p:pic>
+          <p:nvPicPr>
+            <p:cNvPr id="113" name="Picture 112">
+              <a:extLst>
+                <a:ext uri="{FF2B5EF4-FFF2-40B4-BE49-F238E27FC236}">
+                  <a16:creationId xmlns:a16="http://schemas.microsoft.com/office/drawing/2014/main" id="{02C70404-8B45-4675-A7EB-2EB975D06ED0}"/>
+                </a:ext>
+              </a:extLst>
+            </p:cNvPr>
+            <p:cNvPicPr>
+              <a:picLocks noChangeAspect="1"/>
+            </p:cNvPicPr>
+            <p:nvPr/>
+          </p:nvPicPr>
+          <p:blipFill>
+            <a:blip r:embed="rId51" cstate="print">
+              <a:duotone>
+                <a:schemeClr val="bg2">
+                  <a:shade val="45000"/>
+                  <a:satMod val="135000"/>
+                </a:schemeClr>
+                <a:prstClr val="white"/>
+              </a:duotone>
+              <a:extLst>
+                <a:ext uri="{28A0092B-C50C-407E-A947-70E740481C1C}">
+                  <a14:useLocalDpi xmlns:a14="http://schemas.microsoft.com/office/drawing/2010/main" val="0"/>
+                </a:ext>
+              </a:extLst>
+            </a:blip>
+            <a:stretch>
+              <a:fillRect/>
+            </a:stretch>
+          </p:blipFill>
+          <p:spPr>
+            <a:xfrm>
+              <a:off x="2961222" y="767185"/>
+              <a:ext cx="252182" cy="268850"/>
+            </a:xfrm>
+            <a:prstGeom prst="rect">
+              <a:avLst/>
+            </a:prstGeom>
+          </p:spPr>
+        </p:pic>
+        <p:pic>
+          <p:nvPicPr>
+            <p:cNvPr id="114" name="Picture 113">
+              <a:extLst>
+                <a:ext uri="{FF2B5EF4-FFF2-40B4-BE49-F238E27FC236}">
+                  <a16:creationId xmlns:a16="http://schemas.microsoft.com/office/drawing/2014/main" id="{414C53D9-48BB-4442-84F2-3E4C72B55386}"/>
+                </a:ext>
+              </a:extLst>
+            </p:cNvPr>
+            <p:cNvPicPr>
+              <a:picLocks noChangeAspect="1"/>
+            </p:cNvPicPr>
+            <p:nvPr/>
+          </p:nvPicPr>
+          <p:blipFill>
+            <a:blip r:embed="rId53" cstate="print">
+              <a:duotone>
+                <a:prstClr val="black"/>
+                <a:schemeClr val="tx2">
+                  <a:tint val="45000"/>
+                  <a:satMod val="400000"/>
+                </a:schemeClr>
+              </a:duotone>
+              <a:extLst>
+                <a:ext uri="{BEBA8EAE-BF5A-486C-A8C5-ECC9F3942E4B}">
+                  <a14:imgProps xmlns:a14="http://schemas.microsoft.com/office/drawing/2010/main">
+                    <a14:imgLayer r:embed="rId54">
+                      <a14:imgEffect>
+                        <a14:saturation sat="0"/>
+                      </a14:imgEffect>
+                    </a14:imgLayer>
+                  </a14:imgProps>
+                </a:ext>
+                <a:ext uri="{28A0092B-C50C-407E-A947-70E740481C1C}">
+                  <a14:useLocalDpi xmlns:a14="http://schemas.microsoft.com/office/drawing/2010/main" val="0"/>
+                </a:ext>
+              </a:extLst>
+            </a:blip>
+            <a:stretch>
+              <a:fillRect/>
+            </a:stretch>
+          </p:blipFill>
+          <p:spPr>
+            <a:xfrm flipH="1">
+              <a:off x="3081622" y="1124491"/>
+              <a:ext cx="231759" cy="152816"/>
+            </a:xfrm>
+            <a:prstGeom prst="rect">
+              <a:avLst/>
+            </a:prstGeom>
+          </p:spPr>
+        </p:pic>
+      </p:grpSp>
+      <p:grpSp>
+        <p:nvGrpSpPr>
+          <p:cNvPr id="98" name="Group 97">
+            <a:extLst>
+              <a:ext uri="{FF2B5EF4-FFF2-40B4-BE49-F238E27FC236}">
+                <a16:creationId xmlns:a16="http://schemas.microsoft.com/office/drawing/2014/main" id="{516D11EC-272D-4902-90FA-606E4F2E07AD}"/>
+              </a:ext>
+            </a:extLst>
+          </p:cNvPr>
+          <p:cNvGrpSpPr/>
+          <p:nvPr/>
+        </p:nvGrpSpPr>
+        <p:grpSpPr>
+          <a:xfrm>
+            <a:off x="4344846" y="940433"/>
+            <a:ext cx="1199820" cy="1199820"/>
+            <a:chOff x="2322719" y="717689"/>
+            <a:chExt cx="1199820" cy="1199820"/>
+          </a:xfrm>
+        </p:grpSpPr>
+        <p:sp>
+          <p:nvSpPr>
+            <p:cNvPr id="99" name="Rectangle 98">
+              <a:extLst>
+                <a:ext uri="{FF2B5EF4-FFF2-40B4-BE49-F238E27FC236}">
+                  <a16:creationId xmlns:a16="http://schemas.microsoft.com/office/drawing/2014/main" id="{68A5057B-F758-4992-9A45-DF88B48A6DA5}"/>
+                </a:ext>
+              </a:extLst>
+            </p:cNvPr>
+            <p:cNvSpPr>
+              <a:spLocks noChangeAspect="1"/>
+            </p:cNvSpPr>
+            <p:nvPr/>
+          </p:nvSpPr>
+          <p:spPr>
+            <a:xfrm>
+              <a:off x="2322719" y="717689"/>
+              <a:ext cx="1199820" cy="1199820"/>
+            </a:xfrm>
+            <a:prstGeom prst="rect">
+              <a:avLst/>
+            </a:prstGeom>
+            <a:noFill/>
+            <a:ln w="19050">
+              <a:solidFill>
+                <a:schemeClr val="tx1"/>
+              </a:solidFill>
+            </a:ln>
+          </p:spPr>
+          <p:style>
+            <a:lnRef idx="2">
+              <a:schemeClr val="accent6"/>
+            </a:lnRef>
+            <a:fillRef idx="1">
+              <a:schemeClr val="lt1"/>
+            </a:fillRef>
+            <a:effectRef idx="0">
+              <a:schemeClr val="accent6"/>
+            </a:effectRef>
+            <a:fontRef idx="minor">
+              <a:schemeClr val="dk1"/>
+            </a:fontRef>
+          </p:style>
+          <p:txBody>
+            <a:bodyPr rtlCol="0" anchor="ctr"/>
+            <a:lstStyle/>
+            <a:p>
+              <a:pPr algn="ctr"/>
+              <a:endParaRPr lang="en-US"/>
+            </a:p>
+          </p:txBody>
+        </p:sp>
+        <p:cxnSp>
+          <p:nvCxnSpPr>
+            <p:cNvPr id="100" name="Straight Connector 99">
+              <a:extLst>
+                <a:ext uri="{FF2B5EF4-FFF2-40B4-BE49-F238E27FC236}">
+                  <a16:creationId xmlns:a16="http://schemas.microsoft.com/office/drawing/2014/main" id="{2578564D-AE3A-4F0E-8901-93FAA291300B}"/>
+                </a:ext>
+              </a:extLst>
+            </p:cNvPr>
+            <p:cNvCxnSpPr>
+              <a:cxnSpLocks/>
+              <a:stCxn id="99" idx="0"/>
+              <a:endCxn id="99" idx="2"/>
+            </p:cNvCxnSpPr>
+            <p:nvPr/>
+          </p:nvCxnSpPr>
+          <p:spPr>
+            <a:xfrm>
+              <a:off x="2922629" y="717689"/>
+              <a:ext cx="0" cy="1199820"/>
+            </a:xfrm>
+            <a:prstGeom prst="line">
+              <a:avLst/>
+            </a:prstGeom>
+            <a:ln w="19050">
+              <a:solidFill>
+                <a:schemeClr val="tx1"/>
+              </a:solidFill>
+            </a:ln>
+          </p:spPr>
+          <p:style>
+            <a:lnRef idx="1">
+              <a:schemeClr val="accent1"/>
+            </a:lnRef>
+            <a:fillRef idx="0">
+              <a:schemeClr val="accent1"/>
+            </a:fillRef>
+            <a:effectRef idx="0">
+              <a:schemeClr val="accent1"/>
+            </a:effectRef>
+            <a:fontRef idx="minor">
+              <a:schemeClr val="tx1"/>
+            </a:fontRef>
+          </p:style>
+        </p:cxnSp>
+        <p:cxnSp>
+          <p:nvCxnSpPr>
+            <p:cNvPr id="101" name="Straight Connector 100">
+              <a:extLst>
+                <a:ext uri="{FF2B5EF4-FFF2-40B4-BE49-F238E27FC236}">
+                  <a16:creationId xmlns:a16="http://schemas.microsoft.com/office/drawing/2014/main" id="{45851C47-0F4B-43CB-A8E6-EB4996839250}"/>
+                </a:ext>
+              </a:extLst>
+            </p:cNvPr>
+            <p:cNvCxnSpPr>
+              <a:cxnSpLocks/>
+              <a:stCxn id="99" idx="1"/>
+              <a:endCxn id="99" idx="3"/>
+            </p:cNvCxnSpPr>
+            <p:nvPr/>
+          </p:nvCxnSpPr>
+          <p:spPr>
+            <a:xfrm>
+              <a:off x="2322719" y="1317599"/>
+              <a:ext cx="1199820" cy="0"/>
+            </a:xfrm>
+            <a:prstGeom prst="line">
+              <a:avLst/>
+            </a:prstGeom>
+            <a:ln w="19050">
+              <a:solidFill>
+                <a:schemeClr val="tx1"/>
+              </a:solidFill>
+            </a:ln>
+          </p:spPr>
+          <p:style>
+            <a:lnRef idx="1">
+              <a:schemeClr val="accent1"/>
+            </a:lnRef>
+            <a:fillRef idx="0">
+              <a:schemeClr val="accent1"/>
+            </a:fillRef>
+            <a:effectRef idx="0">
+              <a:schemeClr val="accent1"/>
+            </a:effectRef>
+            <a:fontRef idx="minor">
+              <a:schemeClr val="tx1"/>
+            </a:fontRef>
+          </p:style>
+        </p:cxnSp>
+        <p:pic>
+          <p:nvPicPr>
+            <p:cNvPr id="102" name="Picture 101">
+              <a:extLst>
+                <a:ext uri="{FF2B5EF4-FFF2-40B4-BE49-F238E27FC236}">
+                  <a16:creationId xmlns:a16="http://schemas.microsoft.com/office/drawing/2014/main" id="{578B9C2C-C74F-44DA-AF3A-704B3CD3C781}"/>
+                </a:ext>
+              </a:extLst>
+            </p:cNvPr>
+            <p:cNvPicPr>
+              <a:picLocks noChangeAspect="1"/>
+            </p:cNvPicPr>
+            <p:nvPr/>
+          </p:nvPicPr>
+          <p:blipFill>
+            <a:blip r:embed="rId52">
+              <a:duotone>
+                <a:prstClr val="black"/>
+                <a:schemeClr val="tx2">
+                  <a:tint val="45000"/>
+                  <a:satMod val="400000"/>
+                </a:schemeClr>
+              </a:duotone>
+              <a:extLst>
+                <a:ext uri="{28A0092B-C50C-407E-A947-70E740481C1C}">
+                  <a14:useLocalDpi xmlns:a14="http://schemas.microsoft.com/office/drawing/2010/main" val="0"/>
+                </a:ext>
+              </a:extLst>
+            </a:blip>
+            <a:stretch>
+              <a:fillRect/>
+            </a:stretch>
+          </p:blipFill>
+          <p:spPr>
+            <a:xfrm>
+              <a:off x="2467496" y="960674"/>
+              <a:ext cx="223221" cy="184945"/>
+            </a:xfrm>
+            <a:prstGeom prst="rect">
+              <a:avLst/>
+            </a:prstGeom>
+          </p:spPr>
+        </p:pic>
+        <p:pic>
+          <p:nvPicPr>
+            <p:cNvPr id="103" name="Picture 102">
+              <a:extLst>
+                <a:ext uri="{FF2B5EF4-FFF2-40B4-BE49-F238E27FC236}">
+                  <a16:creationId xmlns:a16="http://schemas.microsoft.com/office/drawing/2014/main" id="{61D335A6-CF4E-47EB-A964-ACFCAEBDC3E8}"/>
+                </a:ext>
+              </a:extLst>
+            </p:cNvPr>
+            <p:cNvPicPr>
+              <a:picLocks noChangeAspect="1"/>
+            </p:cNvPicPr>
+            <p:nvPr/>
+          </p:nvPicPr>
+          <p:blipFill>
+            <a:blip r:embed="rId53" cstate="print">
+              <a:duotone>
+                <a:prstClr val="black"/>
+                <a:schemeClr val="tx2">
+                  <a:tint val="45000"/>
+                  <a:satMod val="400000"/>
+                </a:schemeClr>
+              </a:duotone>
+              <a:extLst>
+                <a:ext uri="{BEBA8EAE-BF5A-486C-A8C5-ECC9F3942E4B}">
+                  <a14:imgProps xmlns:a14="http://schemas.microsoft.com/office/drawing/2010/main">
+                    <a14:imgLayer r:embed="rId54">
+                      <a14:imgEffect>
+                        <a14:saturation sat="0"/>
+                      </a14:imgEffect>
+                    </a14:imgLayer>
+                  </a14:imgProps>
+                </a:ext>
+                <a:ext uri="{28A0092B-C50C-407E-A947-70E740481C1C}">
+                  <a14:useLocalDpi xmlns:a14="http://schemas.microsoft.com/office/drawing/2010/main" val="0"/>
+                </a:ext>
+              </a:extLst>
+            </a:blip>
+            <a:stretch>
+              <a:fillRect/>
+            </a:stretch>
+          </p:blipFill>
+          <p:spPr>
+            <a:xfrm flipH="1">
+              <a:off x="2431771" y="1578286"/>
+              <a:ext cx="231759" cy="152816"/>
+            </a:xfrm>
+            <a:prstGeom prst="rect">
+              <a:avLst/>
+            </a:prstGeom>
+          </p:spPr>
+        </p:pic>
+        <p:pic>
+          <p:nvPicPr>
+            <p:cNvPr id="104" name="Picture 103">
+              <a:extLst>
+                <a:ext uri="{FF2B5EF4-FFF2-40B4-BE49-F238E27FC236}">
+                  <a16:creationId xmlns:a16="http://schemas.microsoft.com/office/drawing/2014/main" id="{432ECFE2-980D-4A51-80A6-F81ADA1E1ADD}"/>
+                </a:ext>
+              </a:extLst>
+            </p:cNvPr>
+            <p:cNvPicPr>
+              <a:picLocks noChangeAspect="1"/>
+            </p:cNvPicPr>
+            <p:nvPr/>
+          </p:nvPicPr>
+          <p:blipFill>
+            <a:blip r:embed="rId51" cstate="print">
+              <a:duotone>
+                <a:schemeClr val="bg2">
+                  <a:shade val="45000"/>
+                  <a:satMod val="135000"/>
+                </a:schemeClr>
+                <a:prstClr val="white"/>
+              </a:duotone>
+              <a:extLst>
+                <a:ext uri="{28A0092B-C50C-407E-A947-70E740481C1C}">
+                  <a14:useLocalDpi xmlns:a14="http://schemas.microsoft.com/office/drawing/2010/main" val="0"/>
+                </a:ext>
+              </a:extLst>
+            </a:blip>
+            <a:stretch>
+              <a:fillRect/>
+            </a:stretch>
+          </p:blipFill>
+          <p:spPr>
+            <a:xfrm>
+              <a:off x="3086682" y="1451114"/>
+              <a:ext cx="252182" cy="268850"/>
+            </a:xfrm>
+            <a:prstGeom prst="rect">
+              <a:avLst/>
+            </a:prstGeom>
+          </p:spPr>
+        </p:pic>
+        <p:pic>
+          <p:nvPicPr>
+            <p:cNvPr id="105" name="Picture 104">
+              <a:extLst>
+                <a:ext uri="{FF2B5EF4-FFF2-40B4-BE49-F238E27FC236}">
+                  <a16:creationId xmlns:a16="http://schemas.microsoft.com/office/drawing/2014/main" id="{FBD10E9C-E41D-498D-982F-711B20CEABCE}"/>
+                </a:ext>
+              </a:extLst>
+            </p:cNvPr>
+            <p:cNvPicPr>
+              <a:picLocks noChangeAspect="1"/>
+            </p:cNvPicPr>
+            <p:nvPr/>
+          </p:nvPicPr>
+          <p:blipFill>
+            <a:blip r:embed="rId51" cstate="print">
+              <a:duotone>
+                <a:schemeClr val="bg2">
+                  <a:shade val="45000"/>
+                  <a:satMod val="135000"/>
+                </a:schemeClr>
+                <a:prstClr val="white"/>
+              </a:duotone>
+              <a:extLst>
+                <a:ext uri="{28A0092B-C50C-407E-A947-70E740481C1C}">
+                  <a14:useLocalDpi xmlns:a14="http://schemas.microsoft.com/office/drawing/2010/main" val="0"/>
+                </a:ext>
+              </a:extLst>
+            </a:blip>
+            <a:stretch>
+              <a:fillRect/>
+            </a:stretch>
+          </p:blipFill>
+          <p:spPr>
+            <a:xfrm>
+              <a:off x="2961222" y="767185"/>
+              <a:ext cx="252182" cy="268850"/>
+            </a:xfrm>
+            <a:prstGeom prst="rect">
+              <a:avLst/>
+            </a:prstGeom>
+          </p:spPr>
+        </p:pic>
+      </p:grpSp>
+      <p:grpSp>
+        <p:nvGrpSpPr>
+          <p:cNvPr id="34" name="Group 33">
+            <a:extLst>
+              <a:ext uri="{FF2B5EF4-FFF2-40B4-BE49-F238E27FC236}">
+                <a16:creationId xmlns:a16="http://schemas.microsoft.com/office/drawing/2014/main" id="{F5D8DD6F-5C61-4939-A0C3-CEB1D2F4CFFF}"/>
+              </a:ext>
+            </a:extLst>
+          </p:cNvPr>
+          <p:cNvGrpSpPr/>
+          <p:nvPr/>
+        </p:nvGrpSpPr>
+        <p:grpSpPr>
+          <a:xfrm>
+            <a:off x="4344846" y="3569829"/>
+            <a:ext cx="1199820" cy="1199820"/>
+            <a:chOff x="5375675" y="3591231"/>
+            <a:chExt cx="1199820" cy="1199820"/>
+          </a:xfrm>
+        </p:grpSpPr>
+        <p:grpSp>
+          <p:nvGrpSpPr>
+            <p:cNvPr id="35" name="Group 34">
+              <a:extLst>
+                <a:ext uri="{FF2B5EF4-FFF2-40B4-BE49-F238E27FC236}">
+                  <a16:creationId xmlns:a16="http://schemas.microsoft.com/office/drawing/2014/main" id="{85E7BAEF-9CE9-4830-B355-4709714DFAC2}"/>
+                </a:ext>
+              </a:extLst>
+            </p:cNvPr>
+            <p:cNvGrpSpPr/>
+            <p:nvPr/>
+          </p:nvGrpSpPr>
+          <p:grpSpPr>
+            <a:xfrm>
+              <a:off x="5375675" y="3591231"/>
+              <a:ext cx="1199820" cy="1199820"/>
+              <a:chOff x="3856181" y="3570420"/>
+              <a:chExt cx="1199820" cy="1199820"/>
+            </a:xfrm>
+          </p:grpSpPr>
+          <p:grpSp>
+            <p:nvGrpSpPr>
+              <p:cNvPr id="38" name="Group 37">
+                <a:extLst>
+                  <a:ext uri="{FF2B5EF4-FFF2-40B4-BE49-F238E27FC236}">
+                    <a16:creationId xmlns:a16="http://schemas.microsoft.com/office/drawing/2014/main" id="{493480D4-8724-4C06-902A-B559C79EA78A}"/>
+                  </a:ext>
+                </a:extLst>
+              </p:cNvPr>
+              <p:cNvGrpSpPr/>
+              <p:nvPr/>
+            </p:nvGrpSpPr>
+            <p:grpSpPr>
+              <a:xfrm>
+                <a:off x="3856181" y="3570420"/>
+                <a:ext cx="1199820" cy="1199820"/>
+                <a:chOff x="2322719" y="717689"/>
+                <a:chExt cx="1199820" cy="1199820"/>
+              </a:xfrm>
+            </p:grpSpPr>
+            <p:sp>
+              <p:nvSpPr>
+                <p:cNvPr id="43" name="Rectangle 42">
+                  <a:extLst>
+                    <a:ext uri="{FF2B5EF4-FFF2-40B4-BE49-F238E27FC236}">
+                      <a16:creationId xmlns:a16="http://schemas.microsoft.com/office/drawing/2014/main" id="{4C71D97D-9D00-4A46-A328-3F208C820D24}"/>
+                    </a:ext>
+                  </a:extLst>
+                </p:cNvPr>
+                <p:cNvSpPr>
+                  <a:spLocks noChangeAspect="1"/>
+                </p:cNvSpPr>
+                <p:nvPr/>
+              </p:nvSpPr>
+              <p:spPr>
+                <a:xfrm>
+                  <a:off x="2322719" y="717689"/>
+                  <a:ext cx="1199820" cy="1199820"/>
+                </a:xfrm>
+                <a:prstGeom prst="rect">
+                  <a:avLst/>
+                </a:prstGeom>
+                <a:noFill/>
+                <a:ln w="19050">
+                  <a:solidFill>
+                    <a:schemeClr val="tx1"/>
+                  </a:solidFill>
+                </a:ln>
+              </p:spPr>
+              <p:style>
+                <a:lnRef idx="2">
+                  <a:schemeClr val="accent6"/>
+                </a:lnRef>
+                <a:fillRef idx="1">
+                  <a:schemeClr val="lt1"/>
+                </a:fillRef>
+                <a:effectRef idx="0">
+                  <a:schemeClr val="accent6"/>
+                </a:effectRef>
+                <a:fontRef idx="minor">
+                  <a:schemeClr val="dk1"/>
+                </a:fontRef>
+              </p:style>
+              <p:txBody>
+                <a:bodyPr rtlCol="0" anchor="ctr"/>
+                <a:lstStyle/>
+                <a:p>
+                  <a:pPr algn="ctr"/>
+                  <a:endParaRPr lang="en-US"/>
+                </a:p>
+              </p:txBody>
+            </p:sp>
+            <p:cxnSp>
+              <p:nvCxnSpPr>
+                <p:cNvPr id="44" name="Straight Connector 43">
+                  <a:extLst>
+                    <a:ext uri="{FF2B5EF4-FFF2-40B4-BE49-F238E27FC236}">
+                      <a16:creationId xmlns:a16="http://schemas.microsoft.com/office/drawing/2014/main" id="{BEDCE886-D9B2-43A3-B83A-A1C4F97195E0}"/>
+                    </a:ext>
+                  </a:extLst>
+                </p:cNvPr>
+                <p:cNvCxnSpPr>
+                  <a:cxnSpLocks/>
+                  <a:stCxn id="43" idx="0"/>
+                  <a:endCxn id="43" idx="2"/>
+                </p:cNvCxnSpPr>
+                <p:nvPr/>
+              </p:nvCxnSpPr>
+              <p:spPr>
+                <a:xfrm>
+                  <a:off x="2922629" y="717689"/>
+                  <a:ext cx="0" cy="1199820"/>
+                </a:xfrm>
+                <a:prstGeom prst="line">
+                  <a:avLst/>
+                </a:prstGeom>
+                <a:ln w="19050">
+                  <a:solidFill>
+                    <a:schemeClr val="tx1"/>
+                  </a:solidFill>
+                </a:ln>
+              </p:spPr>
+              <p:style>
+                <a:lnRef idx="1">
+                  <a:schemeClr val="accent1"/>
+                </a:lnRef>
+                <a:fillRef idx="0">
+                  <a:schemeClr val="accent1"/>
+                </a:fillRef>
+                <a:effectRef idx="0">
+                  <a:schemeClr val="accent1"/>
+                </a:effectRef>
+                <a:fontRef idx="minor">
+                  <a:schemeClr val="tx1"/>
+                </a:fontRef>
+              </p:style>
+            </p:cxnSp>
+            <p:cxnSp>
+              <p:nvCxnSpPr>
+                <p:cNvPr id="45" name="Straight Connector 44">
+                  <a:extLst>
+                    <a:ext uri="{FF2B5EF4-FFF2-40B4-BE49-F238E27FC236}">
+                      <a16:creationId xmlns:a16="http://schemas.microsoft.com/office/drawing/2014/main" id="{FB82963F-CE66-45F7-8665-5CC76CCCE36D}"/>
+                    </a:ext>
+                  </a:extLst>
+                </p:cNvPr>
+                <p:cNvCxnSpPr>
+                  <a:cxnSpLocks/>
+                  <a:stCxn id="43" idx="1"/>
+                  <a:endCxn id="43" idx="3"/>
+                </p:cNvCxnSpPr>
+                <p:nvPr/>
+              </p:nvCxnSpPr>
+              <p:spPr>
+                <a:xfrm>
+                  <a:off x="2322719" y="1317599"/>
+                  <a:ext cx="1199820" cy="0"/>
+                </a:xfrm>
+                <a:prstGeom prst="line">
+                  <a:avLst/>
+                </a:prstGeom>
+                <a:ln w="19050">
+                  <a:solidFill>
+                    <a:schemeClr val="tx1"/>
+                  </a:solidFill>
+                </a:ln>
+              </p:spPr>
+              <p:style>
+                <a:lnRef idx="1">
+                  <a:schemeClr val="accent1"/>
+                </a:lnRef>
+                <a:fillRef idx="0">
+                  <a:schemeClr val="accent1"/>
+                </a:fillRef>
+                <a:effectRef idx="0">
+                  <a:schemeClr val="accent1"/>
+                </a:effectRef>
+                <a:fontRef idx="minor">
+                  <a:schemeClr val="tx1"/>
+                </a:fontRef>
+              </p:style>
+            </p:cxnSp>
+            <p:pic>
+              <p:nvPicPr>
+                <p:cNvPr id="46" name="Picture 45">
+                  <a:extLst>
+                    <a:ext uri="{FF2B5EF4-FFF2-40B4-BE49-F238E27FC236}">
+                      <a16:creationId xmlns:a16="http://schemas.microsoft.com/office/drawing/2014/main" id="{DEE234AB-4431-4ED5-B95F-A07E3398A11F}"/>
+                    </a:ext>
+                  </a:extLst>
+                </p:cNvPr>
+                <p:cNvPicPr>
+                  <a:picLocks noChangeAspect="1"/>
+                </p:cNvPicPr>
+                <p:nvPr/>
+              </p:nvPicPr>
+              <p:blipFill>
+                <a:blip r:embed="rId52">
+                  <a:duotone>
+                    <a:prstClr val="black"/>
+                    <a:schemeClr val="tx2">
+                      <a:tint val="45000"/>
+                      <a:satMod val="400000"/>
+                    </a:schemeClr>
+                  </a:duotone>
+                  <a:extLst>
+                    <a:ext uri="{28A0092B-C50C-407E-A947-70E740481C1C}">
+                      <a14:useLocalDpi xmlns:a14="http://schemas.microsoft.com/office/drawing/2010/main" val="0"/>
+                    </a:ext>
+                  </a:extLst>
+                </a:blip>
+                <a:stretch>
+                  <a:fillRect/>
+                </a:stretch>
+              </p:blipFill>
+              <p:spPr>
+                <a:xfrm>
+                  <a:off x="2369573" y="1074958"/>
+                  <a:ext cx="223221" cy="184945"/>
+                </a:xfrm>
+                <a:prstGeom prst="rect">
+                  <a:avLst/>
+                </a:prstGeom>
+              </p:spPr>
+            </p:pic>
+            <p:pic>
+              <p:nvPicPr>
+                <p:cNvPr id="47" name="Picture 46">
+                  <a:extLst>
+                    <a:ext uri="{FF2B5EF4-FFF2-40B4-BE49-F238E27FC236}">
+                      <a16:creationId xmlns:a16="http://schemas.microsoft.com/office/drawing/2014/main" id="{061BED06-7A57-4400-8715-621055B59F02}"/>
+                    </a:ext>
+                  </a:extLst>
+                </p:cNvPr>
+                <p:cNvPicPr>
+                  <a:picLocks noChangeAspect="1"/>
+                </p:cNvPicPr>
+                <p:nvPr/>
+              </p:nvPicPr>
+              <p:blipFill>
+                <a:blip r:embed="rId53" cstate="print">
+                  <a:duotone>
+                    <a:prstClr val="black"/>
+                    <a:schemeClr val="tx2">
+                      <a:tint val="45000"/>
+                      <a:satMod val="400000"/>
+                    </a:schemeClr>
+                  </a:duotone>
+                  <a:extLst>
+                    <a:ext uri="{BEBA8EAE-BF5A-486C-A8C5-ECC9F3942E4B}">
+                      <a14:imgProps xmlns:a14="http://schemas.microsoft.com/office/drawing/2010/main">
+                        <a14:imgLayer r:embed="rId54">
+                          <a14:imgEffect>
+                            <a14:saturation sat="0"/>
+                          </a14:imgEffect>
+                        </a14:imgLayer>
+                      </a14:imgProps>
+                    </a:ext>
+                    <a:ext uri="{28A0092B-C50C-407E-A947-70E740481C1C}">
+                      <a14:useLocalDpi xmlns:a14="http://schemas.microsoft.com/office/drawing/2010/main" val="0"/>
+                    </a:ext>
+                  </a:extLst>
+                </a:blip>
+                <a:stretch>
+                  <a:fillRect/>
+                </a:stretch>
+              </p:blipFill>
+              <p:spPr>
+                <a:xfrm flipH="1">
+                  <a:off x="2369573" y="1702120"/>
+                  <a:ext cx="231759" cy="152816"/>
+                </a:xfrm>
+                <a:prstGeom prst="rect">
+                  <a:avLst/>
+                </a:prstGeom>
+              </p:spPr>
+            </p:pic>
+            <p:pic>
+              <p:nvPicPr>
+                <p:cNvPr id="48" name="Picture 47">
+                  <a:extLst>
+                    <a:ext uri="{FF2B5EF4-FFF2-40B4-BE49-F238E27FC236}">
+                      <a16:creationId xmlns:a16="http://schemas.microsoft.com/office/drawing/2014/main" id="{721D6EEF-9FE1-46E7-B102-D7A9E06401E1}"/>
+                    </a:ext>
+                  </a:extLst>
+                </p:cNvPr>
+                <p:cNvPicPr>
+                  <a:picLocks noChangeAspect="1"/>
+                </p:cNvPicPr>
+                <p:nvPr/>
+              </p:nvPicPr>
+              <p:blipFill>
+                <a:blip r:embed="rId51" cstate="print">
+                  <a:duotone>
+                    <a:schemeClr val="bg2">
+                      <a:shade val="45000"/>
+                      <a:satMod val="135000"/>
+                    </a:schemeClr>
+                    <a:prstClr val="white"/>
+                  </a:duotone>
+                  <a:extLst>
+                    <a:ext uri="{28A0092B-C50C-407E-A947-70E740481C1C}">
+                      <a14:useLocalDpi xmlns:a14="http://schemas.microsoft.com/office/drawing/2010/main" val="0"/>
+                    </a:ext>
+                  </a:extLst>
+                </a:blip>
+                <a:stretch>
+                  <a:fillRect/>
+                </a:stretch>
+              </p:blipFill>
+              <p:spPr>
+                <a:xfrm>
+                  <a:off x="3086069" y="1637600"/>
+                  <a:ext cx="252182" cy="268850"/>
+                </a:xfrm>
+                <a:prstGeom prst="rect">
+                  <a:avLst/>
+                </a:prstGeom>
+              </p:spPr>
+            </p:pic>
+            <p:pic>
+              <p:nvPicPr>
+                <p:cNvPr id="49" name="Picture 48">
+                  <a:extLst>
+                    <a:ext uri="{FF2B5EF4-FFF2-40B4-BE49-F238E27FC236}">
+                      <a16:creationId xmlns:a16="http://schemas.microsoft.com/office/drawing/2014/main" id="{EA32BCEE-D85A-479C-9AB4-1198BC7350C7}"/>
+                    </a:ext>
+                  </a:extLst>
+                </p:cNvPr>
+                <p:cNvPicPr>
+                  <a:picLocks noChangeAspect="1"/>
+                </p:cNvPicPr>
+                <p:nvPr/>
+              </p:nvPicPr>
+              <p:blipFill>
+                <a:blip r:embed="rId51" cstate="print">
+                  <a:duotone>
+                    <a:schemeClr val="bg2">
+                      <a:shade val="45000"/>
+                      <a:satMod val="135000"/>
+                    </a:schemeClr>
+                    <a:prstClr val="white"/>
+                  </a:duotone>
+                  <a:extLst>
+                    <a:ext uri="{28A0092B-C50C-407E-A947-70E740481C1C}">
+                      <a14:useLocalDpi xmlns:a14="http://schemas.microsoft.com/office/drawing/2010/main" val="0"/>
+                    </a:ext>
+                  </a:extLst>
+                </a:blip>
+                <a:stretch>
+                  <a:fillRect/>
+                </a:stretch>
+              </p:blipFill>
+              <p:spPr>
+                <a:xfrm>
+                  <a:off x="2961222" y="767185"/>
+                  <a:ext cx="252182" cy="268850"/>
+                </a:xfrm>
+                <a:prstGeom prst="rect">
+                  <a:avLst/>
+                </a:prstGeom>
+              </p:spPr>
+            </p:pic>
+            <p:pic>
+              <p:nvPicPr>
+                <p:cNvPr id="50" name="Picture 49">
+                  <a:extLst>
+                    <a:ext uri="{FF2B5EF4-FFF2-40B4-BE49-F238E27FC236}">
+                      <a16:creationId xmlns:a16="http://schemas.microsoft.com/office/drawing/2014/main" id="{C7B50A3A-F314-4884-87E3-67201E71856F}"/>
+                    </a:ext>
+                  </a:extLst>
+                </p:cNvPr>
+                <p:cNvPicPr>
+                  <a:picLocks noChangeAspect="1"/>
+                </p:cNvPicPr>
+                <p:nvPr/>
+              </p:nvPicPr>
+              <p:blipFill>
+                <a:blip r:embed="rId52">
+                  <a:duotone>
+                    <a:prstClr val="black"/>
+                    <a:schemeClr val="tx2">
+                      <a:tint val="45000"/>
+                      <a:satMod val="400000"/>
+                    </a:schemeClr>
+                  </a:duotone>
+                  <a:extLst>
+                    <a:ext uri="{28A0092B-C50C-407E-A947-70E740481C1C}">
+                      <a14:useLocalDpi xmlns:a14="http://schemas.microsoft.com/office/drawing/2010/main" val="0"/>
+                    </a:ext>
+                  </a:extLst>
+                </a:blip>
+                <a:stretch>
+                  <a:fillRect/>
+                </a:stretch>
+              </p:blipFill>
+              <p:spPr>
+                <a:xfrm>
+                  <a:off x="3142607" y="889089"/>
+                  <a:ext cx="223221" cy="184945"/>
+                </a:xfrm>
+                <a:prstGeom prst="rect">
+                  <a:avLst/>
+                </a:prstGeom>
+              </p:spPr>
+            </p:pic>
+            <p:pic>
+              <p:nvPicPr>
+                <p:cNvPr id="51" name="Picture 50">
+                  <a:extLst>
+                    <a:ext uri="{FF2B5EF4-FFF2-40B4-BE49-F238E27FC236}">
+                      <a16:creationId xmlns:a16="http://schemas.microsoft.com/office/drawing/2014/main" id="{914E0A68-CECC-407F-B132-C5D296DA170E}"/>
+                    </a:ext>
+                  </a:extLst>
+                </p:cNvPr>
+                <p:cNvPicPr>
+                  <a:picLocks noChangeAspect="1"/>
+                </p:cNvPicPr>
+                <p:nvPr/>
+              </p:nvPicPr>
+              <p:blipFill>
+                <a:blip r:embed="rId53" cstate="print">
+                  <a:duotone>
+                    <a:prstClr val="black"/>
+                    <a:schemeClr val="tx2">
+                      <a:tint val="45000"/>
+                      <a:satMod val="400000"/>
+                    </a:schemeClr>
+                  </a:duotone>
+                  <a:extLst>
+                    <a:ext uri="{BEBA8EAE-BF5A-486C-A8C5-ECC9F3942E4B}">
+                      <a14:imgProps xmlns:a14="http://schemas.microsoft.com/office/drawing/2010/main">
+                        <a14:imgLayer r:embed="rId54">
+                          <a14:imgEffect>
+                            <a14:saturation sat="0"/>
+                          </a14:imgEffect>
+                        </a14:imgLayer>
+                      </a14:imgProps>
+                    </a:ext>
+                    <a:ext uri="{28A0092B-C50C-407E-A947-70E740481C1C}">
+                      <a14:useLocalDpi xmlns:a14="http://schemas.microsoft.com/office/drawing/2010/main" val="0"/>
+                    </a:ext>
+                  </a:extLst>
+                </a:blip>
+                <a:stretch>
+                  <a:fillRect/>
+                </a:stretch>
+              </p:blipFill>
+              <p:spPr>
+                <a:xfrm flipH="1">
+                  <a:off x="3081622" y="1124491"/>
+                  <a:ext cx="231759" cy="152816"/>
+                </a:xfrm>
+                <a:prstGeom prst="rect">
+                  <a:avLst/>
+                </a:prstGeom>
+              </p:spPr>
+            </p:pic>
+          </p:grpSp>
+          <p:pic>
+            <p:nvPicPr>
+              <p:cNvPr id="39" name="Picture 38">
+                <a:extLst>
+                  <a:ext uri="{FF2B5EF4-FFF2-40B4-BE49-F238E27FC236}">
+                    <a16:creationId xmlns:a16="http://schemas.microsoft.com/office/drawing/2014/main" id="{4D33B737-E686-44F7-ABAE-BD5E19DC5DFB}"/>
+                  </a:ext>
+                </a:extLst>
+              </p:cNvPr>
+              <p:cNvPicPr>
+                <a:picLocks noChangeAspect="1"/>
+              </p:cNvPicPr>
+              <p:nvPr/>
+            </p:nvPicPr>
+            <p:blipFill>
+              <a:blip r:embed="rId52">
+                <a:duotone>
+                  <a:prstClr val="black"/>
+                  <a:schemeClr val="tx2">
+                    <a:tint val="45000"/>
+                    <a:satMod val="400000"/>
+                  </a:schemeClr>
+                </a:duotone>
+                <a:extLst>
+                  <a:ext uri="{28A0092B-C50C-407E-A947-70E740481C1C}">
+                    <a14:useLocalDpi xmlns:a14="http://schemas.microsoft.com/office/drawing/2010/main" val="0"/>
+                  </a:ext>
+                </a:extLst>
+              </a:blip>
+              <a:stretch>
+                <a:fillRect/>
+              </a:stretch>
+            </p:blipFill>
+            <p:spPr>
+              <a:xfrm>
+                <a:off x="4145985" y="3768007"/>
+                <a:ext cx="223221" cy="184945"/>
+              </a:xfrm>
+              <a:prstGeom prst="rect">
+                <a:avLst/>
+              </a:prstGeom>
+            </p:spPr>
+          </p:pic>
+          <p:pic>
+            <p:nvPicPr>
+              <p:cNvPr id="40" name="Picture 39">
+                <a:extLst>
+                  <a:ext uri="{FF2B5EF4-FFF2-40B4-BE49-F238E27FC236}">
+                    <a16:creationId xmlns:a16="http://schemas.microsoft.com/office/drawing/2014/main" id="{C346E5F6-1D7B-442A-9624-699BA61AE3A2}"/>
+                  </a:ext>
+                </a:extLst>
+              </p:cNvPr>
+              <p:cNvPicPr>
+                <a:picLocks noChangeAspect="1"/>
+              </p:cNvPicPr>
+              <p:nvPr/>
+            </p:nvPicPr>
+            <p:blipFill>
+              <a:blip r:embed="rId51" cstate="print">
+                <a:duotone>
+                  <a:schemeClr val="bg2">
+                    <a:shade val="45000"/>
+                    <a:satMod val="135000"/>
+                  </a:schemeClr>
+                  <a:prstClr val="white"/>
+                </a:duotone>
+                <a:extLst>
+                  <a:ext uri="{28A0092B-C50C-407E-A947-70E740481C1C}">
+                    <a14:useLocalDpi xmlns:a14="http://schemas.microsoft.com/office/drawing/2010/main" val="0"/>
+                  </a:ext>
+                </a:extLst>
+              </a:blip>
+              <a:stretch>
+                <a:fillRect/>
+              </a:stretch>
+            </p:blipFill>
+            <p:spPr>
+              <a:xfrm>
+                <a:off x="4780602" y="4253020"/>
+                <a:ext cx="252182" cy="268850"/>
+              </a:xfrm>
+              <a:prstGeom prst="rect">
+                <a:avLst/>
+              </a:prstGeom>
+            </p:spPr>
+          </p:pic>
+          <p:pic>
+            <p:nvPicPr>
+              <p:cNvPr id="41" name="Picture 40">
+                <a:extLst>
+                  <a:ext uri="{FF2B5EF4-FFF2-40B4-BE49-F238E27FC236}">
+                    <a16:creationId xmlns:a16="http://schemas.microsoft.com/office/drawing/2014/main" id="{EBEEC721-41C5-42E8-AAD0-1359CBD53439}"/>
+                  </a:ext>
+                </a:extLst>
+              </p:cNvPr>
+              <p:cNvPicPr>
+                <a:picLocks noChangeAspect="1"/>
+              </p:cNvPicPr>
+              <p:nvPr/>
+            </p:nvPicPr>
+            <p:blipFill>
+              <a:blip r:embed="rId53" cstate="print">
+                <a:duotone>
+                  <a:prstClr val="black"/>
+                  <a:schemeClr val="tx2">
+                    <a:tint val="45000"/>
+                    <a:satMod val="400000"/>
+                  </a:schemeClr>
+                </a:duotone>
+                <a:extLst>
+                  <a:ext uri="{BEBA8EAE-BF5A-486C-A8C5-ECC9F3942E4B}">
+                    <a14:imgProps xmlns:a14="http://schemas.microsoft.com/office/drawing/2010/main">
+                      <a14:imgLayer r:embed="rId54">
+                        <a14:imgEffect>
+                          <a14:saturation sat="0"/>
+                        </a14:imgEffect>
+                      </a14:imgLayer>
+                    </a14:imgProps>
+                  </a:ext>
+                  <a:ext uri="{28A0092B-C50C-407E-A947-70E740481C1C}">
+                    <a14:useLocalDpi xmlns:a14="http://schemas.microsoft.com/office/drawing/2010/main" val="0"/>
+                  </a:ext>
+                </a:extLst>
+              </a:blip>
+              <a:stretch>
+                <a:fillRect/>
+              </a:stretch>
+            </p:blipFill>
+            <p:spPr>
+              <a:xfrm flipH="1">
+                <a:off x="3895817" y="4254901"/>
+                <a:ext cx="231759" cy="152816"/>
+              </a:xfrm>
+              <a:prstGeom prst="rect">
+                <a:avLst/>
+              </a:prstGeom>
+            </p:spPr>
+          </p:pic>
+          <p:pic>
+            <p:nvPicPr>
+              <p:cNvPr id="42" name="Picture 41">
+                <a:extLst>
+                  <a:ext uri="{FF2B5EF4-FFF2-40B4-BE49-F238E27FC236}">
+                    <a16:creationId xmlns:a16="http://schemas.microsoft.com/office/drawing/2014/main" id="{75A2A381-860E-42BB-91EA-2ED239B71E9D}"/>
+                  </a:ext>
+                </a:extLst>
+              </p:cNvPr>
+              <p:cNvPicPr>
+                <a:picLocks noChangeAspect="1"/>
+              </p:cNvPicPr>
+              <p:nvPr/>
+            </p:nvPicPr>
+            <p:blipFill>
+              <a:blip r:embed="rId53" cstate="print">
+                <a:duotone>
+                  <a:prstClr val="black"/>
+                  <a:schemeClr val="tx2">
+                    <a:tint val="45000"/>
+                    <a:satMod val="400000"/>
+                  </a:schemeClr>
+                </a:duotone>
+                <a:extLst>
+                  <a:ext uri="{BEBA8EAE-BF5A-486C-A8C5-ECC9F3942E4B}">
+                    <a14:imgProps xmlns:a14="http://schemas.microsoft.com/office/drawing/2010/main">
+                      <a14:imgLayer r:embed="rId54">
+                        <a14:imgEffect>
+                          <a14:saturation sat="0"/>
+                        </a14:imgEffect>
+                      </a14:imgLayer>
+                    </a14:imgProps>
+                  </a:ext>
+                  <a:ext uri="{28A0092B-C50C-407E-A947-70E740481C1C}">
+                    <a14:useLocalDpi xmlns:a14="http://schemas.microsoft.com/office/drawing/2010/main" val="0"/>
+                  </a:ext>
+                </a:extLst>
+              </a:blip>
+              <a:stretch>
+                <a:fillRect/>
+              </a:stretch>
+            </p:blipFill>
+            <p:spPr>
+              <a:xfrm flipH="1">
+                <a:off x="4179349" y="4254901"/>
+                <a:ext cx="231759" cy="152816"/>
+              </a:xfrm>
+              <a:prstGeom prst="rect">
+                <a:avLst/>
+              </a:prstGeom>
+            </p:spPr>
+          </p:pic>
+        </p:grpSp>
+        <p:pic>
+          <p:nvPicPr>
+            <p:cNvPr id="36" name="Picture 35">
+              <a:extLst>
+                <a:ext uri="{FF2B5EF4-FFF2-40B4-BE49-F238E27FC236}">
+                  <a16:creationId xmlns:a16="http://schemas.microsoft.com/office/drawing/2014/main" id="{0C50AD2F-42BC-48CA-899A-C6A4E38591A3}"/>
+                </a:ext>
+              </a:extLst>
+            </p:cNvPr>
+            <p:cNvPicPr>
+              <a:picLocks noChangeAspect="1"/>
+            </p:cNvPicPr>
+            <p:nvPr/>
+          </p:nvPicPr>
+          <p:blipFill>
+            <a:blip r:embed="rId51" cstate="print">
+              <a:duotone>
+                <a:schemeClr val="bg2">
+                  <a:shade val="45000"/>
+                  <a:satMod val="135000"/>
+                </a:schemeClr>
+                <a:prstClr val="white"/>
+              </a:duotone>
+              <a:extLst>
+                <a:ext uri="{28A0092B-C50C-407E-A947-70E740481C1C}">
+                  <a14:useLocalDpi xmlns:a14="http://schemas.microsoft.com/office/drawing/2010/main" val="0"/>
+                </a:ext>
+              </a:extLst>
+            </a:blip>
+            <a:stretch>
+              <a:fillRect/>
+            </a:stretch>
+          </p:blipFill>
+          <p:spPr>
+            <a:xfrm>
+              <a:off x="6025763" y="4170330"/>
+              <a:ext cx="252182" cy="268850"/>
+            </a:xfrm>
+            <a:prstGeom prst="rect">
+              <a:avLst/>
+            </a:prstGeom>
+          </p:spPr>
+        </p:pic>
+        <p:pic>
+          <p:nvPicPr>
+            <p:cNvPr id="37" name="Picture 36">
+              <a:extLst>
+                <a:ext uri="{FF2B5EF4-FFF2-40B4-BE49-F238E27FC236}">
+                  <a16:creationId xmlns:a16="http://schemas.microsoft.com/office/drawing/2014/main" id="{A00996D1-5B0A-41FE-84D4-A1205B706E4D}"/>
+                </a:ext>
+              </a:extLst>
+            </p:cNvPr>
+            <p:cNvPicPr>
+              <a:picLocks noChangeAspect="1"/>
+            </p:cNvPicPr>
+            <p:nvPr/>
+          </p:nvPicPr>
+          <p:blipFill>
+            <a:blip r:embed="rId52">
+              <a:duotone>
+                <a:prstClr val="black"/>
+                <a:schemeClr val="tx2">
+                  <a:tint val="45000"/>
+                  <a:satMod val="400000"/>
+                </a:schemeClr>
+              </a:duotone>
+              <a:extLst>
+                <a:ext uri="{28A0092B-C50C-407E-A947-70E740481C1C}">
+                  <a14:useLocalDpi xmlns:a14="http://schemas.microsoft.com/office/drawing/2010/main" val="0"/>
+                </a:ext>
+              </a:extLst>
+            </a:blip>
+            <a:stretch>
+              <a:fillRect/>
+            </a:stretch>
+          </p:blipFill>
+          <p:spPr>
+            <a:xfrm>
+              <a:off x="5506487" y="3613461"/>
+              <a:ext cx="223221" cy="184945"/>
+            </a:xfrm>
+            <a:prstGeom prst="rect">
+              <a:avLst/>
+            </a:prstGeom>
+          </p:spPr>
+        </p:pic>
+      </p:grpSp>
+      <p:sp>
+        <p:nvSpPr>
+          <p:cNvPr id="197" name="TextBox 196">
+            <a:extLst>
+              <a:ext uri="{FF2B5EF4-FFF2-40B4-BE49-F238E27FC236}">
+                <a16:creationId xmlns:a16="http://schemas.microsoft.com/office/drawing/2014/main" id="{29DF2BAF-37A3-4AD2-9B6F-8FD2907E2203}"/>
+              </a:ext>
+            </a:extLst>
+          </p:cNvPr>
+          <p:cNvSpPr txBox="1"/>
+          <p:nvPr/>
+        </p:nvSpPr>
+        <p:spPr>
+          <a:xfrm>
+            <a:off x="1307396" y="676999"/>
+            <a:ext cx="458780" cy="338554"/>
+          </a:xfrm>
+          <a:prstGeom prst="rect">
+            <a:avLst/>
+          </a:prstGeom>
+          <a:noFill/>
+        </p:spPr>
+        <p:txBody>
+          <a:bodyPr wrap="none" rtlCol="0">
+            <a:spAutoFit/>
+          </a:bodyPr>
+          <a:lstStyle/>
+          <a:p>
+            <a:r>
+              <a:rPr lang="en-US" sz="1600" dirty="0">
+                <a:latin typeface="Arial" panose="020B0604020202020204" pitchFamily="34" charset="0"/>
+                <a:cs typeface="Arial" panose="020B0604020202020204" pitchFamily="34" charset="0"/>
+              </a:rPr>
+              <a:t>(A)</a:t>
+            </a:r>
+          </a:p>
+        </p:txBody>
+      </p:sp>
+      <p:sp>
+        <p:nvSpPr>
+          <p:cNvPr id="198" name="TextBox 197">
+            <a:extLst>
+              <a:ext uri="{FF2B5EF4-FFF2-40B4-BE49-F238E27FC236}">
+                <a16:creationId xmlns:a16="http://schemas.microsoft.com/office/drawing/2014/main" id="{71582C4E-1300-4192-8DE7-404DC9EE6EAB}"/>
+              </a:ext>
+            </a:extLst>
+          </p:cNvPr>
+          <p:cNvSpPr txBox="1"/>
+          <p:nvPr/>
+        </p:nvSpPr>
+        <p:spPr>
+          <a:xfrm>
+            <a:off x="5589205" y="685361"/>
+            <a:ext cx="458780" cy="338554"/>
+          </a:xfrm>
+          <a:prstGeom prst="rect">
+            <a:avLst/>
+          </a:prstGeom>
+          <a:noFill/>
+        </p:spPr>
+        <p:txBody>
+          <a:bodyPr wrap="none" rtlCol="0">
+            <a:spAutoFit/>
+          </a:bodyPr>
+          <a:lstStyle/>
+          <a:p>
+            <a:r>
+              <a:rPr lang="en-US" sz="1600" dirty="0">
+                <a:latin typeface="Arial" panose="020B0604020202020204" pitchFamily="34" charset="0"/>
+                <a:cs typeface="Arial" panose="020B0604020202020204" pitchFamily="34" charset="0"/>
+              </a:rPr>
+              <a:t>(B)</a:t>
+            </a:r>
+          </a:p>
+        </p:txBody>
+      </p:sp>
+      <p:sp>
+        <p:nvSpPr>
+          <p:cNvPr id="199" name="TextBox 198">
+            <a:extLst>
+              <a:ext uri="{FF2B5EF4-FFF2-40B4-BE49-F238E27FC236}">
+                <a16:creationId xmlns:a16="http://schemas.microsoft.com/office/drawing/2014/main" id="{0DF745CF-7824-45CD-AAA9-9FC3A13FA2C8}"/>
+              </a:ext>
+            </a:extLst>
+          </p:cNvPr>
+          <p:cNvSpPr txBox="1"/>
+          <p:nvPr/>
+        </p:nvSpPr>
+        <p:spPr>
+          <a:xfrm>
+            <a:off x="556693" y="2500225"/>
+            <a:ext cx="1019856" cy="646331"/>
+          </a:xfrm>
+          <a:prstGeom prst="rect">
+            <a:avLst/>
+          </a:prstGeom>
+          <a:noFill/>
+        </p:spPr>
+        <p:txBody>
+          <a:bodyPr wrap="square" rtlCol="0">
+            <a:spAutoFit/>
+          </a:bodyPr>
+          <a:lstStyle/>
+          <a:p>
+            <a:pPr algn="ctr"/>
+            <a:r>
+              <a:rPr lang="en-US" sz="1200" dirty="0">
+                <a:latin typeface="Arial" panose="020B0604020202020204" pitchFamily="34" charset="0"/>
+                <a:cs typeface="Arial" panose="020B0604020202020204" pitchFamily="34" charset="0"/>
+              </a:rPr>
+              <a:t>Species abundance distribution</a:t>
+            </a:r>
+          </a:p>
+        </p:txBody>
+      </p:sp>
+      <p:sp>
+        <p:nvSpPr>
+          <p:cNvPr id="200" name="TextBox 199">
+            <a:extLst>
+              <a:ext uri="{FF2B5EF4-FFF2-40B4-BE49-F238E27FC236}">
+                <a16:creationId xmlns:a16="http://schemas.microsoft.com/office/drawing/2014/main" id="{5D718D59-1D12-4E72-A423-910A7F9B950B}"/>
+              </a:ext>
+            </a:extLst>
+          </p:cNvPr>
+          <p:cNvSpPr txBox="1"/>
+          <p:nvPr/>
+        </p:nvSpPr>
+        <p:spPr>
+          <a:xfrm>
+            <a:off x="568501" y="1398642"/>
+            <a:ext cx="942558" cy="461665"/>
+          </a:xfrm>
+          <a:prstGeom prst="rect">
+            <a:avLst/>
+          </a:prstGeom>
+          <a:noFill/>
+        </p:spPr>
+        <p:txBody>
+          <a:bodyPr wrap="square" rtlCol="0">
+            <a:spAutoFit/>
+          </a:bodyPr>
+          <a:lstStyle/>
+          <a:p>
+            <a:pPr algn="ctr"/>
+            <a:r>
+              <a:rPr lang="en-US" sz="1200" dirty="0">
+                <a:latin typeface="Arial" panose="020B0604020202020204" pitchFamily="34" charset="0"/>
+                <a:cs typeface="Arial" panose="020B0604020202020204" pitchFamily="34" charset="0"/>
+              </a:rPr>
+              <a:t>Number of individuals</a:t>
+            </a:r>
+          </a:p>
+        </p:txBody>
+      </p:sp>
+      <p:sp>
+        <p:nvSpPr>
+          <p:cNvPr id="201" name="TextBox 200">
+            <a:extLst>
+              <a:ext uri="{FF2B5EF4-FFF2-40B4-BE49-F238E27FC236}">
+                <a16:creationId xmlns:a16="http://schemas.microsoft.com/office/drawing/2014/main" id="{90990B04-1FE0-4377-B25C-7028CA34B2C2}"/>
+              </a:ext>
+            </a:extLst>
+          </p:cNvPr>
+          <p:cNvSpPr txBox="1"/>
+          <p:nvPr/>
+        </p:nvSpPr>
+        <p:spPr>
+          <a:xfrm>
+            <a:off x="505416" y="3735599"/>
+            <a:ext cx="1251199" cy="830997"/>
+          </a:xfrm>
+          <a:prstGeom prst="rect">
+            <a:avLst/>
+          </a:prstGeom>
+          <a:noFill/>
+        </p:spPr>
+        <p:txBody>
+          <a:bodyPr wrap="square" rtlCol="0">
+            <a:spAutoFit/>
+          </a:bodyPr>
+          <a:lstStyle/>
+          <a:p>
+            <a:pPr algn="ctr"/>
+            <a:r>
+              <a:rPr lang="en-US" sz="1200" dirty="0">
+                <a:latin typeface="Arial" panose="020B0604020202020204" pitchFamily="34" charset="0"/>
+                <a:cs typeface="Arial" panose="020B0604020202020204" pitchFamily="34" charset="0"/>
+              </a:rPr>
+              <a:t>Spatial arrangement of conspecific individuals</a:t>
+            </a:r>
+          </a:p>
+        </p:txBody>
+      </p:sp>
+      <p:sp>
+        <p:nvSpPr>
+          <p:cNvPr id="265" name="TextBox 264">
+            <a:extLst>
+              <a:ext uri="{FF2B5EF4-FFF2-40B4-BE49-F238E27FC236}">
+                <a16:creationId xmlns:a16="http://schemas.microsoft.com/office/drawing/2014/main" id="{D66D143A-B7AD-4E65-988C-FF3632B35B3E}"/>
+              </a:ext>
+            </a:extLst>
+          </p:cNvPr>
+          <p:cNvSpPr txBox="1"/>
+          <p:nvPr/>
+        </p:nvSpPr>
+        <p:spPr>
+          <a:xfrm>
+            <a:off x="5644947" y="3076354"/>
+            <a:ext cx="470000" cy="338554"/>
+          </a:xfrm>
+          <a:prstGeom prst="rect">
+            <a:avLst/>
+          </a:prstGeom>
+          <a:noFill/>
+        </p:spPr>
+        <p:txBody>
+          <a:bodyPr wrap="none" rtlCol="0">
+            <a:spAutoFit/>
+          </a:bodyPr>
+          <a:lstStyle/>
+          <a:p>
+            <a:r>
+              <a:rPr lang="en-US" sz="1600" dirty="0">
+                <a:latin typeface="Arial" panose="020B0604020202020204" pitchFamily="34" charset="0"/>
+                <a:cs typeface="Arial" panose="020B0604020202020204" pitchFamily="34" charset="0"/>
+              </a:rPr>
+              <a:t>(C)</a:t>
+            </a:r>
+          </a:p>
+        </p:txBody>
+      </p:sp>
+      <p:grpSp>
+        <p:nvGrpSpPr>
+          <p:cNvPr id="285" name="Group 284">
+            <a:extLst>
+              <a:ext uri="{FF2B5EF4-FFF2-40B4-BE49-F238E27FC236}">
+                <a16:creationId xmlns:a16="http://schemas.microsoft.com/office/drawing/2014/main" id="{0392CB22-316B-463F-B7AE-76C04EC16277}"/>
+              </a:ext>
+            </a:extLst>
+          </p:cNvPr>
+          <p:cNvGrpSpPr/>
+          <p:nvPr/>
+        </p:nvGrpSpPr>
+        <p:grpSpPr>
+          <a:xfrm>
+            <a:off x="1702092" y="3569555"/>
+            <a:ext cx="1199820" cy="1199820"/>
+            <a:chOff x="3856181" y="3570420"/>
+            <a:chExt cx="1199820" cy="1199820"/>
+          </a:xfrm>
+        </p:grpSpPr>
+        <p:grpSp>
+          <p:nvGrpSpPr>
+            <p:cNvPr id="286" name="Group 285">
+              <a:extLst>
+                <a:ext uri="{FF2B5EF4-FFF2-40B4-BE49-F238E27FC236}">
+                  <a16:creationId xmlns:a16="http://schemas.microsoft.com/office/drawing/2014/main" id="{A90146C3-1BA0-45DB-91FC-E5A436D870E1}"/>
+                </a:ext>
+              </a:extLst>
+            </p:cNvPr>
+            <p:cNvGrpSpPr/>
+            <p:nvPr/>
+          </p:nvGrpSpPr>
+          <p:grpSpPr>
+            <a:xfrm>
+              <a:off x="3856181" y="3570420"/>
+              <a:ext cx="1199820" cy="1199820"/>
+              <a:chOff x="2322719" y="717689"/>
+              <a:chExt cx="1199820" cy="1199820"/>
+            </a:xfrm>
+          </p:grpSpPr>
+          <p:sp>
+            <p:nvSpPr>
+              <p:cNvPr id="291" name="Rectangle 290">
+                <a:extLst>
+                  <a:ext uri="{FF2B5EF4-FFF2-40B4-BE49-F238E27FC236}">
+                    <a16:creationId xmlns:a16="http://schemas.microsoft.com/office/drawing/2014/main" id="{A8858074-6B8C-4D1C-91DA-C27922A42AF4}"/>
+                  </a:ext>
+                </a:extLst>
+              </p:cNvPr>
+              <p:cNvSpPr>
+                <a:spLocks noChangeAspect="1"/>
+              </p:cNvSpPr>
+              <p:nvPr/>
+            </p:nvSpPr>
+            <p:spPr>
+              <a:xfrm>
+                <a:off x="2322719" y="717689"/>
+                <a:ext cx="1199820" cy="1199820"/>
+              </a:xfrm>
+              <a:prstGeom prst="rect">
+                <a:avLst/>
+              </a:prstGeom>
+              <a:noFill/>
+              <a:ln w="19050">
+                <a:solidFill>
+                  <a:schemeClr val="tx1"/>
+                </a:solidFill>
+              </a:ln>
+            </p:spPr>
+            <p:style>
+              <a:lnRef idx="2">
+                <a:schemeClr val="accent6"/>
+              </a:lnRef>
+              <a:fillRef idx="1">
+                <a:schemeClr val="lt1"/>
+              </a:fillRef>
+              <a:effectRef idx="0">
+                <a:schemeClr val="accent6"/>
+              </a:effectRef>
+              <a:fontRef idx="minor">
+                <a:schemeClr val="dk1"/>
+              </a:fontRef>
+            </p:style>
+            <p:txBody>
+              <a:bodyPr rtlCol="0" anchor="ctr"/>
+              <a:lstStyle/>
+              <a:p>
+                <a:pPr algn="ctr"/>
+                <a:endParaRPr lang="en-US"/>
+              </a:p>
+            </p:txBody>
+          </p:sp>
+          <p:cxnSp>
+            <p:nvCxnSpPr>
+              <p:cNvPr id="292" name="Straight Connector 291">
+                <a:extLst>
+                  <a:ext uri="{FF2B5EF4-FFF2-40B4-BE49-F238E27FC236}">
+                    <a16:creationId xmlns:a16="http://schemas.microsoft.com/office/drawing/2014/main" id="{B127CA7A-1198-4195-927B-56D9A9F7D8CF}"/>
+                  </a:ext>
+                </a:extLst>
+              </p:cNvPr>
+              <p:cNvCxnSpPr>
+                <a:cxnSpLocks/>
+                <a:stCxn id="291" idx="0"/>
+                <a:endCxn id="291" idx="2"/>
+              </p:cNvCxnSpPr>
+              <p:nvPr/>
+            </p:nvCxnSpPr>
+            <p:spPr>
+              <a:xfrm>
+                <a:off x="2922629" y="717689"/>
+                <a:ext cx="0" cy="1199820"/>
+              </a:xfrm>
+              <a:prstGeom prst="line">
+                <a:avLst/>
+              </a:prstGeom>
+              <a:ln w="19050">
+                <a:solidFill>
+                  <a:schemeClr val="tx1"/>
+                </a:solidFill>
+              </a:ln>
+            </p:spPr>
+            <p:style>
+              <a:lnRef idx="1">
+                <a:schemeClr val="accent1"/>
+              </a:lnRef>
+              <a:fillRef idx="0">
+                <a:schemeClr val="accent1"/>
+              </a:fillRef>
+              <a:effectRef idx="0">
+                <a:schemeClr val="accent1"/>
+              </a:effectRef>
+              <a:fontRef idx="minor">
+                <a:schemeClr val="tx1"/>
+              </a:fontRef>
+            </p:style>
+          </p:cxnSp>
+          <p:cxnSp>
+            <p:nvCxnSpPr>
+              <p:cNvPr id="293" name="Straight Connector 292">
+                <a:extLst>
+                  <a:ext uri="{FF2B5EF4-FFF2-40B4-BE49-F238E27FC236}">
+                    <a16:creationId xmlns:a16="http://schemas.microsoft.com/office/drawing/2014/main" id="{324E27E4-8D7A-46E6-B454-F4EFE7D796CB}"/>
+                  </a:ext>
+                </a:extLst>
+              </p:cNvPr>
+              <p:cNvCxnSpPr>
+                <a:cxnSpLocks/>
+                <a:stCxn id="291" idx="1"/>
+                <a:endCxn id="291" idx="3"/>
+              </p:cNvCxnSpPr>
+              <p:nvPr/>
+            </p:nvCxnSpPr>
+            <p:spPr>
+              <a:xfrm>
+                <a:off x="2322719" y="1317599"/>
+                <a:ext cx="1199820" cy="0"/>
+              </a:xfrm>
+              <a:prstGeom prst="line">
+                <a:avLst/>
+              </a:prstGeom>
+              <a:ln w="19050">
+                <a:solidFill>
+                  <a:schemeClr val="tx1"/>
+                </a:solidFill>
+              </a:ln>
+            </p:spPr>
+            <p:style>
+              <a:lnRef idx="1">
+                <a:schemeClr val="accent1"/>
+              </a:lnRef>
+              <a:fillRef idx="0">
+                <a:schemeClr val="accent1"/>
+              </a:fillRef>
+              <a:effectRef idx="0">
+                <a:schemeClr val="accent1"/>
+              </a:effectRef>
+              <a:fontRef idx="minor">
+                <a:schemeClr val="tx1"/>
+              </a:fontRef>
+            </p:style>
+          </p:cxnSp>
+          <p:pic>
+            <p:nvPicPr>
+              <p:cNvPr id="294" name="Picture 293">
+                <a:extLst>
+                  <a:ext uri="{FF2B5EF4-FFF2-40B4-BE49-F238E27FC236}">
+                    <a16:creationId xmlns:a16="http://schemas.microsoft.com/office/drawing/2014/main" id="{690D0375-43DC-4E03-9305-A01A2B623A32}"/>
+                  </a:ext>
+                </a:extLst>
+              </p:cNvPr>
+              <p:cNvPicPr>
+                <a:picLocks noChangeAspect="1"/>
+              </p:cNvPicPr>
+              <p:nvPr/>
+            </p:nvPicPr>
+            <p:blipFill>
+              <a:blip r:embed="rId51" cstate="print">
+                <a:duotone>
+                  <a:schemeClr val="bg2">
+                    <a:shade val="45000"/>
+                    <a:satMod val="135000"/>
+                  </a:schemeClr>
+                  <a:prstClr val="white"/>
+                </a:duotone>
+                <a:extLst>
+                  <a:ext uri="{28A0092B-C50C-407E-A947-70E740481C1C}">
+                    <a14:useLocalDpi xmlns:a14="http://schemas.microsoft.com/office/drawing/2010/main" val="0"/>
+                  </a:ext>
+                </a:extLst>
+              </a:blip>
+              <a:stretch>
+                <a:fillRect/>
+              </a:stretch>
+            </p:blipFill>
+            <p:spPr>
+              <a:xfrm>
+                <a:off x="2348395" y="721374"/>
+                <a:ext cx="252182" cy="268850"/>
+              </a:xfrm>
+              <a:prstGeom prst="rect">
+                <a:avLst/>
+              </a:prstGeom>
+            </p:spPr>
+          </p:pic>
+          <p:pic>
+            <p:nvPicPr>
+              <p:cNvPr id="295" name="Picture 294">
+                <a:extLst>
+                  <a:ext uri="{FF2B5EF4-FFF2-40B4-BE49-F238E27FC236}">
+                    <a16:creationId xmlns:a16="http://schemas.microsoft.com/office/drawing/2014/main" id="{81D93E35-714A-4A2C-BE7F-11D266F31E95}"/>
+                  </a:ext>
+                </a:extLst>
+              </p:cNvPr>
+              <p:cNvPicPr>
+                <a:picLocks noChangeAspect="1"/>
+              </p:cNvPicPr>
+              <p:nvPr/>
+            </p:nvPicPr>
+            <p:blipFill>
+              <a:blip r:embed="rId52">
+                <a:duotone>
+                  <a:prstClr val="black"/>
+                  <a:schemeClr val="tx2">
+                    <a:tint val="45000"/>
+                    <a:satMod val="400000"/>
+                  </a:schemeClr>
+                </a:duotone>
+                <a:extLst>
+                  <a:ext uri="{28A0092B-C50C-407E-A947-70E740481C1C}">
+                    <a14:useLocalDpi xmlns:a14="http://schemas.microsoft.com/office/drawing/2010/main" val="0"/>
+                  </a:ext>
+                </a:extLst>
+              </a:blip>
+              <a:stretch>
+                <a:fillRect/>
+              </a:stretch>
+            </p:blipFill>
+            <p:spPr>
+              <a:xfrm>
+                <a:off x="2369573" y="1074958"/>
+                <a:ext cx="223221" cy="184945"/>
+              </a:xfrm>
+              <a:prstGeom prst="rect">
+                <a:avLst/>
+              </a:prstGeom>
+            </p:spPr>
+          </p:pic>
+          <p:pic>
+            <p:nvPicPr>
+              <p:cNvPr id="296" name="Picture 295">
+                <a:extLst>
+                  <a:ext uri="{FF2B5EF4-FFF2-40B4-BE49-F238E27FC236}">
+                    <a16:creationId xmlns:a16="http://schemas.microsoft.com/office/drawing/2014/main" id="{8B4715E1-9467-4F3D-BAEF-0DF66042DD83}"/>
+                  </a:ext>
+                </a:extLst>
+              </p:cNvPr>
+              <p:cNvPicPr>
+                <a:picLocks noChangeAspect="1"/>
+              </p:cNvPicPr>
+              <p:nvPr/>
+            </p:nvPicPr>
+            <p:blipFill>
+              <a:blip r:embed="rId53" cstate="print">
+                <a:duotone>
+                  <a:prstClr val="black"/>
+                  <a:schemeClr val="tx2">
+                    <a:tint val="45000"/>
+                    <a:satMod val="400000"/>
+                  </a:schemeClr>
+                </a:duotone>
+                <a:extLst>
+                  <a:ext uri="{BEBA8EAE-BF5A-486C-A8C5-ECC9F3942E4B}">
+                    <a14:imgProps xmlns:a14="http://schemas.microsoft.com/office/drawing/2010/main">
+                      <a14:imgLayer r:embed="rId54">
+                        <a14:imgEffect>
+                          <a14:saturation sat="0"/>
+                        </a14:imgEffect>
+                      </a14:imgLayer>
+                    </a14:imgProps>
+                  </a:ext>
+                  <a:ext uri="{28A0092B-C50C-407E-A947-70E740481C1C}">
+                    <a14:useLocalDpi xmlns:a14="http://schemas.microsoft.com/office/drawing/2010/main" val="0"/>
+                  </a:ext>
+                </a:extLst>
+              </a:blip>
+              <a:stretch>
+                <a:fillRect/>
+              </a:stretch>
+            </p:blipFill>
+            <p:spPr>
+              <a:xfrm flipH="1">
+                <a:off x="2369573" y="1702120"/>
+                <a:ext cx="231759" cy="152816"/>
+              </a:xfrm>
+              <a:prstGeom prst="rect">
+                <a:avLst/>
+              </a:prstGeom>
+            </p:spPr>
+          </p:pic>
+          <p:pic>
+            <p:nvPicPr>
+              <p:cNvPr id="297" name="Picture 296">
+                <a:extLst>
+                  <a:ext uri="{FF2B5EF4-FFF2-40B4-BE49-F238E27FC236}">
+                    <a16:creationId xmlns:a16="http://schemas.microsoft.com/office/drawing/2014/main" id="{E4CBF680-56FE-4717-9BD5-90F53E1A2DC0}"/>
+                  </a:ext>
+                </a:extLst>
+              </p:cNvPr>
+              <p:cNvPicPr>
+                <a:picLocks noChangeAspect="1"/>
+              </p:cNvPicPr>
+              <p:nvPr/>
+            </p:nvPicPr>
+            <p:blipFill>
+              <a:blip r:embed="rId51" cstate="print">
+                <a:duotone>
+                  <a:schemeClr val="bg2">
+                    <a:shade val="45000"/>
+                    <a:satMod val="135000"/>
+                  </a:schemeClr>
+                  <a:prstClr val="white"/>
+                </a:duotone>
+                <a:extLst>
+                  <a:ext uri="{28A0092B-C50C-407E-A947-70E740481C1C}">
+                    <a14:useLocalDpi xmlns:a14="http://schemas.microsoft.com/office/drawing/2010/main" val="0"/>
+                  </a:ext>
+                </a:extLst>
+              </a:blip>
+              <a:stretch>
+                <a:fillRect/>
+              </a:stretch>
+            </p:blipFill>
+            <p:spPr>
+              <a:xfrm>
+                <a:off x="3086069" y="1637600"/>
+                <a:ext cx="252182" cy="268850"/>
+              </a:xfrm>
+              <a:prstGeom prst="rect">
+                <a:avLst/>
+              </a:prstGeom>
+            </p:spPr>
+          </p:pic>
+          <p:pic>
+            <p:nvPicPr>
+              <p:cNvPr id="298" name="Picture 297">
+                <a:extLst>
+                  <a:ext uri="{FF2B5EF4-FFF2-40B4-BE49-F238E27FC236}">
+                    <a16:creationId xmlns:a16="http://schemas.microsoft.com/office/drawing/2014/main" id="{E5A0D3E2-B0C6-48EF-9A98-1449EFEA9CDC}"/>
+                  </a:ext>
+                </a:extLst>
+              </p:cNvPr>
+              <p:cNvPicPr>
+                <a:picLocks noChangeAspect="1"/>
+              </p:cNvPicPr>
+              <p:nvPr/>
+            </p:nvPicPr>
+            <p:blipFill>
+              <a:blip r:embed="rId52">
+                <a:duotone>
+                  <a:prstClr val="black"/>
+                  <a:schemeClr val="tx2">
+                    <a:tint val="45000"/>
+                    <a:satMod val="400000"/>
+                  </a:schemeClr>
+                </a:duotone>
+                <a:extLst>
+                  <a:ext uri="{28A0092B-C50C-407E-A947-70E740481C1C}">
+                    <a14:useLocalDpi xmlns:a14="http://schemas.microsoft.com/office/drawing/2010/main" val="0"/>
+                  </a:ext>
+                </a:extLst>
+              </a:blip>
+              <a:stretch>
+                <a:fillRect/>
+              </a:stretch>
+            </p:blipFill>
+            <p:spPr>
+              <a:xfrm>
+                <a:off x="2957371" y="1335384"/>
+                <a:ext cx="223221" cy="184945"/>
+              </a:xfrm>
+              <a:prstGeom prst="rect">
+                <a:avLst/>
+              </a:prstGeom>
+            </p:spPr>
+          </p:pic>
+          <p:pic>
+            <p:nvPicPr>
+              <p:cNvPr id="299" name="Picture 298">
+                <a:extLst>
+                  <a:ext uri="{FF2B5EF4-FFF2-40B4-BE49-F238E27FC236}">
+                    <a16:creationId xmlns:a16="http://schemas.microsoft.com/office/drawing/2014/main" id="{750F7391-D9C1-49FD-8741-B6F107841588}"/>
+                  </a:ext>
+                </a:extLst>
+              </p:cNvPr>
+              <p:cNvPicPr>
+                <a:picLocks noChangeAspect="1"/>
+              </p:cNvPicPr>
+              <p:nvPr/>
+            </p:nvPicPr>
+            <p:blipFill>
+              <a:blip r:embed="rId51" cstate="print">
+                <a:duotone>
+                  <a:schemeClr val="bg2">
+                    <a:shade val="45000"/>
+                    <a:satMod val="135000"/>
+                  </a:schemeClr>
+                  <a:prstClr val="white"/>
+                </a:duotone>
+                <a:extLst>
+                  <a:ext uri="{28A0092B-C50C-407E-A947-70E740481C1C}">
+                    <a14:useLocalDpi xmlns:a14="http://schemas.microsoft.com/office/drawing/2010/main" val="0"/>
+                  </a:ext>
+                </a:extLst>
+              </a:blip>
+              <a:stretch>
+                <a:fillRect/>
+              </a:stretch>
+            </p:blipFill>
+            <p:spPr>
+              <a:xfrm>
+                <a:off x="2961222" y="767185"/>
+                <a:ext cx="252182" cy="268850"/>
+              </a:xfrm>
+              <a:prstGeom prst="rect">
+                <a:avLst/>
+              </a:prstGeom>
+            </p:spPr>
+          </p:pic>
+          <p:pic>
+            <p:nvPicPr>
+              <p:cNvPr id="300" name="Picture 299">
+                <a:extLst>
+                  <a:ext uri="{FF2B5EF4-FFF2-40B4-BE49-F238E27FC236}">
+                    <a16:creationId xmlns:a16="http://schemas.microsoft.com/office/drawing/2014/main" id="{3936D90F-6D48-48ED-8CF5-6B8A9B2B7AB9}"/>
+                  </a:ext>
+                </a:extLst>
+              </p:cNvPr>
+              <p:cNvPicPr>
+                <a:picLocks noChangeAspect="1"/>
+              </p:cNvPicPr>
+              <p:nvPr/>
+            </p:nvPicPr>
+            <p:blipFill>
+              <a:blip r:embed="rId52">
+                <a:duotone>
+                  <a:prstClr val="black"/>
+                  <a:schemeClr val="tx2">
+                    <a:tint val="45000"/>
+                    <a:satMod val="400000"/>
+                  </a:schemeClr>
+                </a:duotone>
+                <a:extLst>
+                  <a:ext uri="{28A0092B-C50C-407E-A947-70E740481C1C}">
+                    <a14:useLocalDpi xmlns:a14="http://schemas.microsoft.com/office/drawing/2010/main" val="0"/>
+                  </a:ext>
+                </a:extLst>
+              </a:blip>
+              <a:stretch>
+                <a:fillRect/>
+              </a:stretch>
+            </p:blipFill>
+            <p:spPr>
+              <a:xfrm>
+                <a:off x="3142607" y="889089"/>
+                <a:ext cx="223221" cy="184945"/>
+              </a:xfrm>
+              <a:prstGeom prst="rect">
+                <a:avLst/>
+              </a:prstGeom>
+            </p:spPr>
+          </p:pic>
+          <p:pic>
+            <p:nvPicPr>
+              <p:cNvPr id="301" name="Picture 300">
+                <a:extLst>
+                  <a:ext uri="{FF2B5EF4-FFF2-40B4-BE49-F238E27FC236}">
+                    <a16:creationId xmlns:a16="http://schemas.microsoft.com/office/drawing/2014/main" id="{C27A9F61-8B9F-4BE6-9972-4706BE961B33}"/>
+                  </a:ext>
+                </a:extLst>
+              </p:cNvPr>
+              <p:cNvPicPr>
+                <a:picLocks noChangeAspect="1"/>
+              </p:cNvPicPr>
+              <p:nvPr/>
+            </p:nvPicPr>
+            <p:blipFill>
+              <a:blip r:embed="rId53" cstate="print">
+                <a:duotone>
+                  <a:prstClr val="black"/>
+                  <a:schemeClr val="tx2">
+                    <a:tint val="45000"/>
+                    <a:satMod val="400000"/>
+                  </a:schemeClr>
+                </a:duotone>
+                <a:extLst>
+                  <a:ext uri="{BEBA8EAE-BF5A-486C-A8C5-ECC9F3942E4B}">
+                    <a14:imgProps xmlns:a14="http://schemas.microsoft.com/office/drawing/2010/main">
+                      <a14:imgLayer r:embed="rId54">
+                        <a14:imgEffect>
+                          <a14:saturation sat="0"/>
+                        </a14:imgEffect>
+                      </a14:imgLayer>
+                    </a14:imgProps>
+                  </a:ext>
+                  <a:ext uri="{28A0092B-C50C-407E-A947-70E740481C1C}">
+                    <a14:useLocalDpi xmlns:a14="http://schemas.microsoft.com/office/drawing/2010/main" val="0"/>
+                  </a:ext>
+                </a:extLst>
+              </a:blip>
+              <a:stretch>
+                <a:fillRect/>
+              </a:stretch>
+            </p:blipFill>
+            <p:spPr>
+              <a:xfrm flipH="1">
+                <a:off x="3081622" y="1124491"/>
+                <a:ext cx="231759" cy="152816"/>
+              </a:xfrm>
+              <a:prstGeom prst="rect">
+                <a:avLst/>
+              </a:prstGeom>
+            </p:spPr>
+          </p:pic>
+        </p:grpSp>
+        <p:pic>
+          <p:nvPicPr>
+            <p:cNvPr id="287" name="Picture 286">
+              <a:extLst>
+                <a:ext uri="{FF2B5EF4-FFF2-40B4-BE49-F238E27FC236}">
+                  <a16:creationId xmlns:a16="http://schemas.microsoft.com/office/drawing/2014/main" id="{251B8E15-1996-4B85-BAFA-D73DD9CC47B3}"/>
+                </a:ext>
+              </a:extLst>
+            </p:cNvPr>
+            <p:cNvPicPr>
+              <a:picLocks noChangeAspect="1"/>
+            </p:cNvPicPr>
+            <p:nvPr/>
+          </p:nvPicPr>
+          <p:blipFill>
+            <a:blip r:embed="rId52">
+              <a:duotone>
+                <a:prstClr val="black"/>
+                <a:schemeClr val="tx2">
+                  <a:tint val="45000"/>
+                  <a:satMod val="400000"/>
+                </a:schemeClr>
+              </a:duotone>
+              <a:extLst>
+                <a:ext uri="{28A0092B-C50C-407E-A947-70E740481C1C}">
+                  <a14:useLocalDpi xmlns:a14="http://schemas.microsoft.com/office/drawing/2010/main" val="0"/>
+                </a:ext>
+              </a:extLst>
+            </a:blip>
+            <a:stretch>
+              <a:fillRect/>
+            </a:stretch>
+          </p:blipFill>
+          <p:spPr>
+            <a:xfrm>
+              <a:off x="4145985" y="3768007"/>
+              <a:ext cx="223221" cy="184945"/>
+            </a:xfrm>
+            <a:prstGeom prst="rect">
+              <a:avLst/>
+            </a:prstGeom>
+          </p:spPr>
+        </p:pic>
+        <p:pic>
+          <p:nvPicPr>
+            <p:cNvPr id="288" name="Picture 287">
+              <a:extLst>
+                <a:ext uri="{FF2B5EF4-FFF2-40B4-BE49-F238E27FC236}">
+                  <a16:creationId xmlns:a16="http://schemas.microsoft.com/office/drawing/2014/main" id="{A701DB8B-F11F-4BC3-A9DE-4145A79A1969}"/>
+                </a:ext>
+              </a:extLst>
+            </p:cNvPr>
+            <p:cNvPicPr>
+              <a:picLocks noChangeAspect="1"/>
+            </p:cNvPicPr>
+            <p:nvPr/>
+          </p:nvPicPr>
+          <p:blipFill>
+            <a:blip r:embed="rId51" cstate="print">
+              <a:duotone>
+                <a:schemeClr val="bg2">
+                  <a:shade val="45000"/>
+                  <a:satMod val="135000"/>
+                </a:schemeClr>
+                <a:prstClr val="white"/>
+              </a:duotone>
+              <a:extLst>
+                <a:ext uri="{28A0092B-C50C-407E-A947-70E740481C1C}">
+                  <a14:useLocalDpi xmlns:a14="http://schemas.microsoft.com/office/drawing/2010/main" val="0"/>
+                </a:ext>
+              </a:extLst>
+            </a:blip>
+            <a:stretch>
+              <a:fillRect/>
+            </a:stretch>
+          </p:blipFill>
+          <p:spPr>
+            <a:xfrm>
+              <a:off x="4780602" y="4253020"/>
+              <a:ext cx="252182" cy="268850"/>
+            </a:xfrm>
+            <a:prstGeom prst="rect">
+              <a:avLst/>
+            </a:prstGeom>
+          </p:spPr>
+        </p:pic>
+        <p:pic>
+          <p:nvPicPr>
+            <p:cNvPr id="289" name="Picture 288">
+              <a:extLst>
+                <a:ext uri="{FF2B5EF4-FFF2-40B4-BE49-F238E27FC236}">
+                  <a16:creationId xmlns:a16="http://schemas.microsoft.com/office/drawing/2014/main" id="{DD440ECA-DE33-45D8-BB55-420327B85F13}"/>
+                </a:ext>
+              </a:extLst>
+            </p:cNvPr>
+            <p:cNvPicPr>
+              <a:picLocks noChangeAspect="1"/>
+            </p:cNvPicPr>
+            <p:nvPr/>
+          </p:nvPicPr>
+          <p:blipFill>
+            <a:blip r:embed="rId53" cstate="print">
+              <a:duotone>
+                <a:prstClr val="black"/>
+                <a:schemeClr val="tx2">
+                  <a:tint val="45000"/>
+                  <a:satMod val="400000"/>
+                </a:schemeClr>
+              </a:duotone>
+              <a:extLst>
+                <a:ext uri="{BEBA8EAE-BF5A-486C-A8C5-ECC9F3942E4B}">
+                  <a14:imgProps xmlns:a14="http://schemas.microsoft.com/office/drawing/2010/main">
+                    <a14:imgLayer r:embed="rId54">
+                      <a14:imgEffect>
+                        <a14:saturation sat="0"/>
+                      </a14:imgEffect>
+                    </a14:imgLayer>
+                  </a14:imgProps>
+                </a:ext>
+                <a:ext uri="{28A0092B-C50C-407E-A947-70E740481C1C}">
+                  <a14:useLocalDpi xmlns:a14="http://schemas.microsoft.com/office/drawing/2010/main" val="0"/>
+                </a:ext>
+              </a:extLst>
+            </a:blip>
+            <a:stretch>
+              <a:fillRect/>
+            </a:stretch>
+          </p:blipFill>
+          <p:spPr>
+            <a:xfrm flipH="1">
+              <a:off x="3895817" y="4254901"/>
+              <a:ext cx="231759" cy="152816"/>
+            </a:xfrm>
+            <a:prstGeom prst="rect">
+              <a:avLst/>
+            </a:prstGeom>
+          </p:spPr>
+        </p:pic>
+        <p:pic>
+          <p:nvPicPr>
+            <p:cNvPr id="290" name="Picture 289">
+              <a:extLst>
+                <a:ext uri="{FF2B5EF4-FFF2-40B4-BE49-F238E27FC236}">
+                  <a16:creationId xmlns:a16="http://schemas.microsoft.com/office/drawing/2014/main" id="{3ACCCA65-CA88-4A01-B72B-2D314C91CC09}"/>
+                </a:ext>
+              </a:extLst>
+            </p:cNvPr>
+            <p:cNvPicPr>
+              <a:picLocks noChangeAspect="1"/>
+            </p:cNvPicPr>
+            <p:nvPr/>
+          </p:nvPicPr>
+          <p:blipFill>
+            <a:blip r:embed="rId53" cstate="print">
+              <a:duotone>
+                <a:prstClr val="black"/>
+                <a:schemeClr val="tx2">
+                  <a:tint val="45000"/>
+                  <a:satMod val="400000"/>
+                </a:schemeClr>
+              </a:duotone>
+              <a:extLst>
+                <a:ext uri="{BEBA8EAE-BF5A-486C-A8C5-ECC9F3942E4B}">
+                  <a14:imgProps xmlns:a14="http://schemas.microsoft.com/office/drawing/2010/main">
+                    <a14:imgLayer r:embed="rId54">
+                      <a14:imgEffect>
+                        <a14:saturation sat="0"/>
+                      </a14:imgEffect>
+                    </a14:imgLayer>
+                  </a14:imgProps>
+                </a:ext>
+                <a:ext uri="{28A0092B-C50C-407E-A947-70E740481C1C}">
+                  <a14:useLocalDpi xmlns:a14="http://schemas.microsoft.com/office/drawing/2010/main" val="0"/>
+                </a:ext>
+              </a:extLst>
+            </a:blip>
+            <a:stretch>
+              <a:fillRect/>
+            </a:stretch>
+          </p:blipFill>
+          <p:spPr>
+            <a:xfrm flipH="1">
+              <a:off x="4179349" y="4254901"/>
+              <a:ext cx="231759" cy="152816"/>
+            </a:xfrm>
+            <a:prstGeom prst="rect">
+              <a:avLst/>
+            </a:prstGeom>
+          </p:spPr>
+        </p:pic>
+      </p:grpSp>
+      <p:cxnSp>
+        <p:nvCxnSpPr>
+          <p:cNvPr id="8" name="Straight Connector 7">
+            <a:extLst>
+              <a:ext uri="{FF2B5EF4-FFF2-40B4-BE49-F238E27FC236}">
+                <a16:creationId xmlns:a16="http://schemas.microsoft.com/office/drawing/2014/main" id="{7FFD1641-1876-4E06-8B67-5EB3C175A429}"/>
+              </a:ext>
+            </a:extLst>
+          </p:cNvPr>
+          <p:cNvCxnSpPr>
+            <a:cxnSpLocks/>
+          </p:cNvCxnSpPr>
+          <p:nvPr/>
+        </p:nvCxnSpPr>
+        <p:spPr>
+          <a:xfrm flipH="1">
+            <a:off x="8497598" y="2709483"/>
+            <a:ext cx="797157" cy="701697"/>
+          </a:xfrm>
+          <a:prstGeom prst="line">
+            <a:avLst/>
+          </a:prstGeom>
+          <a:ln>
+            <a:solidFill>
+              <a:schemeClr val="tx1"/>
+            </a:solidFill>
+          </a:ln>
+        </p:spPr>
+        <p:style>
+          <a:lnRef idx="1">
+            <a:schemeClr val="accent1"/>
+          </a:lnRef>
+          <a:fillRef idx="0">
+            <a:schemeClr val="accent1"/>
+          </a:fillRef>
+          <a:effectRef idx="0">
+            <a:schemeClr val="accent1"/>
+          </a:effectRef>
+          <a:fontRef idx="minor">
+            <a:schemeClr val="tx1"/>
+          </a:fontRef>
+        </p:style>
+      </p:cxnSp>
+      <p:pic>
+        <p:nvPicPr>
+          <p:cNvPr id="14" name="Picture 13">
+            <a:extLst>
+              <a:ext uri="{FF2B5EF4-FFF2-40B4-BE49-F238E27FC236}">
+                <a16:creationId xmlns:a16="http://schemas.microsoft.com/office/drawing/2014/main" id="{CED214D5-5A83-4DD4-ADB2-1659A90C6E54}"/>
+              </a:ext>
+            </a:extLst>
+          </p:cNvPr>
+          <p:cNvPicPr>
+            <a:picLocks noChangeAspect="1"/>
+          </p:cNvPicPr>
+          <p:nvPr/>
+        </p:nvPicPr>
+        <p:blipFill>
+          <a:blip r:embed="rId55">
+            <a:extLst>
+              <a:ext uri="{BEBA8EAE-BF5A-486C-A8C5-ECC9F3942E4B}">
+                <a14:imgProps xmlns:a14="http://schemas.microsoft.com/office/drawing/2010/main">
+                  <a14:imgLayer r:embed="rId56">
+                    <a14:imgEffect>
+                      <a14:saturation sat="59000"/>
+                    </a14:imgEffect>
+                  </a14:imgLayer>
+                </a14:imgProps>
+              </a:ext>
+            </a:extLst>
+          </a:blip>
+          <a:stretch>
+            <a:fillRect/>
+          </a:stretch>
+        </p:blipFill>
+        <p:spPr>
+          <a:xfrm>
+            <a:off x="6254134" y="3441928"/>
+            <a:ext cx="4507766" cy="1836858"/>
+          </a:xfrm>
+          <a:prstGeom prst="rect">
+            <a:avLst/>
+          </a:prstGeom>
+        </p:spPr>
+      </p:pic>
+      <p:pic>
+        <p:nvPicPr>
+          <p:cNvPr id="20" name="Graphic 19" descr="Flag">
+            <a:extLst>
+              <a:ext uri="{FF2B5EF4-FFF2-40B4-BE49-F238E27FC236}">
+                <a16:creationId xmlns:a16="http://schemas.microsoft.com/office/drawing/2014/main" id="{C17C0477-B6F2-4433-92CC-1271AA73B54E}"/>
+              </a:ext>
+            </a:extLst>
+          </p:cNvPr>
+          <p:cNvPicPr>
+            <a:picLocks noChangeAspect="1"/>
+          </p:cNvPicPr>
+          <p:nvPr/>
+        </p:nvPicPr>
+        <p:blipFill>
+          <a:blip r:embed="rId57">
+            <a:extLst>
+              <a:ext uri="{28A0092B-C50C-407E-A947-70E740481C1C}">
+                <a14:useLocalDpi xmlns:a14="http://schemas.microsoft.com/office/drawing/2010/main" val="0"/>
+              </a:ext>
+              <a:ext uri="{96DAC541-7B7A-43D3-8B79-37D633B846F1}">
+                <asvg:svgBlip xmlns:asvg="http://schemas.microsoft.com/office/drawing/2016/SVG/main" r:embed="rId58"/>
+              </a:ext>
+            </a:extLst>
+          </a:blip>
+          <a:stretch>
+            <a:fillRect/>
+          </a:stretch>
+        </p:blipFill>
+        <p:spPr>
+          <a:xfrm>
+            <a:off x="6457732" y="3707449"/>
+            <a:ext cx="641622" cy="641622"/>
+          </a:xfrm>
+          <a:prstGeom prst="rect">
+            <a:avLst/>
+          </a:prstGeom>
+        </p:spPr>
+      </p:pic>
+      <p:sp>
+        <p:nvSpPr>
+          <p:cNvPr id="23" name="TextBox 22">
+            <a:extLst>
+              <a:ext uri="{FF2B5EF4-FFF2-40B4-BE49-F238E27FC236}">
+                <a16:creationId xmlns:a16="http://schemas.microsoft.com/office/drawing/2014/main" id="{CD5A6A4D-5B27-4700-8A35-915687CAAB1B}"/>
+              </a:ext>
+            </a:extLst>
+          </p:cNvPr>
+          <p:cNvSpPr txBox="1"/>
+          <p:nvPr/>
+        </p:nvSpPr>
+        <p:spPr>
+          <a:xfrm>
+            <a:off x="6602311" y="3734361"/>
+            <a:ext cx="497044" cy="261610"/>
+          </a:xfrm>
+          <a:prstGeom prst="rect">
+            <a:avLst/>
+          </a:prstGeom>
+          <a:noFill/>
+        </p:spPr>
+        <p:txBody>
+          <a:bodyPr wrap="square" rtlCol="0">
+            <a:spAutoFit/>
+          </a:bodyPr>
+          <a:lstStyle/>
+          <a:p>
+            <a:r>
+              <a:rPr lang="en-AU" sz="1100" dirty="0">
+                <a:solidFill>
+                  <a:schemeClr val="bg1"/>
+                </a:solidFill>
+              </a:rPr>
+              <a:t>0.13</a:t>
+            </a:r>
+            <a:endParaRPr lang="en-US" sz="1100" dirty="0">
+              <a:solidFill>
+                <a:schemeClr val="bg1"/>
+              </a:solidFill>
+            </a:endParaRPr>
+          </a:p>
+        </p:txBody>
+      </p:sp>
+      <p:pic>
+        <p:nvPicPr>
+          <p:cNvPr id="224" name="Graphic 223" descr="Flag">
+            <a:extLst>
+              <a:ext uri="{FF2B5EF4-FFF2-40B4-BE49-F238E27FC236}">
+                <a16:creationId xmlns:a16="http://schemas.microsoft.com/office/drawing/2014/main" id="{602963BC-1E91-42D2-9FBB-477AFB018541}"/>
+              </a:ext>
+            </a:extLst>
+          </p:cNvPr>
+          <p:cNvPicPr>
+            <a:picLocks noChangeAspect="1"/>
+          </p:cNvPicPr>
+          <p:nvPr/>
+        </p:nvPicPr>
+        <p:blipFill>
+          <a:blip r:embed="rId59">
+            <a:extLst>
+              <a:ext uri="{28A0092B-C50C-407E-A947-70E740481C1C}">
+                <a14:useLocalDpi xmlns:a14="http://schemas.microsoft.com/office/drawing/2010/main" val="0"/>
+              </a:ext>
+              <a:ext uri="{96DAC541-7B7A-43D3-8B79-37D633B846F1}">
+                <asvg:svgBlip xmlns:asvg="http://schemas.microsoft.com/office/drawing/2016/SVG/main" r:embed="rId60"/>
+              </a:ext>
+            </a:extLst>
+          </a:blip>
+          <a:stretch>
+            <a:fillRect/>
+          </a:stretch>
+        </p:blipFill>
+        <p:spPr>
+          <a:xfrm>
+            <a:off x="7407279" y="3707449"/>
+            <a:ext cx="641622" cy="641622"/>
+          </a:xfrm>
+          <a:prstGeom prst="rect">
+            <a:avLst/>
+          </a:prstGeom>
+        </p:spPr>
+      </p:pic>
+      <p:pic>
+        <p:nvPicPr>
+          <p:cNvPr id="225" name="Graphic 224" descr="Flag">
+            <a:extLst>
+              <a:ext uri="{FF2B5EF4-FFF2-40B4-BE49-F238E27FC236}">
+                <a16:creationId xmlns:a16="http://schemas.microsoft.com/office/drawing/2014/main" id="{AAE3C81D-0B3F-4532-8153-44A8AFEBDDC5}"/>
+              </a:ext>
+            </a:extLst>
+          </p:cNvPr>
+          <p:cNvPicPr>
+            <a:picLocks noChangeAspect="1"/>
+          </p:cNvPicPr>
+          <p:nvPr/>
+        </p:nvPicPr>
+        <p:blipFill>
+          <a:blip r:embed="rId61">
+            <a:extLst>
+              <a:ext uri="{28A0092B-C50C-407E-A947-70E740481C1C}">
+                <a14:useLocalDpi xmlns:a14="http://schemas.microsoft.com/office/drawing/2010/main" val="0"/>
+              </a:ext>
+              <a:ext uri="{96DAC541-7B7A-43D3-8B79-37D633B846F1}">
+                <asvg:svgBlip xmlns:asvg="http://schemas.microsoft.com/office/drawing/2016/SVG/main" r:embed="rId62"/>
+              </a:ext>
+            </a:extLst>
+          </a:blip>
+          <a:stretch>
+            <a:fillRect/>
+          </a:stretch>
+        </p:blipFill>
+        <p:spPr>
+          <a:xfrm>
+            <a:off x="8356825" y="3718735"/>
+            <a:ext cx="641622" cy="641622"/>
+          </a:xfrm>
+          <a:prstGeom prst="rect">
+            <a:avLst/>
+          </a:prstGeom>
+        </p:spPr>
+      </p:pic>
+      <p:pic>
+        <p:nvPicPr>
+          <p:cNvPr id="226" name="Graphic 225" descr="Flag">
+            <a:extLst>
+              <a:ext uri="{FF2B5EF4-FFF2-40B4-BE49-F238E27FC236}">
+                <a16:creationId xmlns:a16="http://schemas.microsoft.com/office/drawing/2014/main" id="{FCD232B0-E546-4A23-BE70-7AC1A13BB75F}"/>
+              </a:ext>
+            </a:extLst>
+          </p:cNvPr>
+          <p:cNvPicPr>
+            <a:picLocks noChangeAspect="1"/>
+          </p:cNvPicPr>
+          <p:nvPr/>
+        </p:nvPicPr>
+        <p:blipFill>
+          <a:blip r:embed="rId63">
+            <a:extLst>
+              <a:ext uri="{28A0092B-C50C-407E-A947-70E740481C1C}">
+                <a14:useLocalDpi xmlns:a14="http://schemas.microsoft.com/office/drawing/2010/main" val="0"/>
+              </a:ext>
+              <a:ext uri="{96DAC541-7B7A-43D3-8B79-37D633B846F1}">
+                <asvg:svgBlip xmlns:asvg="http://schemas.microsoft.com/office/drawing/2016/SVG/main" r:embed="rId64"/>
+              </a:ext>
+            </a:extLst>
+          </a:blip>
+          <a:stretch>
+            <a:fillRect/>
+          </a:stretch>
+        </p:blipFill>
+        <p:spPr>
+          <a:xfrm>
+            <a:off x="9356148" y="3739869"/>
+            <a:ext cx="641622" cy="641622"/>
+          </a:xfrm>
+          <a:prstGeom prst="rect">
+            <a:avLst/>
+          </a:prstGeom>
+        </p:spPr>
+      </p:pic>
+      <p:sp>
+        <p:nvSpPr>
+          <p:cNvPr id="227" name="TextBox 226">
+            <a:extLst>
+              <a:ext uri="{FF2B5EF4-FFF2-40B4-BE49-F238E27FC236}">
+                <a16:creationId xmlns:a16="http://schemas.microsoft.com/office/drawing/2014/main" id="{6A16631F-8B8B-4933-9C62-8FE35FDFC7E7}"/>
+              </a:ext>
+            </a:extLst>
+          </p:cNvPr>
+          <p:cNvSpPr txBox="1"/>
+          <p:nvPr/>
+        </p:nvSpPr>
+        <p:spPr>
+          <a:xfrm>
+            <a:off x="9497006" y="3788501"/>
+            <a:ext cx="497044" cy="261610"/>
+          </a:xfrm>
+          <a:prstGeom prst="rect">
+            <a:avLst/>
+          </a:prstGeom>
+          <a:noFill/>
+        </p:spPr>
+        <p:txBody>
+          <a:bodyPr wrap="square" rtlCol="0">
+            <a:spAutoFit/>
+          </a:bodyPr>
+          <a:lstStyle/>
+          <a:p>
+            <a:r>
+              <a:rPr lang="en-AU" sz="1100" dirty="0"/>
+              <a:t>0.94</a:t>
+            </a:r>
+            <a:endParaRPr lang="en-US" sz="1100" dirty="0"/>
+          </a:p>
+        </p:txBody>
+      </p:sp>
+      <p:sp>
+        <p:nvSpPr>
+          <p:cNvPr id="228" name="TextBox 227">
+            <a:extLst>
+              <a:ext uri="{FF2B5EF4-FFF2-40B4-BE49-F238E27FC236}">
+                <a16:creationId xmlns:a16="http://schemas.microsoft.com/office/drawing/2014/main" id="{3F5821C6-711E-448A-9F49-A066FA71F9C0}"/>
+              </a:ext>
+            </a:extLst>
+          </p:cNvPr>
+          <p:cNvSpPr txBox="1"/>
+          <p:nvPr/>
+        </p:nvSpPr>
+        <p:spPr>
+          <a:xfrm>
+            <a:off x="8497598" y="3753476"/>
+            <a:ext cx="497044" cy="261610"/>
+          </a:xfrm>
+          <a:prstGeom prst="rect">
+            <a:avLst/>
+          </a:prstGeom>
+          <a:noFill/>
+        </p:spPr>
+        <p:txBody>
+          <a:bodyPr wrap="square" rtlCol="0">
+            <a:spAutoFit/>
+          </a:bodyPr>
+          <a:lstStyle/>
+          <a:p>
+            <a:r>
+              <a:rPr lang="en-AU" sz="1100" dirty="0"/>
+              <a:t>0.81</a:t>
+            </a:r>
+            <a:endParaRPr lang="en-US" sz="1100" dirty="0"/>
+          </a:p>
+        </p:txBody>
+      </p:sp>
+      <p:sp>
+        <p:nvSpPr>
+          <p:cNvPr id="229" name="TextBox 228">
+            <a:extLst>
+              <a:ext uri="{FF2B5EF4-FFF2-40B4-BE49-F238E27FC236}">
+                <a16:creationId xmlns:a16="http://schemas.microsoft.com/office/drawing/2014/main" id="{B2739BE4-7AEE-4F20-8FE8-8CA1F25204C9}"/>
+              </a:ext>
+            </a:extLst>
+          </p:cNvPr>
+          <p:cNvSpPr txBox="1"/>
+          <p:nvPr/>
+        </p:nvSpPr>
+        <p:spPr>
+          <a:xfrm>
+            <a:off x="7552371" y="3753476"/>
+            <a:ext cx="497044" cy="261610"/>
+          </a:xfrm>
+          <a:prstGeom prst="rect">
+            <a:avLst/>
+          </a:prstGeom>
+          <a:noFill/>
+        </p:spPr>
+        <p:txBody>
+          <a:bodyPr wrap="square" rtlCol="0">
+            <a:spAutoFit/>
+          </a:bodyPr>
+          <a:lstStyle/>
+          <a:p>
+            <a:r>
+              <a:rPr lang="en-AU" sz="1100" dirty="0">
+                <a:solidFill>
+                  <a:schemeClr val="bg1"/>
+                </a:solidFill>
+              </a:rPr>
+              <a:t>0.27</a:t>
+            </a:r>
+            <a:endParaRPr lang="en-US" sz="1100" dirty="0">
+              <a:solidFill>
+                <a:schemeClr val="bg1"/>
+              </a:solidFill>
+            </a:endParaRPr>
+          </a:p>
+        </p:txBody>
+      </p:sp>
+      <p:sp>
+        <p:nvSpPr>
+          <p:cNvPr id="9" name="Star: 5 Points 8">
+            <a:extLst>
+              <a:ext uri="{FF2B5EF4-FFF2-40B4-BE49-F238E27FC236}">
+                <a16:creationId xmlns:a16="http://schemas.microsoft.com/office/drawing/2014/main" id="{EE0C7798-7A90-45D2-9A8F-63BD1BAA498F}"/>
+              </a:ext>
+            </a:extLst>
+          </p:cNvPr>
+          <p:cNvSpPr/>
+          <p:nvPr/>
+        </p:nvSpPr>
+        <p:spPr>
+          <a:xfrm>
+            <a:off x="9041849" y="2494473"/>
+            <a:ext cx="455157" cy="352316"/>
+          </a:xfrm>
+          <a:prstGeom prst="star5">
+            <a:avLst/>
+          </a:prstGeom>
+          <a:solidFill>
+            <a:srgbClr val="FFFF00"/>
+          </a:solidFill>
+          <a:ln>
+            <a:solidFill>
+              <a:srgbClr val="FFFF00"/>
+            </a:solidFill>
+          </a:ln>
+        </p:spPr>
+        <p:style>
+          <a:lnRef idx="2">
+            <a:schemeClr val="accent1">
+              <a:shade val="50000"/>
+            </a:schemeClr>
+          </a:lnRef>
+          <a:fillRef idx="1">
+            <a:schemeClr val="accent1"/>
+          </a:fillRef>
+          <a:effectRef idx="0">
+            <a:schemeClr val="accent1"/>
+          </a:effectRef>
+          <a:fontRef idx="minor">
+            <a:schemeClr val="lt1"/>
+          </a:fontRef>
+        </p:style>
+        <p:txBody>
+          <a:bodyPr rtlCol="0" anchor="ctr"/>
+          <a:lstStyle/>
+          <a:p>
+            <a:pPr algn="ctr"/>
+            <a:endParaRPr lang="en-US"/>
+          </a:p>
+        </p:txBody>
+      </p:sp>
+      <p:grpSp>
+        <p:nvGrpSpPr>
+          <p:cNvPr id="202" name="Group 201">
+            <a:extLst>
+              <a:ext uri="{FF2B5EF4-FFF2-40B4-BE49-F238E27FC236}">
+                <a16:creationId xmlns:a16="http://schemas.microsoft.com/office/drawing/2014/main" id="{20BED18D-9DC9-47AD-A933-BD88C71B98C1}"/>
+              </a:ext>
+            </a:extLst>
+          </p:cNvPr>
+          <p:cNvGrpSpPr/>
+          <p:nvPr/>
+        </p:nvGrpSpPr>
+        <p:grpSpPr>
+          <a:xfrm>
+            <a:off x="3017887" y="2225435"/>
+            <a:ext cx="1199820" cy="1199820"/>
+            <a:chOff x="2322719" y="717689"/>
+            <a:chExt cx="1199820" cy="1199820"/>
+          </a:xfrm>
+        </p:grpSpPr>
+        <p:sp>
+          <p:nvSpPr>
+            <p:cNvPr id="203" name="Rectangle 202">
+              <a:extLst>
+                <a:ext uri="{FF2B5EF4-FFF2-40B4-BE49-F238E27FC236}">
+                  <a16:creationId xmlns:a16="http://schemas.microsoft.com/office/drawing/2014/main" id="{8A0886C3-853E-4195-8F42-6E6C7D8A4414}"/>
+                </a:ext>
+              </a:extLst>
+            </p:cNvPr>
+            <p:cNvSpPr>
+              <a:spLocks noChangeAspect="1"/>
+            </p:cNvSpPr>
+            <p:nvPr/>
+          </p:nvSpPr>
+          <p:spPr>
+            <a:xfrm>
+              <a:off x="2322719" y="717689"/>
+              <a:ext cx="1199820" cy="1199820"/>
+            </a:xfrm>
+            <a:prstGeom prst="rect">
+              <a:avLst/>
+            </a:prstGeom>
+            <a:noFill/>
+            <a:ln w="19050">
+              <a:solidFill>
+                <a:schemeClr val="tx1"/>
+              </a:solidFill>
+            </a:ln>
+          </p:spPr>
+          <p:style>
+            <a:lnRef idx="2">
+              <a:schemeClr val="accent6"/>
+            </a:lnRef>
+            <a:fillRef idx="1">
+              <a:schemeClr val="lt1"/>
+            </a:fillRef>
+            <a:effectRef idx="0">
+              <a:schemeClr val="accent6"/>
+            </a:effectRef>
+            <a:fontRef idx="minor">
+              <a:schemeClr val="dk1"/>
+            </a:fontRef>
+          </p:style>
+          <p:txBody>
+            <a:bodyPr rtlCol="0" anchor="ctr"/>
+            <a:lstStyle/>
+            <a:p>
+              <a:pPr algn="ctr"/>
+              <a:endParaRPr lang="en-US"/>
+            </a:p>
+          </p:txBody>
+        </p:sp>
+        <p:cxnSp>
+          <p:nvCxnSpPr>
+            <p:cNvPr id="204" name="Straight Connector 203">
+              <a:extLst>
+                <a:ext uri="{FF2B5EF4-FFF2-40B4-BE49-F238E27FC236}">
+                  <a16:creationId xmlns:a16="http://schemas.microsoft.com/office/drawing/2014/main" id="{04B6D90E-DB26-4DD3-B12E-A965BD625353}"/>
+                </a:ext>
+              </a:extLst>
+            </p:cNvPr>
+            <p:cNvCxnSpPr>
+              <a:cxnSpLocks/>
+              <a:stCxn id="203" idx="0"/>
+              <a:endCxn id="203" idx="2"/>
+            </p:cNvCxnSpPr>
+            <p:nvPr/>
+          </p:nvCxnSpPr>
+          <p:spPr>
+            <a:xfrm>
+              <a:off x="2922629" y="717689"/>
+              <a:ext cx="0" cy="1199820"/>
+            </a:xfrm>
+            <a:prstGeom prst="line">
+              <a:avLst/>
+            </a:prstGeom>
+            <a:ln w="19050">
+              <a:solidFill>
+                <a:schemeClr val="tx1"/>
+              </a:solidFill>
+            </a:ln>
+          </p:spPr>
+          <p:style>
+            <a:lnRef idx="1">
+              <a:schemeClr val="accent1"/>
+            </a:lnRef>
+            <a:fillRef idx="0">
+              <a:schemeClr val="accent1"/>
+            </a:fillRef>
+            <a:effectRef idx="0">
+              <a:schemeClr val="accent1"/>
+            </a:effectRef>
+            <a:fontRef idx="minor">
+              <a:schemeClr val="tx1"/>
+            </a:fontRef>
+          </p:style>
+        </p:cxnSp>
+        <p:cxnSp>
+          <p:nvCxnSpPr>
+            <p:cNvPr id="205" name="Straight Connector 204">
+              <a:extLst>
+                <a:ext uri="{FF2B5EF4-FFF2-40B4-BE49-F238E27FC236}">
+                  <a16:creationId xmlns:a16="http://schemas.microsoft.com/office/drawing/2014/main" id="{B95540D0-591C-48A9-84A2-42E87B93D092}"/>
+                </a:ext>
+              </a:extLst>
+            </p:cNvPr>
+            <p:cNvCxnSpPr>
+              <a:cxnSpLocks/>
+              <a:stCxn id="203" idx="1"/>
+              <a:endCxn id="203" idx="3"/>
+            </p:cNvCxnSpPr>
+            <p:nvPr/>
+          </p:nvCxnSpPr>
+          <p:spPr>
+            <a:xfrm>
+              <a:off x="2322719" y="1317599"/>
+              <a:ext cx="1199820" cy="0"/>
+            </a:xfrm>
+            <a:prstGeom prst="line">
+              <a:avLst/>
+            </a:prstGeom>
+            <a:ln w="19050">
+              <a:solidFill>
+                <a:schemeClr val="tx1"/>
+              </a:solidFill>
+            </a:ln>
+          </p:spPr>
+          <p:style>
+            <a:lnRef idx="1">
+              <a:schemeClr val="accent1"/>
+            </a:lnRef>
+            <a:fillRef idx="0">
+              <a:schemeClr val="accent1"/>
+            </a:fillRef>
+            <a:effectRef idx="0">
+              <a:schemeClr val="accent1"/>
+            </a:effectRef>
+            <a:fontRef idx="minor">
+              <a:schemeClr val="tx1"/>
+            </a:fontRef>
+          </p:style>
+        </p:cxnSp>
+        <p:pic>
+          <p:nvPicPr>
+            <p:cNvPr id="206" name="Picture 205">
+              <a:extLst>
+                <a:ext uri="{FF2B5EF4-FFF2-40B4-BE49-F238E27FC236}">
+                  <a16:creationId xmlns:a16="http://schemas.microsoft.com/office/drawing/2014/main" id="{88D1F645-2166-4383-9B47-964F5B7A245B}"/>
+                </a:ext>
+              </a:extLst>
+            </p:cNvPr>
+            <p:cNvPicPr>
+              <a:picLocks noChangeAspect="1"/>
+            </p:cNvPicPr>
+            <p:nvPr/>
+          </p:nvPicPr>
+          <p:blipFill>
+            <a:blip r:embed="rId51" cstate="print">
+              <a:duotone>
+                <a:schemeClr val="bg2">
+                  <a:shade val="45000"/>
+                  <a:satMod val="135000"/>
+                </a:schemeClr>
+                <a:prstClr val="white"/>
+              </a:duotone>
+              <a:extLst>
+                <a:ext uri="{28A0092B-C50C-407E-A947-70E740481C1C}">
+                  <a14:useLocalDpi xmlns:a14="http://schemas.microsoft.com/office/drawing/2010/main" val="0"/>
+                </a:ext>
+              </a:extLst>
+            </a:blip>
+            <a:stretch>
+              <a:fillRect/>
+            </a:stretch>
+          </p:blipFill>
+          <p:spPr>
+            <a:xfrm>
+              <a:off x="2348395" y="721374"/>
+              <a:ext cx="252182" cy="268850"/>
+            </a:xfrm>
+            <a:prstGeom prst="rect">
+              <a:avLst/>
+            </a:prstGeom>
+          </p:spPr>
+        </p:pic>
+        <p:pic>
+          <p:nvPicPr>
+            <p:cNvPr id="207" name="Picture 206">
+              <a:extLst>
+                <a:ext uri="{FF2B5EF4-FFF2-40B4-BE49-F238E27FC236}">
+                  <a16:creationId xmlns:a16="http://schemas.microsoft.com/office/drawing/2014/main" id="{E0A84ADC-64C0-42E4-B61D-AB32AA588C50}"/>
+                </a:ext>
+              </a:extLst>
+            </p:cNvPr>
+            <p:cNvPicPr>
+              <a:picLocks noChangeAspect="1"/>
+            </p:cNvPicPr>
+            <p:nvPr/>
+          </p:nvPicPr>
+          <p:blipFill>
+            <a:blip r:embed="rId52">
+              <a:duotone>
+                <a:prstClr val="black"/>
+                <a:schemeClr val="tx2">
+                  <a:tint val="45000"/>
+                  <a:satMod val="400000"/>
+                </a:schemeClr>
+              </a:duotone>
+              <a:extLst>
+                <a:ext uri="{28A0092B-C50C-407E-A947-70E740481C1C}">
+                  <a14:useLocalDpi xmlns:a14="http://schemas.microsoft.com/office/drawing/2010/main" val="0"/>
+                </a:ext>
+              </a:extLst>
+            </a:blip>
+            <a:stretch>
+              <a:fillRect/>
+            </a:stretch>
+          </p:blipFill>
+          <p:spPr>
+            <a:xfrm>
+              <a:off x="2369573" y="1074958"/>
+              <a:ext cx="223221" cy="184945"/>
+            </a:xfrm>
+            <a:prstGeom prst="rect">
+              <a:avLst/>
+            </a:prstGeom>
+          </p:spPr>
+        </p:pic>
+        <p:pic>
+          <p:nvPicPr>
+            <p:cNvPr id="208" name="Picture 207">
+              <a:extLst>
+                <a:ext uri="{FF2B5EF4-FFF2-40B4-BE49-F238E27FC236}">
+                  <a16:creationId xmlns:a16="http://schemas.microsoft.com/office/drawing/2014/main" id="{C278B809-9D20-4D9D-B9C1-E56A7FD28CA5}"/>
+                </a:ext>
+              </a:extLst>
+            </p:cNvPr>
+            <p:cNvPicPr>
+              <a:picLocks noChangeAspect="1"/>
+            </p:cNvPicPr>
+            <p:nvPr/>
+          </p:nvPicPr>
+          <p:blipFill>
+            <a:blip r:embed="rId53" cstate="print">
+              <a:duotone>
+                <a:prstClr val="black"/>
+                <a:schemeClr val="bg1">
+                  <a:tint val="45000"/>
+                  <a:satMod val="400000"/>
+                </a:schemeClr>
+              </a:duotone>
+              <a:extLst>
+                <a:ext uri="{BEBA8EAE-BF5A-486C-A8C5-ECC9F3942E4B}">
+                  <a14:imgProps xmlns:a14="http://schemas.microsoft.com/office/drawing/2010/main">
+                    <a14:imgLayer r:embed="rId54">
+                      <a14:imgEffect>
+                        <a14:saturation sat="0"/>
+                      </a14:imgEffect>
+                    </a14:imgLayer>
+                  </a14:imgProps>
+                </a:ext>
+                <a:ext uri="{28A0092B-C50C-407E-A947-70E740481C1C}">
+                  <a14:useLocalDpi xmlns:a14="http://schemas.microsoft.com/office/drawing/2010/main" val="0"/>
+                </a:ext>
+              </a:extLst>
+            </a:blip>
+            <a:stretch>
+              <a:fillRect/>
+            </a:stretch>
+          </p:blipFill>
+          <p:spPr>
+            <a:xfrm flipH="1">
+              <a:off x="2673031" y="990223"/>
+              <a:ext cx="231759" cy="152816"/>
+            </a:xfrm>
+            <a:prstGeom prst="rect">
+              <a:avLst/>
+            </a:prstGeom>
+          </p:spPr>
+        </p:pic>
+        <p:pic>
+          <p:nvPicPr>
+            <p:cNvPr id="209" name="Picture 208">
+              <a:extLst>
+                <a:ext uri="{FF2B5EF4-FFF2-40B4-BE49-F238E27FC236}">
+                  <a16:creationId xmlns:a16="http://schemas.microsoft.com/office/drawing/2014/main" id="{0FE5A1E2-9B22-4A85-A45A-D231655AF61C}"/>
+                </a:ext>
+              </a:extLst>
+            </p:cNvPr>
+            <p:cNvPicPr>
+              <a:picLocks noChangeAspect="1"/>
+            </p:cNvPicPr>
+            <p:nvPr/>
+          </p:nvPicPr>
+          <p:blipFill>
+            <a:blip r:embed="rId51" cstate="print">
+              <a:duotone>
+                <a:schemeClr val="bg2">
+                  <a:shade val="45000"/>
+                  <a:satMod val="135000"/>
+                </a:schemeClr>
+                <a:prstClr val="white"/>
+              </a:duotone>
+              <a:extLst>
+                <a:ext uri="{28A0092B-C50C-407E-A947-70E740481C1C}">
+                  <a14:useLocalDpi xmlns:a14="http://schemas.microsoft.com/office/drawing/2010/main" val="0"/>
+                </a:ext>
+              </a:extLst>
+            </a:blip>
+            <a:stretch>
+              <a:fillRect/>
+            </a:stretch>
+          </p:blipFill>
+          <p:spPr>
+            <a:xfrm>
+              <a:off x="2348395" y="1334971"/>
+              <a:ext cx="252182" cy="268850"/>
+            </a:xfrm>
+            <a:prstGeom prst="rect">
+              <a:avLst/>
+            </a:prstGeom>
+          </p:spPr>
+        </p:pic>
+        <p:pic>
+          <p:nvPicPr>
+            <p:cNvPr id="210" name="Picture 209">
+              <a:extLst>
+                <a:ext uri="{FF2B5EF4-FFF2-40B4-BE49-F238E27FC236}">
+                  <a16:creationId xmlns:a16="http://schemas.microsoft.com/office/drawing/2014/main" id="{73E80674-C710-4107-A876-DE946DF09B49}"/>
+                </a:ext>
+              </a:extLst>
+            </p:cNvPr>
+            <p:cNvPicPr>
+              <a:picLocks noChangeAspect="1"/>
+            </p:cNvPicPr>
+            <p:nvPr/>
+          </p:nvPicPr>
+          <p:blipFill>
+            <a:blip r:embed="rId52">
+              <a:duotone>
+                <a:prstClr val="black"/>
+                <a:schemeClr val="tx2">
+                  <a:tint val="45000"/>
+                  <a:satMod val="400000"/>
+                </a:schemeClr>
+              </a:duotone>
+              <a:extLst>
+                <a:ext uri="{28A0092B-C50C-407E-A947-70E740481C1C}">
+                  <a14:useLocalDpi xmlns:a14="http://schemas.microsoft.com/office/drawing/2010/main" val="0"/>
+                </a:ext>
+              </a:extLst>
+            </a:blip>
+            <a:stretch>
+              <a:fillRect/>
+            </a:stretch>
+          </p:blipFill>
+          <p:spPr>
+            <a:xfrm>
+              <a:off x="2583103" y="1386106"/>
+              <a:ext cx="223221" cy="184945"/>
+            </a:xfrm>
+            <a:prstGeom prst="rect">
+              <a:avLst/>
+            </a:prstGeom>
+          </p:spPr>
+        </p:pic>
+        <p:pic>
+          <p:nvPicPr>
+            <p:cNvPr id="211" name="Picture 210">
+              <a:extLst>
+                <a:ext uri="{FF2B5EF4-FFF2-40B4-BE49-F238E27FC236}">
+                  <a16:creationId xmlns:a16="http://schemas.microsoft.com/office/drawing/2014/main" id="{3764D136-F592-4B65-83ED-F9F7E89C5299}"/>
+                </a:ext>
+              </a:extLst>
+            </p:cNvPr>
+            <p:cNvPicPr>
+              <a:picLocks noChangeAspect="1"/>
+            </p:cNvPicPr>
+            <p:nvPr/>
+          </p:nvPicPr>
+          <p:blipFill>
+            <a:blip r:embed="rId53" cstate="print">
+              <a:duotone>
+                <a:prstClr val="black"/>
+                <a:schemeClr val="bg2">
+                  <a:lumMod val="75000"/>
+                  <a:tint val="45000"/>
+                  <a:satMod val="400000"/>
+                </a:schemeClr>
+              </a:duotone>
+              <a:extLst>
+                <a:ext uri="{BEBA8EAE-BF5A-486C-A8C5-ECC9F3942E4B}">
+                  <a14:imgProps xmlns:a14="http://schemas.microsoft.com/office/drawing/2010/main">
+                    <a14:imgLayer r:embed="rId54">
+                      <a14:imgEffect>
+                        <a14:saturation sat="0"/>
+                      </a14:imgEffect>
+                    </a14:imgLayer>
+                  </a14:imgProps>
+                </a:ext>
+                <a:ext uri="{28A0092B-C50C-407E-A947-70E740481C1C}">
+                  <a14:useLocalDpi xmlns:a14="http://schemas.microsoft.com/office/drawing/2010/main" val="0"/>
+                </a:ext>
+              </a:extLst>
+            </a:blip>
+            <a:stretch>
+              <a:fillRect/>
+            </a:stretch>
+          </p:blipFill>
+          <p:spPr>
+            <a:xfrm flipH="1">
+              <a:off x="2369573" y="1702120"/>
+              <a:ext cx="231759" cy="152816"/>
+            </a:xfrm>
+            <a:prstGeom prst="rect">
+              <a:avLst/>
+            </a:prstGeom>
+          </p:spPr>
+        </p:pic>
+        <p:pic>
+          <p:nvPicPr>
+            <p:cNvPr id="212" name="Picture 211">
+              <a:extLst>
+                <a:ext uri="{FF2B5EF4-FFF2-40B4-BE49-F238E27FC236}">
+                  <a16:creationId xmlns:a16="http://schemas.microsoft.com/office/drawing/2014/main" id="{A8D8A362-7F21-487E-A4CF-5AC2D9B6FEAF}"/>
+                </a:ext>
+              </a:extLst>
+            </p:cNvPr>
+            <p:cNvPicPr>
+              <a:picLocks noChangeAspect="1"/>
+            </p:cNvPicPr>
+            <p:nvPr/>
+          </p:nvPicPr>
+          <p:blipFill>
+            <a:blip r:embed="rId51" cstate="print">
+              <a:duotone>
+                <a:schemeClr val="bg2">
+                  <a:shade val="45000"/>
+                  <a:satMod val="135000"/>
+                </a:schemeClr>
+                <a:prstClr val="white"/>
+              </a:duotone>
+              <a:extLst>
+                <a:ext uri="{28A0092B-C50C-407E-A947-70E740481C1C}">
+                  <a14:useLocalDpi xmlns:a14="http://schemas.microsoft.com/office/drawing/2010/main" val="0"/>
+                </a:ext>
+              </a:extLst>
+            </a:blip>
+            <a:stretch>
+              <a:fillRect/>
+            </a:stretch>
+          </p:blipFill>
+          <p:spPr>
+            <a:xfrm>
+              <a:off x="3086069" y="1637600"/>
+              <a:ext cx="252182" cy="268850"/>
+            </a:xfrm>
+            <a:prstGeom prst="rect">
+              <a:avLst/>
+            </a:prstGeom>
+          </p:spPr>
+        </p:pic>
+        <p:pic>
+          <p:nvPicPr>
+            <p:cNvPr id="213" name="Picture 212">
+              <a:extLst>
+                <a:ext uri="{FF2B5EF4-FFF2-40B4-BE49-F238E27FC236}">
+                  <a16:creationId xmlns:a16="http://schemas.microsoft.com/office/drawing/2014/main" id="{CEE4E890-982B-4DBE-8CE7-E6664B0B3CC5}"/>
+                </a:ext>
+              </a:extLst>
+            </p:cNvPr>
+            <p:cNvPicPr>
+              <a:picLocks noChangeAspect="1"/>
+            </p:cNvPicPr>
+            <p:nvPr/>
+          </p:nvPicPr>
+          <p:blipFill>
+            <a:blip r:embed="rId52">
+              <a:duotone>
+                <a:prstClr val="black"/>
+                <a:schemeClr val="tx2">
+                  <a:tint val="45000"/>
+                  <a:satMod val="400000"/>
+                </a:schemeClr>
+              </a:duotone>
+              <a:extLst>
+                <a:ext uri="{28A0092B-C50C-407E-A947-70E740481C1C}">
+                  <a14:useLocalDpi xmlns:a14="http://schemas.microsoft.com/office/drawing/2010/main" val="0"/>
+                </a:ext>
+              </a:extLst>
+            </a:blip>
+            <a:stretch>
+              <a:fillRect/>
+            </a:stretch>
+          </p:blipFill>
+          <p:spPr>
+            <a:xfrm>
+              <a:off x="2957371" y="1335384"/>
+              <a:ext cx="223221" cy="184945"/>
+            </a:xfrm>
+            <a:prstGeom prst="rect">
+              <a:avLst/>
+            </a:prstGeom>
+          </p:spPr>
+        </p:pic>
+        <p:pic>
+          <p:nvPicPr>
+            <p:cNvPr id="214" name="Picture 213">
+              <a:extLst>
+                <a:ext uri="{FF2B5EF4-FFF2-40B4-BE49-F238E27FC236}">
+                  <a16:creationId xmlns:a16="http://schemas.microsoft.com/office/drawing/2014/main" id="{DECAF91E-1469-4574-8832-876ED9319DBA}"/>
+                </a:ext>
+              </a:extLst>
+            </p:cNvPr>
+            <p:cNvPicPr>
+              <a:picLocks noChangeAspect="1"/>
+            </p:cNvPicPr>
+            <p:nvPr/>
+          </p:nvPicPr>
+          <p:blipFill>
+            <a:blip r:embed="rId53" cstate="print">
+              <a:duotone>
+                <a:prstClr val="black"/>
+                <a:schemeClr val="bg1">
+                  <a:tint val="45000"/>
+                  <a:satMod val="400000"/>
+                </a:schemeClr>
+              </a:duotone>
+              <a:extLst>
+                <a:ext uri="{BEBA8EAE-BF5A-486C-A8C5-ECC9F3942E4B}">
+                  <a14:imgProps xmlns:a14="http://schemas.microsoft.com/office/drawing/2010/main">
+                    <a14:imgLayer r:embed="rId54">
+                      <a14:imgEffect>
+                        <a14:saturation sat="0"/>
+                      </a14:imgEffect>
+                    </a14:imgLayer>
+                  </a14:imgProps>
+                </a:ext>
+                <a:ext uri="{28A0092B-C50C-407E-A947-70E740481C1C}">
+                  <a14:useLocalDpi xmlns:a14="http://schemas.microsoft.com/office/drawing/2010/main" val="0"/>
+                </a:ext>
+              </a:extLst>
+            </a:blip>
+            <a:stretch>
+              <a:fillRect/>
+            </a:stretch>
+          </p:blipFill>
+          <p:spPr>
+            <a:xfrm flipH="1">
+              <a:off x="3259787" y="1385125"/>
+              <a:ext cx="231759" cy="152816"/>
+            </a:xfrm>
+            <a:prstGeom prst="rect">
+              <a:avLst/>
+            </a:prstGeom>
+          </p:spPr>
+        </p:pic>
+        <p:pic>
+          <p:nvPicPr>
+            <p:cNvPr id="215" name="Picture 214">
+              <a:extLst>
+                <a:ext uri="{FF2B5EF4-FFF2-40B4-BE49-F238E27FC236}">
+                  <a16:creationId xmlns:a16="http://schemas.microsoft.com/office/drawing/2014/main" id="{B1AD45C4-ACDF-4F32-8AF3-83CDA27C72CF}"/>
+                </a:ext>
+              </a:extLst>
+            </p:cNvPr>
+            <p:cNvPicPr>
+              <a:picLocks noChangeAspect="1"/>
+            </p:cNvPicPr>
+            <p:nvPr/>
+          </p:nvPicPr>
+          <p:blipFill>
+            <a:blip r:embed="rId51" cstate="print">
+              <a:duotone>
+                <a:schemeClr val="bg2">
+                  <a:shade val="45000"/>
+                  <a:satMod val="135000"/>
+                </a:schemeClr>
+                <a:prstClr val="white"/>
+              </a:duotone>
+              <a:extLst>
+                <a:ext uri="{28A0092B-C50C-407E-A947-70E740481C1C}">
+                  <a14:useLocalDpi xmlns:a14="http://schemas.microsoft.com/office/drawing/2010/main" val="0"/>
+                </a:ext>
+              </a:extLst>
+            </a:blip>
+            <a:stretch>
+              <a:fillRect/>
+            </a:stretch>
+          </p:blipFill>
+          <p:spPr>
+            <a:xfrm>
+              <a:off x="2961222" y="767185"/>
+              <a:ext cx="252182" cy="268850"/>
+            </a:xfrm>
+            <a:prstGeom prst="rect">
+              <a:avLst/>
+            </a:prstGeom>
+          </p:spPr>
+        </p:pic>
+        <p:pic>
+          <p:nvPicPr>
+            <p:cNvPr id="216" name="Picture 215">
+              <a:extLst>
+                <a:ext uri="{FF2B5EF4-FFF2-40B4-BE49-F238E27FC236}">
+                  <a16:creationId xmlns:a16="http://schemas.microsoft.com/office/drawing/2014/main" id="{46424CCE-7F8D-4FED-A6DB-8DC6C8775928}"/>
+                </a:ext>
+              </a:extLst>
+            </p:cNvPr>
+            <p:cNvPicPr>
+              <a:picLocks noChangeAspect="1"/>
+            </p:cNvPicPr>
+            <p:nvPr/>
+          </p:nvPicPr>
+          <p:blipFill>
+            <a:blip r:embed="rId52">
+              <a:duotone>
+                <a:prstClr val="black"/>
+                <a:schemeClr val="tx2">
+                  <a:tint val="45000"/>
+                  <a:satMod val="400000"/>
+                </a:schemeClr>
+              </a:duotone>
+              <a:extLst>
+                <a:ext uri="{28A0092B-C50C-407E-A947-70E740481C1C}">
+                  <a14:useLocalDpi xmlns:a14="http://schemas.microsoft.com/office/drawing/2010/main" val="0"/>
+                </a:ext>
+              </a:extLst>
+            </a:blip>
+            <a:stretch>
+              <a:fillRect/>
+            </a:stretch>
+          </p:blipFill>
+          <p:spPr>
+            <a:xfrm>
+              <a:off x="3142607" y="889089"/>
+              <a:ext cx="223221" cy="184945"/>
+            </a:xfrm>
+            <a:prstGeom prst="rect">
+              <a:avLst/>
+            </a:prstGeom>
+          </p:spPr>
+        </p:pic>
+        <p:pic>
+          <p:nvPicPr>
+            <p:cNvPr id="217" name="Picture 216">
+              <a:extLst>
+                <a:ext uri="{FF2B5EF4-FFF2-40B4-BE49-F238E27FC236}">
+                  <a16:creationId xmlns:a16="http://schemas.microsoft.com/office/drawing/2014/main" id="{088CD3A4-6F15-4AAB-AD85-27F0AE7FA107}"/>
+                </a:ext>
+              </a:extLst>
+            </p:cNvPr>
+            <p:cNvPicPr>
+              <a:picLocks noChangeAspect="1"/>
+            </p:cNvPicPr>
+            <p:nvPr/>
+          </p:nvPicPr>
+          <p:blipFill>
+            <a:blip r:embed="rId53" cstate="print">
+              <a:duotone>
+                <a:prstClr val="black"/>
+                <a:schemeClr val="bg1">
+                  <a:tint val="45000"/>
+                  <a:satMod val="400000"/>
+                </a:schemeClr>
+              </a:duotone>
+              <a:extLst>
+                <a:ext uri="{BEBA8EAE-BF5A-486C-A8C5-ECC9F3942E4B}">
+                  <a14:imgProps xmlns:a14="http://schemas.microsoft.com/office/drawing/2010/main">
+                    <a14:imgLayer r:embed="rId54">
+                      <a14:imgEffect>
+                        <a14:saturation sat="0"/>
+                      </a14:imgEffect>
+                    </a14:imgLayer>
+                  </a14:imgProps>
+                </a:ext>
+                <a:ext uri="{28A0092B-C50C-407E-A947-70E740481C1C}">
+                  <a14:useLocalDpi xmlns:a14="http://schemas.microsoft.com/office/drawing/2010/main" val="0"/>
+                </a:ext>
+              </a:extLst>
+            </a:blip>
+            <a:stretch>
+              <a:fillRect/>
+            </a:stretch>
+          </p:blipFill>
+          <p:spPr>
+            <a:xfrm flipH="1">
+              <a:off x="3081622" y="1124491"/>
+              <a:ext cx="231759" cy="152816"/>
+            </a:xfrm>
+            <a:prstGeom prst="rect">
+              <a:avLst/>
+            </a:prstGeom>
+          </p:spPr>
+        </p:pic>
+      </p:grpSp>
+      <p:grpSp>
+        <p:nvGrpSpPr>
+          <p:cNvPr id="218" name="Group 217">
+            <a:extLst>
+              <a:ext uri="{FF2B5EF4-FFF2-40B4-BE49-F238E27FC236}">
+                <a16:creationId xmlns:a16="http://schemas.microsoft.com/office/drawing/2014/main" id="{4601FE65-A521-460D-91EC-FD636D7CB40F}"/>
+              </a:ext>
+            </a:extLst>
+          </p:cNvPr>
+          <p:cNvGrpSpPr/>
+          <p:nvPr/>
+        </p:nvGrpSpPr>
+        <p:grpSpPr>
+          <a:xfrm>
+            <a:off x="1706796" y="2227528"/>
+            <a:ext cx="1199820" cy="1199820"/>
+            <a:chOff x="3856181" y="903444"/>
+            <a:chExt cx="1199820" cy="1199820"/>
+          </a:xfrm>
+        </p:grpSpPr>
+        <p:grpSp>
+          <p:nvGrpSpPr>
+            <p:cNvPr id="219" name="Group 218">
+              <a:extLst>
+                <a:ext uri="{FF2B5EF4-FFF2-40B4-BE49-F238E27FC236}">
+                  <a16:creationId xmlns:a16="http://schemas.microsoft.com/office/drawing/2014/main" id="{884E58CA-F5E2-46AC-906D-34B5F2DF8B10}"/>
+                </a:ext>
+              </a:extLst>
+            </p:cNvPr>
+            <p:cNvGrpSpPr/>
+            <p:nvPr/>
+          </p:nvGrpSpPr>
+          <p:grpSpPr>
+            <a:xfrm>
+              <a:off x="3856181" y="903444"/>
+              <a:ext cx="1199820" cy="1199820"/>
+              <a:chOff x="2322719" y="717689"/>
+              <a:chExt cx="1199820" cy="1199820"/>
+            </a:xfrm>
+          </p:grpSpPr>
+          <p:sp>
+            <p:nvSpPr>
+              <p:cNvPr id="230" name="Rectangle 229">
+                <a:extLst>
+                  <a:ext uri="{FF2B5EF4-FFF2-40B4-BE49-F238E27FC236}">
+                    <a16:creationId xmlns:a16="http://schemas.microsoft.com/office/drawing/2014/main" id="{5683A99D-5751-4F24-8929-C1489D2372F5}"/>
+                  </a:ext>
+                </a:extLst>
+              </p:cNvPr>
+              <p:cNvSpPr>
+                <a:spLocks noChangeAspect="1"/>
+              </p:cNvSpPr>
+              <p:nvPr/>
+            </p:nvSpPr>
+            <p:spPr>
+              <a:xfrm>
+                <a:off x="2322719" y="717689"/>
+                <a:ext cx="1199820" cy="1199820"/>
+              </a:xfrm>
+              <a:prstGeom prst="rect">
+                <a:avLst/>
+              </a:prstGeom>
+              <a:noFill/>
+              <a:ln w="19050">
+                <a:solidFill>
+                  <a:schemeClr val="tx1"/>
+                </a:solidFill>
+              </a:ln>
+            </p:spPr>
+            <p:style>
+              <a:lnRef idx="2">
+                <a:schemeClr val="accent6"/>
+              </a:lnRef>
+              <a:fillRef idx="1">
+                <a:schemeClr val="lt1"/>
+              </a:fillRef>
+              <a:effectRef idx="0">
+                <a:schemeClr val="accent6"/>
+              </a:effectRef>
+              <a:fontRef idx="minor">
+                <a:schemeClr val="dk1"/>
+              </a:fontRef>
+            </p:style>
+            <p:txBody>
+              <a:bodyPr rtlCol="0" anchor="ctr"/>
+              <a:lstStyle/>
+              <a:p>
+                <a:pPr algn="ctr"/>
+                <a:endParaRPr lang="en-US"/>
+              </a:p>
+            </p:txBody>
+          </p:sp>
+          <p:cxnSp>
+            <p:nvCxnSpPr>
+              <p:cNvPr id="231" name="Straight Connector 230">
+                <a:extLst>
+                  <a:ext uri="{FF2B5EF4-FFF2-40B4-BE49-F238E27FC236}">
+                    <a16:creationId xmlns:a16="http://schemas.microsoft.com/office/drawing/2014/main" id="{E77F634B-BFCB-4BE4-822B-2B9130A9A424}"/>
+                  </a:ext>
+                </a:extLst>
+              </p:cNvPr>
+              <p:cNvCxnSpPr>
+                <a:cxnSpLocks/>
+                <a:stCxn id="230" idx="0"/>
+                <a:endCxn id="230" idx="2"/>
+              </p:cNvCxnSpPr>
+              <p:nvPr/>
+            </p:nvCxnSpPr>
+            <p:spPr>
+              <a:xfrm>
+                <a:off x="2922629" y="717689"/>
+                <a:ext cx="0" cy="1199820"/>
+              </a:xfrm>
+              <a:prstGeom prst="line">
+                <a:avLst/>
+              </a:prstGeom>
+              <a:ln w="19050">
+                <a:solidFill>
+                  <a:schemeClr val="tx1"/>
+                </a:solidFill>
+              </a:ln>
+            </p:spPr>
+            <p:style>
+              <a:lnRef idx="1">
+                <a:schemeClr val="accent1"/>
+              </a:lnRef>
+              <a:fillRef idx="0">
+                <a:schemeClr val="accent1"/>
+              </a:fillRef>
+              <a:effectRef idx="0">
+                <a:schemeClr val="accent1"/>
+              </a:effectRef>
+              <a:fontRef idx="minor">
+                <a:schemeClr val="tx1"/>
+              </a:fontRef>
+            </p:style>
+          </p:cxnSp>
+          <p:cxnSp>
+            <p:nvCxnSpPr>
+              <p:cNvPr id="232" name="Straight Connector 231">
+                <a:extLst>
+                  <a:ext uri="{FF2B5EF4-FFF2-40B4-BE49-F238E27FC236}">
+                    <a16:creationId xmlns:a16="http://schemas.microsoft.com/office/drawing/2014/main" id="{A1FB2026-09C7-4598-BB82-4F62B0D8E3DB}"/>
+                  </a:ext>
+                </a:extLst>
+              </p:cNvPr>
+              <p:cNvCxnSpPr>
+                <a:cxnSpLocks/>
+                <a:stCxn id="230" idx="1"/>
+                <a:endCxn id="230" idx="3"/>
+              </p:cNvCxnSpPr>
+              <p:nvPr/>
+            </p:nvCxnSpPr>
+            <p:spPr>
+              <a:xfrm>
+                <a:off x="2322719" y="1317599"/>
+                <a:ext cx="1199820" cy="0"/>
+              </a:xfrm>
+              <a:prstGeom prst="line">
+                <a:avLst/>
+              </a:prstGeom>
+              <a:ln w="19050">
+                <a:solidFill>
+                  <a:schemeClr val="tx1"/>
+                </a:solidFill>
+              </a:ln>
+            </p:spPr>
+            <p:style>
+              <a:lnRef idx="1">
+                <a:schemeClr val="accent1"/>
+              </a:lnRef>
+              <a:fillRef idx="0">
+                <a:schemeClr val="accent1"/>
+              </a:fillRef>
+              <a:effectRef idx="0">
+                <a:schemeClr val="accent1"/>
+              </a:effectRef>
+              <a:fontRef idx="minor">
+                <a:schemeClr val="tx1"/>
+              </a:fontRef>
+            </p:style>
+          </p:cxnSp>
+          <p:pic>
+            <p:nvPicPr>
+              <p:cNvPr id="233" name="Picture 232">
+                <a:extLst>
+                  <a:ext uri="{FF2B5EF4-FFF2-40B4-BE49-F238E27FC236}">
+                    <a16:creationId xmlns:a16="http://schemas.microsoft.com/office/drawing/2014/main" id="{564E4E93-5B4D-4501-ADA9-E90E9D66C07C}"/>
+                  </a:ext>
+                </a:extLst>
+              </p:cNvPr>
+              <p:cNvPicPr>
+                <a:picLocks noChangeAspect="1"/>
+              </p:cNvPicPr>
+              <p:nvPr/>
+            </p:nvPicPr>
+            <p:blipFill>
+              <a:blip r:embed="rId51" cstate="print">
+                <a:duotone>
+                  <a:schemeClr val="bg2">
+                    <a:shade val="45000"/>
+                    <a:satMod val="135000"/>
+                  </a:schemeClr>
+                  <a:prstClr val="white"/>
+                </a:duotone>
+                <a:extLst>
+                  <a:ext uri="{28A0092B-C50C-407E-A947-70E740481C1C}">
+                    <a14:useLocalDpi xmlns:a14="http://schemas.microsoft.com/office/drawing/2010/main" val="0"/>
+                  </a:ext>
+                </a:extLst>
+              </a:blip>
+              <a:stretch>
+                <a:fillRect/>
+              </a:stretch>
+            </p:blipFill>
+            <p:spPr>
+              <a:xfrm>
+                <a:off x="2348395" y="721374"/>
+                <a:ext cx="252182" cy="268850"/>
+              </a:xfrm>
+              <a:prstGeom prst="rect">
+                <a:avLst/>
+              </a:prstGeom>
+            </p:spPr>
+          </p:pic>
+          <p:pic>
+            <p:nvPicPr>
+              <p:cNvPr id="234" name="Picture 233">
+                <a:extLst>
+                  <a:ext uri="{FF2B5EF4-FFF2-40B4-BE49-F238E27FC236}">
+                    <a16:creationId xmlns:a16="http://schemas.microsoft.com/office/drawing/2014/main" id="{F54AC732-823C-41E0-8335-1F23E0EE52EA}"/>
+                  </a:ext>
+                </a:extLst>
+              </p:cNvPr>
+              <p:cNvPicPr>
+                <a:picLocks noChangeAspect="1"/>
+              </p:cNvPicPr>
+              <p:nvPr/>
+            </p:nvPicPr>
+            <p:blipFill>
+              <a:blip r:embed="rId52">
+                <a:duotone>
+                  <a:prstClr val="black"/>
+                  <a:schemeClr val="tx2">
+                    <a:tint val="45000"/>
+                    <a:satMod val="400000"/>
+                  </a:schemeClr>
+                </a:duotone>
+                <a:extLst>
+                  <a:ext uri="{28A0092B-C50C-407E-A947-70E740481C1C}">
+                    <a14:useLocalDpi xmlns:a14="http://schemas.microsoft.com/office/drawing/2010/main" val="0"/>
+                  </a:ext>
+                </a:extLst>
+              </a:blip>
+              <a:stretch>
+                <a:fillRect/>
+              </a:stretch>
+            </p:blipFill>
+            <p:spPr>
+              <a:xfrm>
+                <a:off x="2369573" y="1074958"/>
+                <a:ext cx="223221" cy="184945"/>
+              </a:xfrm>
+              <a:prstGeom prst="rect">
+                <a:avLst/>
+              </a:prstGeom>
+            </p:spPr>
+          </p:pic>
+          <p:pic>
+            <p:nvPicPr>
+              <p:cNvPr id="235" name="Picture 234">
+                <a:extLst>
+                  <a:ext uri="{FF2B5EF4-FFF2-40B4-BE49-F238E27FC236}">
+                    <a16:creationId xmlns:a16="http://schemas.microsoft.com/office/drawing/2014/main" id="{2764A84A-848F-4DA6-8491-E293ED379E4B}"/>
+                  </a:ext>
+                </a:extLst>
+              </p:cNvPr>
+              <p:cNvPicPr>
+                <a:picLocks noChangeAspect="1"/>
+              </p:cNvPicPr>
+              <p:nvPr/>
+            </p:nvPicPr>
+            <p:blipFill>
+              <a:blip r:embed="rId51" cstate="print">
+                <a:duotone>
+                  <a:schemeClr val="bg2">
+                    <a:shade val="45000"/>
+                    <a:satMod val="135000"/>
+                  </a:schemeClr>
+                  <a:prstClr val="white"/>
+                </a:duotone>
+                <a:extLst>
+                  <a:ext uri="{28A0092B-C50C-407E-A947-70E740481C1C}">
+                    <a14:useLocalDpi xmlns:a14="http://schemas.microsoft.com/office/drawing/2010/main" val="0"/>
+                  </a:ext>
+                </a:extLst>
+              </a:blip>
+              <a:stretch>
+                <a:fillRect/>
+              </a:stretch>
+            </p:blipFill>
+            <p:spPr>
+              <a:xfrm>
+                <a:off x="2348395" y="1334971"/>
+                <a:ext cx="252182" cy="268850"/>
+              </a:xfrm>
+              <a:prstGeom prst="rect">
+                <a:avLst/>
+              </a:prstGeom>
+            </p:spPr>
+          </p:pic>
+          <p:pic>
+            <p:nvPicPr>
+              <p:cNvPr id="236" name="Picture 235">
+                <a:extLst>
+                  <a:ext uri="{FF2B5EF4-FFF2-40B4-BE49-F238E27FC236}">
+                    <a16:creationId xmlns:a16="http://schemas.microsoft.com/office/drawing/2014/main" id="{5474F823-34AD-4758-B08D-D0212003158B}"/>
+                  </a:ext>
+                </a:extLst>
+              </p:cNvPr>
+              <p:cNvPicPr>
+                <a:picLocks noChangeAspect="1"/>
+              </p:cNvPicPr>
+              <p:nvPr/>
+            </p:nvPicPr>
+            <p:blipFill>
+              <a:blip r:embed="rId52">
+                <a:duotone>
+                  <a:prstClr val="black"/>
+                  <a:schemeClr val="tx2">
+                    <a:tint val="45000"/>
+                    <a:satMod val="400000"/>
+                  </a:schemeClr>
+                </a:duotone>
+                <a:extLst>
+                  <a:ext uri="{28A0092B-C50C-407E-A947-70E740481C1C}">
+                    <a14:useLocalDpi xmlns:a14="http://schemas.microsoft.com/office/drawing/2010/main" val="0"/>
+                  </a:ext>
+                </a:extLst>
+              </a:blip>
+              <a:stretch>
+                <a:fillRect/>
+              </a:stretch>
+            </p:blipFill>
+            <p:spPr>
+              <a:xfrm>
+                <a:off x="2583103" y="1386106"/>
+                <a:ext cx="223221" cy="184945"/>
+              </a:xfrm>
+              <a:prstGeom prst="rect">
+                <a:avLst/>
+              </a:prstGeom>
+            </p:spPr>
+          </p:pic>
+          <p:pic>
+            <p:nvPicPr>
+              <p:cNvPr id="237" name="Picture 236">
+                <a:extLst>
+                  <a:ext uri="{FF2B5EF4-FFF2-40B4-BE49-F238E27FC236}">
+                    <a16:creationId xmlns:a16="http://schemas.microsoft.com/office/drawing/2014/main" id="{6CC499D3-E02B-497A-897B-529353514EF4}"/>
+                  </a:ext>
+                </a:extLst>
+              </p:cNvPr>
+              <p:cNvPicPr>
+                <a:picLocks noChangeAspect="1"/>
+              </p:cNvPicPr>
+              <p:nvPr/>
+            </p:nvPicPr>
+            <p:blipFill>
+              <a:blip r:embed="rId53" cstate="print">
+                <a:duotone>
+                  <a:prstClr val="black"/>
+                  <a:schemeClr val="bg2">
+                    <a:lumMod val="90000"/>
+                    <a:tint val="45000"/>
+                    <a:satMod val="400000"/>
+                  </a:schemeClr>
+                </a:duotone>
+                <a:extLst>
+                  <a:ext uri="{BEBA8EAE-BF5A-486C-A8C5-ECC9F3942E4B}">
+                    <a14:imgProps xmlns:a14="http://schemas.microsoft.com/office/drawing/2010/main">
+                      <a14:imgLayer r:embed="rId54">
+                        <a14:imgEffect>
+                          <a14:saturation sat="0"/>
+                        </a14:imgEffect>
+                      </a14:imgLayer>
+                    </a14:imgProps>
+                  </a:ext>
+                  <a:ext uri="{28A0092B-C50C-407E-A947-70E740481C1C}">
+                    <a14:useLocalDpi xmlns:a14="http://schemas.microsoft.com/office/drawing/2010/main" val="0"/>
+                  </a:ext>
+                </a:extLst>
+              </a:blip>
+              <a:stretch>
+                <a:fillRect/>
+              </a:stretch>
+            </p:blipFill>
+            <p:spPr>
+              <a:xfrm flipH="1">
+                <a:off x="2369573" y="1702120"/>
+                <a:ext cx="231759" cy="152816"/>
+              </a:xfrm>
+              <a:prstGeom prst="rect">
+                <a:avLst/>
+              </a:prstGeom>
+            </p:spPr>
+          </p:pic>
+          <p:pic>
+            <p:nvPicPr>
+              <p:cNvPr id="238" name="Picture 237">
+                <a:extLst>
+                  <a:ext uri="{FF2B5EF4-FFF2-40B4-BE49-F238E27FC236}">
+                    <a16:creationId xmlns:a16="http://schemas.microsoft.com/office/drawing/2014/main" id="{279C6106-CE65-45FB-B9F5-3278CDE92132}"/>
+                  </a:ext>
+                </a:extLst>
+              </p:cNvPr>
+              <p:cNvPicPr>
+                <a:picLocks noChangeAspect="1"/>
+              </p:cNvPicPr>
+              <p:nvPr/>
+            </p:nvPicPr>
+            <p:blipFill>
+              <a:blip r:embed="rId51" cstate="print">
+                <a:duotone>
+                  <a:schemeClr val="bg2">
+                    <a:shade val="45000"/>
+                    <a:satMod val="135000"/>
+                  </a:schemeClr>
+                  <a:prstClr val="white"/>
+                </a:duotone>
+                <a:extLst>
+                  <a:ext uri="{28A0092B-C50C-407E-A947-70E740481C1C}">
+                    <a14:useLocalDpi xmlns:a14="http://schemas.microsoft.com/office/drawing/2010/main" val="0"/>
+                  </a:ext>
+                </a:extLst>
+              </a:blip>
+              <a:stretch>
+                <a:fillRect/>
+              </a:stretch>
+            </p:blipFill>
+            <p:spPr>
+              <a:xfrm>
+                <a:off x="3086069" y="1637600"/>
+                <a:ext cx="252182" cy="268850"/>
+              </a:xfrm>
+              <a:prstGeom prst="rect">
+                <a:avLst/>
+              </a:prstGeom>
+            </p:spPr>
+          </p:pic>
+          <p:pic>
+            <p:nvPicPr>
+              <p:cNvPr id="239" name="Picture 238">
+                <a:extLst>
+                  <a:ext uri="{FF2B5EF4-FFF2-40B4-BE49-F238E27FC236}">
+                    <a16:creationId xmlns:a16="http://schemas.microsoft.com/office/drawing/2014/main" id="{851CF288-AE9F-468D-8DCF-15BC75E19346}"/>
+                  </a:ext>
+                </a:extLst>
+              </p:cNvPr>
+              <p:cNvPicPr>
+                <a:picLocks noChangeAspect="1"/>
+              </p:cNvPicPr>
+              <p:nvPr/>
+            </p:nvPicPr>
+            <p:blipFill>
+              <a:blip r:embed="rId53" cstate="print">
+                <a:duotone>
+                  <a:prstClr val="black"/>
+                  <a:schemeClr val="bg2">
+                    <a:lumMod val="90000"/>
+                    <a:tint val="45000"/>
+                    <a:satMod val="400000"/>
+                  </a:schemeClr>
+                </a:duotone>
+                <a:extLst>
+                  <a:ext uri="{BEBA8EAE-BF5A-486C-A8C5-ECC9F3942E4B}">
+                    <a14:imgProps xmlns:a14="http://schemas.microsoft.com/office/drawing/2010/main">
+                      <a14:imgLayer r:embed="rId54">
+                        <a14:imgEffect>
+                          <a14:saturation sat="0"/>
+                        </a14:imgEffect>
+                      </a14:imgLayer>
+                    </a14:imgProps>
+                  </a:ext>
+                  <a:ext uri="{28A0092B-C50C-407E-A947-70E740481C1C}">
+                    <a14:useLocalDpi xmlns:a14="http://schemas.microsoft.com/office/drawing/2010/main" val="0"/>
+                  </a:ext>
+                </a:extLst>
+              </a:blip>
+              <a:stretch>
+                <a:fillRect/>
+              </a:stretch>
+            </p:blipFill>
+            <p:spPr>
+              <a:xfrm flipH="1">
+                <a:off x="3259787" y="1385125"/>
+                <a:ext cx="231759" cy="152816"/>
+              </a:xfrm>
+              <a:prstGeom prst="rect">
+                <a:avLst/>
+              </a:prstGeom>
+            </p:spPr>
+          </p:pic>
+          <p:pic>
+            <p:nvPicPr>
+              <p:cNvPr id="240" name="Picture 239">
+                <a:extLst>
+                  <a:ext uri="{FF2B5EF4-FFF2-40B4-BE49-F238E27FC236}">
+                    <a16:creationId xmlns:a16="http://schemas.microsoft.com/office/drawing/2014/main" id="{5D93616A-3C3D-488B-A048-F097F11B2536}"/>
+                  </a:ext>
+                </a:extLst>
+              </p:cNvPr>
+              <p:cNvPicPr>
+                <a:picLocks noChangeAspect="1"/>
+              </p:cNvPicPr>
+              <p:nvPr/>
+            </p:nvPicPr>
+            <p:blipFill>
+              <a:blip r:embed="rId51" cstate="print">
+                <a:duotone>
+                  <a:schemeClr val="bg2">
+                    <a:shade val="45000"/>
+                    <a:satMod val="135000"/>
+                  </a:schemeClr>
+                  <a:prstClr val="white"/>
+                </a:duotone>
+                <a:extLst>
+                  <a:ext uri="{28A0092B-C50C-407E-A947-70E740481C1C}">
+                    <a14:useLocalDpi xmlns:a14="http://schemas.microsoft.com/office/drawing/2010/main" val="0"/>
+                  </a:ext>
+                </a:extLst>
+              </a:blip>
+              <a:stretch>
+                <a:fillRect/>
+              </a:stretch>
+            </p:blipFill>
+            <p:spPr>
+              <a:xfrm>
+                <a:off x="2961222" y="767185"/>
+                <a:ext cx="252182" cy="268850"/>
+              </a:xfrm>
+              <a:prstGeom prst="rect">
+                <a:avLst/>
+              </a:prstGeom>
+            </p:spPr>
+          </p:pic>
+        </p:grpSp>
+        <p:pic>
+          <p:nvPicPr>
+            <p:cNvPr id="220" name="Picture 219">
+              <a:extLst>
+                <a:ext uri="{FF2B5EF4-FFF2-40B4-BE49-F238E27FC236}">
+                  <a16:creationId xmlns:a16="http://schemas.microsoft.com/office/drawing/2014/main" id="{C4284D99-5F55-47AD-A2F8-A3621AAF9A8D}"/>
+                </a:ext>
+              </a:extLst>
+            </p:cNvPr>
+            <p:cNvPicPr>
+              <a:picLocks noChangeAspect="1"/>
+            </p:cNvPicPr>
+            <p:nvPr/>
+          </p:nvPicPr>
+          <p:blipFill>
+            <a:blip r:embed="rId51" cstate="print">
+              <a:duotone>
+                <a:schemeClr val="bg2">
+                  <a:shade val="45000"/>
+                  <a:satMod val="135000"/>
+                </a:schemeClr>
+                <a:prstClr val="white"/>
+              </a:duotone>
+              <a:extLst>
+                <a:ext uri="{28A0092B-C50C-407E-A947-70E740481C1C}">
+                  <a14:useLocalDpi xmlns:a14="http://schemas.microsoft.com/office/drawing/2010/main" val="0"/>
+                </a:ext>
+              </a:extLst>
+            </a:blip>
+            <a:stretch>
+              <a:fillRect/>
+            </a:stretch>
+          </p:blipFill>
+          <p:spPr>
+            <a:xfrm>
+              <a:off x="4176526" y="1139595"/>
+              <a:ext cx="252182" cy="268850"/>
+            </a:xfrm>
+            <a:prstGeom prst="rect">
+              <a:avLst/>
+            </a:prstGeom>
+          </p:spPr>
+        </p:pic>
+        <p:pic>
+          <p:nvPicPr>
+            <p:cNvPr id="221" name="Picture 220">
+              <a:extLst>
+                <a:ext uri="{FF2B5EF4-FFF2-40B4-BE49-F238E27FC236}">
+                  <a16:creationId xmlns:a16="http://schemas.microsoft.com/office/drawing/2014/main" id="{F24A3FCF-6AA4-4D79-BD01-750D91C640B1}"/>
+                </a:ext>
+              </a:extLst>
+            </p:cNvPr>
+            <p:cNvPicPr>
+              <a:picLocks noChangeAspect="1"/>
+            </p:cNvPicPr>
+            <p:nvPr/>
+          </p:nvPicPr>
+          <p:blipFill>
+            <a:blip r:embed="rId51" cstate="print">
+              <a:duotone>
+                <a:schemeClr val="bg2">
+                  <a:shade val="45000"/>
+                  <a:satMod val="135000"/>
+                </a:schemeClr>
+                <a:prstClr val="white"/>
+              </a:duotone>
+              <a:extLst>
+                <a:ext uri="{28A0092B-C50C-407E-A947-70E740481C1C}">
+                  <a14:useLocalDpi xmlns:a14="http://schemas.microsoft.com/office/drawing/2010/main" val="0"/>
+                </a:ext>
+              </a:extLst>
+            </a:blip>
+            <a:stretch>
+              <a:fillRect/>
+            </a:stretch>
+          </p:blipFill>
+          <p:spPr>
+            <a:xfrm>
+              <a:off x="4647084" y="1105340"/>
+              <a:ext cx="252182" cy="268850"/>
+            </a:xfrm>
+            <a:prstGeom prst="rect">
+              <a:avLst/>
+            </a:prstGeom>
+          </p:spPr>
+        </p:pic>
+        <p:pic>
+          <p:nvPicPr>
+            <p:cNvPr id="222" name="Picture 221">
+              <a:extLst>
+                <a:ext uri="{FF2B5EF4-FFF2-40B4-BE49-F238E27FC236}">
+                  <a16:creationId xmlns:a16="http://schemas.microsoft.com/office/drawing/2014/main" id="{20ABD40F-71FA-4041-8255-D7385BDBEB2F}"/>
+                </a:ext>
+              </a:extLst>
+            </p:cNvPr>
+            <p:cNvPicPr>
+              <a:picLocks noChangeAspect="1"/>
+            </p:cNvPicPr>
+            <p:nvPr/>
+          </p:nvPicPr>
+          <p:blipFill>
+            <a:blip r:embed="rId51" cstate="print">
+              <a:duotone>
+                <a:schemeClr val="bg2">
+                  <a:shade val="45000"/>
+                  <a:satMod val="135000"/>
+                </a:schemeClr>
+                <a:prstClr val="white"/>
+              </a:duotone>
+              <a:extLst>
+                <a:ext uri="{28A0092B-C50C-407E-A947-70E740481C1C}">
+                  <a14:useLocalDpi xmlns:a14="http://schemas.microsoft.com/office/drawing/2010/main" val="0"/>
+                </a:ext>
+              </a:extLst>
+            </a:blip>
+            <a:stretch>
+              <a:fillRect/>
+            </a:stretch>
+          </p:blipFill>
+          <p:spPr>
+            <a:xfrm>
+              <a:off x="4799484" y="1257740"/>
+              <a:ext cx="252182" cy="268850"/>
+            </a:xfrm>
+            <a:prstGeom prst="rect">
+              <a:avLst/>
+            </a:prstGeom>
+          </p:spPr>
+        </p:pic>
+        <p:pic>
+          <p:nvPicPr>
+            <p:cNvPr id="223" name="Picture 222">
+              <a:extLst>
+                <a:ext uri="{FF2B5EF4-FFF2-40B4-BE49-F238E27FC236}">
+                  <a16:creationId xmlns:a16="http://schemas.microsoft.com/office/drawing/2014/main" id="{4CF1D4B0-2480-444F-B8B7-CD75576E5D20}"/>
+                </a:ext>
+              </a:extLst>
+            </p:cNvPr>
+            <p:cNvPicPr>
+              <a:picLocks noChangeAspect="1"/>
+            </p:cNvPicPr>
+            <p:nvPr/>
+          </p:nvPicPr>
+          <p:blipFill>
+            <a:blip r:embed="rId51" cstate="print">
+              <a:duotone>
+                <a:schemeClr val="bg2">
+                  <a:shade val="45000"/>
+                  <a:satMod val="135000"/>
+                </a:schemeClr>
+                <a:prstClr val="white"/>
+              </a:duotone>
+              <a:extLst>
+                <a:ext uri="{28A0092B-C50C-407E-A947-70E740481C1C}">
+                  <a14:useLocalDpi xmlns:a14="http://schemas.microsoft.com/office/drawing/2010/main" val="0"/>
+                </a:ext>
+              </a:extLst>
+            </a:blip>
+            <a:stretch>
+              <a:fillRect/>
+            </a:stretch>
+          </p:blipFill>
+          <p:spPr>
+            <a:xfrm>
+              <a:off x="4533380" y="1567140"/>
+              <a:ext cx="252182" cy="268850"/>
+            </a:xfrm>
+            <a:prstGeom prst="rect">
+              <a:avLst/>
+            </a:prstGeom>
+          </p:spPr>
+        </p:pic>
+      </p:grpSp>
+      <p:grpSp>
+        <p:nvGrpSpPr>
+          <p:cNvPr id="241" name="Group 240">
+            <a:extLst>
+              <a:ext uri="{FF2B5EF4-FFF2-40B4-BE49-F238E27FC236}">
+                <a16:creationId xmlns:a16="http://schemas.microsoft.com/office/drawing/2014/main" id="{9067F4ED-9608-4C14-AF8D-CB9775C94942}"/>
+              </a:ext>
+            </a:extLst>
+          </p:cNvPr>
+          <p:cNvGrpSpPr/>
+          <p:nvPr/>
+        </p:nvGrpSpPr>
+        <p:grpSpPr>
+          <a:xfrm>
+            <a:off x="4342076" y="2226149"/>
+            <a:ext cx="1199820" cy="1199820"/>
+            <a:chOff x="5373842" y="905454"/>
+            <a:chExt cx="1199820" cy="1199820"/>
+          </a:xfrm>
+        </p:grpSpPr>
+        <p:grpSp>
+          <p:nvGrpSpPr>
+            <p:cNvPr id="242" name="Group 241">
+              <a:extLst>
+                <a:ext uri="{FF2B5EF4-FFF2-40B4-BE49-F238E27FC236}">
+                  <a16:creationId xmlns:a16="http://schemas.microsoft.com/office/drawing/2014/main" id="{5D290F6A-F5B6-437E-B1B6-5C4C4D88AC8E}"/>
+                </a:ext>
+              </a:extLst>
+            </p:cNvPr>
+            <p:cNvGrpSpPr/>
+            <p:nvPr/>
+          </p:nvGrpSpPr>
+          <p:grpSpPr>
+            <a:xfrm>
+              <a:off x="5373842" y="905454"/>
+              <a:ext cx="1199820" cy="1199820"/>
+              <a:chOff x="3856181" y="903444"/>
+              <a:chExt cx="1199820" cy="1199820"/>
+            </a:xfrm>
+          </p:grpSpPr>
+          <p:grpSp>
+            <p:nvGrpSpPr>
+              <p:cNvPr id="245" name="Group 244">
+                <a:extLst>
+                  <a:ext uri="{FF2B5EF4-FFF2-40B4-BE49-F238E27FC236}">
+                    <a16:creationId xmlns:a16="http://schemas.microsoft.com/office/drawing/2014/main" id="{990A4DAF-3EB9-43AF-BA83-7D0C0A5A6F14}"/>
+                  </a:ext>
+                </a:extLst>
+              </p:cNvPr>
+              <p:cNvGrpSpPr/>
+              <p:nvPr/>
+            </p:nvGrpSpPr>
+            <p:grpSpPr>
+              <a:xfrm>
+                <a:off x="3856181" y="903444"/>
+                <a:ext cx="1199820" cy="1199820"/>
+                <a:chOff x="2322719" y="717689"/>
+                <a:chExt cx="1199820" cy="1199820"/>
+              </a:xfrm>
+            </p:grpSpPr>
+            <p:sp>
+              <p:nvSpPr>
+                <p:cNvPr id="250" name="Rectangle 249">
+                  <a:extLst>
+                    <a:ext uri="{FF2B5EF4-FFF2-40B4-BE49-F238E27FC236}">
+                      <a16:creationId xmlns:a16="http://schemas.microsoft.com/office/drawing/2014/main" id="{B942642E-960A-417A-B76E-4FD9309F7699}"/>
+                    </a:ext>
+                  </a:extLst>
+                </p:cNvPr>
+                <p:cNvSpPr>
+                  <a:spLocks noChangeAspect="1"/>
+                </p:cNvSpPr>
+                <p:nvPr/>
+              </p:nvSpPr>
+              <p:spPr>
+                <a:xfrm>
+                  <a:off x="2322719" y="717689"/>
+                  <a:ext cx="1199820" cy="1199820"/>
+                </a:xfrm>
+                <a:prstGeom prst="rect">
+                  <a:avLst/>
+                </a:prstGeom>
+                <a:noFill/>
+                <a:ln w="19050">
+                  <a:solidFill>
+                    <a:schemeClr val="tx1"/>
+                  </a:solidFill>
+                </a:ln>
+              </p:spPr>
+              <p:style>
+                <a:lnRef idx="2">
+                  <a:schemeClr val="accent6"/>
+                </a:lnRef>
+                <a:fillRef idx="1">
+                  <a:schemeClr val="lt1"/>
+                </a:fillRef>
+                <a:effectRef idx="0">
+                  <a:schemeClr val="accent6"/>
+                </a:effectRef>
+                <a:fontRef idx="minor">
+                  <a:schemeClr val="dk1"/>
+                </a:fontRef>
+              </p:style>
+              <p:txBody>
+                <a:bodyPr rtlCol="0" anchor="ctr"/>
+                <a:lstStyle/>
+                <a:p>
+                  <a:pPr algn="ctr"/>
+                  <a:endParaRPr lang="en-US"/>
+                </a:p>
+              </p:txBody>
+            </p:sp>
+            <p:cxnSp>
+              <p:nvCxnSpPr>
+                <p:cNvPr id="251" name="Straight Connector 250">
+                  <a:extLst>
+                    <a:ext uri="{FF2B5EF4-FFF2-40B4-BE49-F238E27FC236}">
+                      <a16:creationId xmlns:a16="http://schemas.microsoft.com/office/drawing/2014/main" id="{8BEE390D-75AF-4379-88FE-A3D4F0F1ACA2}"/>
+                    </a:ext>
+                  </a:extLst>
+                </p:cNvPr>
+                <p:cNvCxnSpPr>
+                  <a:cxnSpLocks/>
+                  <a:stCxn id="250" idx="0"/>
+                  <a:endCxn id="250" idx="2"/>
+                </p:cNvCxnSpPr>
+                <p:nvPr/>
+              </p:nvCxnSpPr>
+              <p:spPr>
+                <a:xfrm>
+                  <a:off x="2922629" y="717689"/>
+                  <a:ext cx="0" cy="1199820"/>
+                </a:xfrm>
+                <a:prstGeom prst="line">
+                  <a:avLst/>
+                </a:prstGeom>
+                <a:ln w="19050">
+                  <a:solidFill>
+                    <a:schemeClr val="tx1"/>
+                  </a:solidFill>
+                </a:ln>
+              </p:spPr>
+              <p:style>
+                <a:lnRef idx="1">
+                  <a:schemeClr val="accent1"/>
+                </a:lnRef>
+                <a:fillRef idx="0">
+                  <a:schemeClr val="accent1"/>
+                </a:fillRef>
+                <a:effectRef idx="0">
+                  <a:schemeClr val="accent1"/>
+                </a:effectRef>
+                <a:fontRef idx="minor">
+                  <a:schemeClr val="tx1"/>
+                </a:fontRef>
+              </p:style>
+            </p:cxnSp>
+            <p:cxnSp>
+              <p:nvCxnSpPr>
+                <p:cNvPr id="252" name="Straight Connector 251">
+                  <a:extLst>
+                    <a:ext uri="{FF2B5EF4-FFF2-40B4-BE49-F238E27FC236}">
+                      <a16:creationId xmlns:a16="http://schemas.microsoft.com/office/drawing/2014/main" id="{58C39991-74CA-4E26-B87C-27AADD1251CB}"/>
+                    </a:ext>
+                  </a:extLst>
+                </p:cNvPr>
+                <p:cNvCxnSpPr>
+                  <a:cxnSpLocks/>
+                  <a:stCxn id="250" idx="1"/>
+                  <a:endCxn id="250" idx="3"/>
+                </p:cNvCxnSpPr>
+                <p:nvPr/>
+              </p:nvCxnSpPr>
+              <p:spPr>
+                <a:xfrm>
+                  <a:off x="2322719" y="1317599"/>
+                  <a:ext cx="1199820" cy="0"/>
+                </a:xfrm>
+                <a:prstGeom prst="line">
+                  <a:avLst/>
+                </a:prstGeom>
+                <a:ln w="19050">
+                  <a:solidFill>
+                    <a:schemeClr val="tx1"/>
+                  </a:solidFill>
+                </a:ln>
+              </p:spPr>
+              <p:style>
+                <a:lnRef idx="1">
+                  <a:schemeClr val="accent1"/>
+                </a:lnRef>
+                <a:fillRef idx="0">
+                  <a:schemeClr val="accent1"/>
+                </a:fillRef>
+                <a:effectRef idx="0">
+                  <a:schemeClr val="accent1"/>
+                </a:effectRef>
+                <a:fontRef idx="minor">
+                  <a:schemeClr val="tx1"/>
+                </a:fontRef>
+              </p:style>
+            </p:cxnSp>
+            <p:pic>
+              <p:nvPicPr>
+                <p:cNvPr id="253" name="Picture 252">
+                  <a:extLst>
+                    <a:ext uri="{FF2B5EF4-FFF2-40B4-BE49-F238E27FC236}">
+                      <a16:creationId xmlns:a16="http://schemas.microsoft.com/office/drawing/2014/main" id="{A1CD9814-3B6D-4319-83E9-C5C75665E404}"/>
+                    </a:ext>
+                  </a:extLst>
+                </p:cNvPr>
+                <p:cNvPicPr>
+                  <a:picLocks noChangeAspect="1"/>
+                </p:cNvPicPr>
+                <p:nvPr/>
+              </p:nvPicPr>
+              <p:blipFill>
+                <a:blip r:embed="rId51" cstate="print">
+                  <a:duotone>
+                    <a:schemeClr val="bg2">
+                      <a:shade val="45000"/>
+                      <a:satMod val="135000"/>
+                    </a:schemeClr>
+                    <a:prstClr val="white"/>
+                  </a:duotone>
+                  <a:extLst>
+                    <a:ext uri="{28A0092B-C50C-407E-A947-70E740481C1C}">
+                      <a14:useLocalDpi xmlns:a14="http://schemas.microsoft.com/office/drawing/2010/main" val="0"/>
+                    </a:ext>
+                  </a:extLst>
+                </a:blip>
+                <a:stretch>
+                  <a:fillRect/>
+                </a:stretch>
+              </p:blipFill>
+              <p:spPr>
+                <a:xfrm>
+                  <a:off x="2348395" y="721374"/>
+                  <a:ext cx="252182" cy="268850"/>
+                </a:xfrm>
+                <a:prstGeom prst="rect">
+                  <a:avLst/>
+                </a:prstGeom>
+              </p:spPr>
+            </p:pic>
+            <p:pic>
+              <p:nvPicPr>
+                <p:cNvPr id="254" name="Picture 253">
+                  <a:extLst>
+                    <a:ext uri="{FF2B5EF4-FFF2-40B4-BE49-F238E27FC236}">
+                      <a16:creationId xmlns:a16="http://schemas.microsoft.com/office/drawing/2014/main" id="{0A3E1B4F-2992-4658-A086-EF2E9BB8E4B1}"/>
+                    </a:ext>
+                  </a:extLst>
+                </p:cNvPr>
+                <p:cNvPicPr>
+                  <a:picLocks noChangeAspect="1"/>
+                </p:cNvPicPr>
+                <p:nvPr/>
+              </p:nvPicPr>
+              <p:blipFill>
+                <a:blip r:embed="rId51" cstate="print">
+                  <a:duotone>
+                    <a:schemeClr val="bg2">
+                      <a:shade val="45000"/>
+                      <a:satMod val="135000"/>
+                    </a:schemeClr>
+                    <a:prstClr val="white"/>
+                  </a:duotone>
+                  <a:extLst>
+                    <a:ext uri="{28A0092B-C50C-407E-A947-70E740481C1C}">
+                      <a14:useLocalDpi xmlns:a14="http://schemas.microsoft.com/office/drawing/2010/main" val="0"/>
+                    </a:ext>
+                  </a:extLst>
+                </a:blip>
+                <a:stretch>
+                  <a:fillRect/>
+                </a:stretch>
+              </p:blipFill>
+              <p:spPr>
+                <a:xfrm>
+                  <a:off x="2348395" y="1334971"/>
+                  <a:ext cx="252182" cy="268850"/>
+                </a:xfrm>
+                <a:prstGeom prst="rect">
+                  <a:avLst/>
+                </a:prstGeom>
+              </p:spPr>
+            </p:pic>
+            <p:pic>
+              <p:nvPicPr>
+                <p:cNvPr id="255" name="Picture 254">
+                  <a:extLst>
+                    <a:ext uri="{FF2B5EF4-FFF2-40B4-BE49-F238E27FC236}">
+                      <a16:creationId xmlns:a16="http://schemas.microsoft.com/office/drawing/2014/main" id="{A2F0B1A9-8A54-47C1-810F-48136DAFCFB1}"/>
+                    </a:ext>
+                  </a:extLst>
+                </p:cNvPr>
+                <p:cNvPicPr>
+                  <a:picLocks noChangeAspect="1"/>
+                </p:cNvPicPr>
+                <p:nvPr/>
+              </p:nvPicPr>
+              <p:blipFill>
+                <a:blip r:embed="rId52">
+                  <a:duotone>
+                    <a:prstClr val="black"/>
+                    <a:schemeClr val="tx2">
+                      <a:tint val="45000"/>
+                      <a:satMod val="400000"/>
+                    </a:schemeClr>
+                  </a:duotone>
+                  <a:extLst>
+                    <a:ext uri="{28A0092B-C50C-407E-A947-70E740481C1C}">
+                      <a14:useLocalDpi xmlns:a14="http://schemas.microsoft.com/office/drawing/2010/main" val="0"/>
+                    </a:ext>
+                  </a:extLst>
+                </a:blip>
+                <a:stretch>
+                  <a:fillRect/>
+                </a:stretch>
+              </p:blipFill>
+              <p:spPr>
+                <a:xfrm>
+                  <a:off x="2583103" y="1386106"/>
+                  <a:ext cx="223221" cy="184945"/>
+                </a:xfrm>
+                <a:prstGeom prst="rect">
+                  <a:avLst/>
+                </a:prstGeom>
+              </p:spPr>
+            </p:pic>
+            <p:pic>
+              <p:nvPicPr>
+                <p:cNvPr id="256" name="Picture 255">
+                  <a:extLst>
+                    <a:ext uri="{FF2B5EF4-FFF2-40B4-BE49-F238E27FC236}">
+                      <a16:creationId xmlns:a16="http://schemas.microsoft.com/office/drawing/2014/main" id="{58981BD2-2BCC-4AB7-A28D-1203B9F4BCEA}"/>
+                    </a:ext>
+                  </a:extLst>
+                </p:cNvPr>
+                <p:cNvPicPr>
+                  <a:picLocks noChangeAspect="1"/>
+                </p:cNvPicPr>
+                <p:nvPr/>
+              </p:nvPicPr>
+              <p:blipFill>
+                <a:blip r:embed="rId51" cstate="print">
+                  <a:duotone>
+                    <a:schemeClr val="bg2">
+                      <a:shade val="45000"/>
+                      <a:satMod val="135000"/>
+                    </a:schemeClr>
+                    <a:prstClr val="white"/>
+                  </a:duotone>
+                  <a:extLst>
+                    <a:ext uri="{28A0092B-C50C-407E-A947-70E740481C1C}">
+                      <a14:useLocalDpi xmlns:a14="http://schemas.microsoft.com/office/drawing/2010/main" val="0"/>
+                    </a:ext>
+                  </a:extLst>
+                </a:blip>
+                <a:stretch>
+                  <a:fillRect/>
+                </a:stretch>
+              </p:blipFill>
+              <p:spPr>
+                <a:xfrm>
+                  <a:off x="3086069" y="1637600"/>
+                  <a:ext cx="252182" cy="268850"/>
+                </a:xfrm>
+                <a:prstGeom prst="rect">
+                  <a:avLst/>
+                </a:prstGeom>
+              </p:spPr>
+            </p:pic>
+            <p:pic>
+              <p:nvPicPr>
+                <p:cNvPr id="257" name="Picture 256">
+                  <a:extLst>
+                    <a:ext uri="{FF2B5EF4-FFF2-40B4-BE49-F238E27FC236}">
+                      <a16:creationId xmlns:a16="http://schemas.microsoft.com/office/drawing/2014/main" id="{B33AA729-0496-47E9-9372-5ECAD6474AAC}"/>
+                    </a:ext>
+                  </a:extLst>
+                </p:cNvPr>
+                <p:cNvPicPr>
+                  <a:picLocks noChangeAspect="1"/>
+                </p:cNvPicPr>
+                <p:nvPr/>
+              </p:nvPicPr>
+              <p:blipFill>
+                <a:blip r:embed="rId53" cstate="print">
+                  <a:duotone>
+                    <a:prstClr val="black"/>
+                    <a:schemeClr val="tx2">
+                      <a:tint val="45000"/>
+                      <a:satMod val="400000"/>
+                    </a:schemeClr>
+                  </a:duotone>
+                  <a:extLst>
+                    <a:ext uri="{BEBA8EAE-BF5A-486C-A8C5-ECC9F3942E4B}">
+                      <a14:imgProps xmlns:a14="http://schemas.microsoft.com/office/drawing/2010/main">
+                        <a14:imgLayer r:embed="rId54">
+                          <a14:imgEffect>
+                            <a14:saturation sat="0"/>
+                          </a14:imgEffect>
+                        </a14:imgLayer>
+                      </a14:imgProps>
+                    </a:ext>
+                    <a:ext uri="{28A0092B-C50C-407E-A947-70E740481C1C}">
+                      <a14:useLocalDpi xmlns:a14="http://schemas.microsoft.com/office/drawing/2010/main" val="0"/>
+                    </a:ext>
+                  </a:extLst>
+                </a:blip>
+                <a:stretch>
+                  <a:fillRect/>
+                </a:stretch>
+              </p:blipFill>
+              <p:spPr>
+                <a:xfrm flipH="1">
+                  <a:off x="3259787" y="1385125"/>
+                  <a:ext cx="231759" cy="152816"/>
+                </a:xfrm>
+                <a:prstGeom prst="rect">
+                  <a:avLst/>
+                </a:prstGeom>
+              </p:spPr>
+            </p:pic>
+            <p:pic>
+              <p:nvPicPr>
+                <p:cNvPr id="258" name="Picture 257">
+                  <a:extLst>
+                    <a:ext uri="{FF2B5EF4-FFF2-40B4-BE49-F238E27FC236}">
+                      <a16:creationId xmlns:a16="http://schemas.microsoft.com/office/drawing/2014/main" id="{F4F93F10-DED6-4C91-9C21-F5531D8E3767}"/>
+                    </a:ext>
+                  </a:extLst>
+                </p:cNvPr>
+                <p:cNvPicPr>
+                  <a:picLocks noChangeAspect="1"/>
+                </p:cNvPicPr>
+                <p:nvPr/>
+              </p:nvPicPr>
+              <p:blipFill>
+                <a:blip r:embed="rId51" cstate="print">
+                  <a:duotone>
+                    <a:schemeClr val="bg2">
+                      <a:shade val="45000"/>
+                      <a:satMod val="135000"/>
+                    </a:schemeClr>
+                    <a:prstClr val="white"/>
+                  </a:duotone>
+                  <a:extLst>
+                    <a:ext uri="{28A0092B-C50C-407E-A947-70E740481C1C}">
+                      <a14:useLocalDpi xmlns:a14="http://schemas.microsoft.com/office/drawing/2010/main" val="0"/>
+                    </a:ext>
+                  </a:extLst>
+                </a:blip>
+                <a:stretch>
+                  <a:fillRect/>
+                </a:stretch>
+              </p:blipFill>
+              <p:spPr>
+                <a:xfrm>
+                  <a:off x="2961222" y="767185"/>
+                  <a:ext cx="252182" cy="268850"/>
+                </a:xfrm>
+                <a:prstGeom prst="rect">
+                  <a:avLst/>
+                </a:prstGeom>
+              </p:spPr>
+            </p:pic>
+          </p:grpSp>
+          <p:pic>
+            <p:nvPicPr>
+              <p:cNvPr id="246" name="Picture 245">
+                <a:extLst>
+                  <a:ext uri="{FF2B5EF4-FFF2-40B4-BE49-F238E27FC236}">
+                    <a16:creationId xmlns:a16="http://schemas.microsoft.com/office/drawing/2014/main" id="{7948A84B-2CEF-4BFF-975A-64CDC6B3841F}"/>
+                  </a:ext>
+                </a:extLst>
+              </p:cNvPr>
+              <p:cNvPicPr>
+                <a:picLocks noChangeAspect="1"/>
+              </p:cNvPicPr>
+              <p:nvPr/>
+            </p:nvPicPr>
+            <p:blipFill>
+              <a:blip r:embed="rId51" cstate="print">
+                <a:duotone>
+                  <a:schemeClr val="bg2">
+                    <a:shade val="45000"/>
+                    <a:satMod val="135000"/>
+                  </a:schemeClr>
+                  <a:prstClr val="white"/>
+                </a:duotone>
+                <a:extLst>
+                  <a:ext uri="{28A0092B-C50C-407E-A947-70E740481C1C}">
+                    <a14:useLocalDpi xmlns:a14="http://schemas.microsoft.com/office/drawing/2010/main" val="0"/>
+                  </a:ext>
+                </a:extLst>
+              </a:blip>
+              <a:stretch>
+                <a:fillRect/>
+              </a:stretch>
+            </p:blipFill>
+            <p:spPr>
+              <a:xfrm>
+                <a:off x="4176526" y="1139595"/>
+                <a:ext cx="252182" cy="268850"/>
+              </a:xfrm>
+              <a:prstGeom prst="rect">
+                <a:avLst/>
+              </a:prstGeom>
+            </p:spPr>
+          </p:pic>
+          <p:pic>
+            <p:nvPicPr>
+              <p:cNvPr id="247" name="Picture 246">
+                <a:extLst>
+                  <a:ext uri="{FF2B5EF4-FFF2-40B4-BE49-F238E27FC236}">
+                    <a16:creationId xmlns:a16="http://schemas.microsoft.com/office/drawing/2014/main" id="{68310CC0-AB68-4337-969F-516576F9E04D}"/>
+                  </a:ext>
+                </a:extLst>
+              </p:cNvPr>
+              <p:cNvPicPr>
+                <a:picLocks noChangeAspect="1"/>
+              </p:cNvPicPr>
+              <p:nvPr/>
+            </p:nvPicPr>
+            <p:blipFill>
+              <a:blip r:embed="rId51" cstate="print">
+                <a:duotone>
+                  <a:schemeClr val="bg2">
+                    <a:shade val="45000"/>
+                    <a:satMod val="135000"/>
+                  </a:schemeClr>
+                  <a:prstClr val="white"/>
+                </a:duotone>
+                <a:extLst>
+                  <a:ext uri="{28A0092B-C50C-407E-A947-70E740481C1C}">
+                    <a14:useLocalDpi xmlns:a14="http://schemas.microsoft.com/office/drawing/2010/main" val="0"/>
+                  </a:ext>
+                </a:extLst>
+              </a:blip>
+              <a:stretch>
+                <a:fillRect/>
+              </a:stretch>
+            </p:blipFill>
+            <p:spPr>
+              <a:xfrm>
+                <a:off x="4647084" y="1105340"/>
+                <a:ext cx="252182" cy="268850"/>
+              </a:xfrm>
+              <a:prstGeom prst="rect">
+                <a:avLst/>
+              </a:prstGeom>
+            </p:spPr>
+          </p:pic>
+          <p:pic>
+            <p:nvPicPr>
+              <p:cNvPr id="248" name="Picture 247">
+                <a:extLst>
+                  <a:ext uri="{FF2B5EF4-FFF2-40B4-BE49-F238E27FC236}">
+                    <a16:creationId xmlns:a16="http://schemas.microsoft.com/office/drawing/2014/main" id="{DB9683AD-4F77-46F8-A08A-210168720AE7}"/>
+                  </a:ext>
+                </a:extLst>
+              </p:cNvPr>
+              <p:cNvPicPr>
+                <a:picLocks noChangeAspect="1"/>
+              </p:cNvPicPr>
+              <p:nvPr/>
+            </p:nvPicPr>
+            <p:blipFill>
+              <a:blip r:embed="rId51" cstate="print">
+                <a:duotone>
+                  <a:schemeClr val="bg2">
+                    <a:shade val="45000"/>
+                    <a:satMod val="135000"/>
+                  </a:schemeClr>
+                  <a:prstClr val="white"/>
+                </a:duotone>
+                <a:extLst>
+                  <a:ext uri="{28A0092B-C50C-407E-A947-70E740481C1C}">
+                    <a14:useLocalDpi xmlns:a14="http://schemas.microsoft.com/office/drawing/2010/main" val="0"/>
+                  </a:ext>
+                </a:extLst>
+              </a:blip>
+              <a:stretch>
+                <a:fillRect/>
+              </a:stretch>
+            </p:blipFill>
+            <p:spPr>
+              <a:xfrm>
+                <a:off x="4799484" y="1257740"/>
+                <a:ext cx="252182" cy="268850"/>
+              </a:xfrm>
+              <a:prstGeom prst="rect">
+                <a:avLst/>
+              </a:prstGeom>
+            </p:spPr>
+          </p:pic>
+          <p:pic>
+            <p:nvPicPr>
+              <p:cNvPr id="249" name="Picture 248">
+                <a:extLst>
+                  <a:ext uri="{FF2B5EF4-FFF2-40B4-BE49-F238E27FC236}">
+                    <a16:creationId xmlns:a16="http://schemas.microsoft.com/office/drawing/2014/main" id="{FF8B72B2-0B0A-4BD1-9840-6F504FBC3C49}"/>
+                  </a:ext>
+                </a:extLst>
+              </p:cNvPr>
+              <p:cNvPicPr>
+                <a:picLocks noChangeAspect="1"/>
+              </p:cNvPicPr>
+              <p:nvPr/>
+            </p:nvPicPr>
+            <p:blipFill>
+              <a:blip r:embed="rId51" cstate="print">
+                <a:duotone>
+                  <a:schemeClr val="bg2">
+                    <a:shade val="45000"/>
+                    <a:satMod val="135000"/>
+                  </a:schemeClr>
+                  <a:prstClr val="white"/>
+                </a:duotone>
+                <a:extLst>
+                  <a:ext uri="{28A0092B-C50C-407E-A947-70E740481C1C}">
+                    <a14:useLocalDpi xmlns:a14="http://schemas.microsoft.com/office/drawing/2010/main" val="0"/>
+                  </a:ext>
+                </a:extLst>
+              </a:blip>
+              <a:stretch>
+                <a:fillRect/>
+              </a:stretch>
+            </p:blipFill>
+            <p:spPr>
+              <a:xfrm>
+                <a:off x="4533380" y="1567140"/>
+                <a:ext cx="252182" cy="268850"/>
+              </a:xfrm>
+              <a:prstGeom prst="rect">
+                <a:avLst/>
+              </a:prstGeom>
+            </p:spPr>
+          </p:pic>
+        </p:grpSp>
+        <p:pic>
+          <p:nvPicPr>
+            <p:cNvPr id="243" name="Picture 242">
+              <a:extLst>
+                <a:ext uri="{FF2B5EF4-FFF2-40B4-BE49-F238E27FC236}">
+                  <a16:creationId xmlns:a16="http://schemas.microsoft.com/office/drawing/2014/main" id="{FCA9F26F-CCDC-477F-BE14-B96D1ACBE452}"/>
+                </a:ext>
+              </a:extLst>
+            </p:cNvPr>
+            <p:cNvPicPr>
+              <a:picLocks noChangeAspect="1"/>
+            </p:cNvPicPr>
+            <p:nvPr/>
+          </p:nvPicPr>
+          <p:blipFill>
+            <a:blip r:embed="rId51" cstate="print">
+              <a:duotone>
+                <a:schemeClr val="bg2">
+                  <a:shade val="45000"/>
+                  <a:satMod val="135000"/>
+                </a:schemeClr>
+                <a:prstClr val="white"/>
+              </a:duotone>
+              <a:extLst>
+                <a:ext uri="{28A0092B-C50C-407E-A947-70E740481C1C}">
+                  <a14:useLocalDpi xmlns:a14="http://schemas.microsoft.com/office/drawing/2010/main" val="0"/>
+                </a:ext>
+              </a:extLst>
+            </a:blip>
+            <a:stretch>
+              <a:fillRect/>
+            </a:stretch>
+          </p:blipFill>
+          <p:spPr>
+            <a:xfrm>
+              <a:off x="5412316" y="1232060"/>
+              <a:ext cx="252182" cy="268850"/>
+            </a:xfrm>
+            <a:prstGeom prst="rect">
+              <a:avLst/>
+            </a:prstGeom>
+          </p:spPr>
+        </p:pic>
+        <p:pic>
+          <p:nvPicPr>
+            <p:cNvPr id="244" name="Picture 243">
+              <a:extLst>
+                <a:ext uri="{FF2B5EF4-FFF2-40B4-BE49-F238E27FC236}">
+                  <a16:creationId xmlns:a16="http://schemas.microsoft.com/office/drawing/2014/main" id="{1AE8AED4-4298-4462-991C-E34E59FAAF59}"/>
+                </a:ext>
+              </a:extLst>
+            </p:cNvPr>
+            <p:cNvPicPr>
+              <a:picLocks noChangeAspect="1"/>
+            </p:cNvPicPr>
+            <p:nvPr/>
+          </p:nvPicPr>
+          <p:blipFill>
+            <a:blip r:embed="rId51" cstate="print">
+              <a:duotone>
+                <a:schemeClr val="bg2">
+                  <a:shade val="45000"/>
+                  <a:satMod val="135000"/>
+                </a:schemeClr>
+                <a:prstClr val="white"/>
+              </a:duotone>
+              <a:extLst>
+                <a:ext uri="{28A0092B-C50C-407E-A947-70E740481C1C}">
+                  <a14:useLocalDpi xmlns:a14="http://schemas.microsoft.com/office/drawing/2010/main" val="0"/>
+                </a:ext>
+              </a:extLst>
+            </a:blip>
+            <a:stretch>
+              <a:fillRect/>
+            </a:stretch>
+          </p:blipFill>
+          <p:spPr>
+            <a:xfrm>
+              <a:off x="5579568" y="1807204"/>
+              <a:ext cx="252182" cy="268850"/>
+            </a:xfrm>
+            <a:prstGeom prst="rect">
+              <a:avLst/>
+            </a:prstGeom>
+          </p:spPr>
+        </p:pic>
+      </p:grpSp>
+    </p:spTree>
+    <p:extLst>
+      <p:ext uri="{BB962C8B-B14F-4D97-AF65-F5344CB8AC3E}">
+        <p14:creationId xmlns:p14="http://schemas.microsoft.com/office/powerpoint/2010/main" val="3744590909"/>
+      </p:ext>
+    </p:extLst>
+  </p:cSld>
+  <p:clrMapOvr>
+    <a:masterClrMapping/>
+  </p:clrMapOvr>
+</p:sld>
+</file>
+
+<file path=ppt/slides/slide8.xml><?xml version="1.0" encoding="utf-8"?>
 <p:sld xmlns:a="http://schemas.openxmlformats.org/drawingml/2006/main" xmlns:r="http://schemas.openxmlformats.org/officeDocument/2006/relationships" xmlns:p="http://schemas.openxmlformats.org/presentationml/2006/main">
   <p:cSld>
     <p:spTree>
@@ -41392,7 +49275,7 @@
 </p:sld>
 </file>
 
-<file path=ppt/slides/slide8.xml><?xml version="1.0" encoding="utf-8"?>
+<file path=ppt/slides/slide9.xml><?xml version="1.0" encoding="utf-8"?>
 <p:sld xmlns:a="http://schemas.openxmlformats.org/drawingml/2006/main" xmlns:r="http://schemas.openxmlformats.org/officeDocument/2006/relationships" xmlns:p="http://schemas.openxmlformats.org/presentationml/2006/main">
   <p:cSld>
     <p:spTree>
